--- a/Documentatie/Documentație_ PPT.pptx
+++ b/Documentatie/Documentație_ PPT.pptx
@@ -261,7 +261,7 @@
           <a:p>
             <a:fld id="{842CD987-D5F0-423A-B571-656612AAA3E1}" type="datetimeFigureOut">
               <a:rPr lang="en-US" smtClean="0"/>
-              <a:t>1/14/2023</a:t>
+              <a:t>1/23/2023</a:t>
             </a:fld>
             <a:endParaRPr lang="en-US"/>
           </a:p>
@@ -424,7 +424,7 @@
           <a:p>
             <a:fld id="{842CD987-D5F0-423A-B571-656612AAA3E1}" type="datetimeFigureOut">
               <a:rPr lang="en-US" smtClean="0"/>
-              <a:t>1/14/2023</a:t>
+              <a:t>1/23/2023</a:t>
             </a:fld>
             <a:endParaRPr lang="en-US"/>
           </a:p>
@@ -597,7 +597,7 @@
           <a:p>
             <a:fld id="{842CD987-D5F0-423A-B571-656612AAA3E1}" type="datetimeFigureOut">
               <a:rPr lang="en-US" smtClean="0"/>
-              <a:t>1/14/2023</a:t>
+              <a:t>1/23/2023</a:t>
             </a:fld>
             <a:endParaRPr lang="en-US"/>
           </a:p>
@@ -760,7 +760,7 @@
           <a:p>
             <a:fld id="{842CD987-D5F0-423A-B571-656612AAA3E1}" type="datetimeFigureOut">
               <a:rPr lang="en-US" smtClean="0"/>
-              <a:t>1/14/2023</a:t>
+              <a:t>1/23/2023</a:t>
             </a:fld>
             <a:endParaRPr lang="en-US"/>
           </a:p>
@@ -1000,7 +1000,7 @@
           <a:p>
             <a:fld id="{842CD987-D5F0-423A-B571-656612AAA3E1}" type="datetimeFigureOut">
               <a:rPr lang="en-US" smtClean="0"/>
-              <a:t>1/14/2023</a:t>
+              <a:t>1/23/2023</a:t>
             </a:fld>
             <a:endParaRPr lang="en-US"/>
           </a:p>
@@ -1224,7 +1224,7 @@
           <a:p>
             <a:fld id="{842CD987-D5F0-423A-B571-656612AAA3E1}" type="datetimeFigureOut">
               <a:rPr lang="en-US" smtClean="0"/>
-              <a:t>1/14/2023</a:t>
+              <a:t>1/23/2023</a:t>
             </a:fld>
             <a:endParaRPr lang="en-US"/>
           </a:p>
@@ -1583,7 +1583,7 @@
           <a:p>
             <a:fld id="{842CD987-D5F0-423A-B571-656612AAA3E1}" type="datetimeFigureOut">
               <a:rPr lang="en-US" smtClean="0"/>
-              <a:t>1/14/2023</a:t>
+              <a:t>1/23/2023</a:t>
             </a:fld>
             <a:endParaRPr lang="en-US"/>
           </a:p>
@@ -1695,7 +1695,7 @@
           <a:p>
             <a:fld id="{842CD987-D5F0-423A-B571-656612AAA3E1}" type="datetimeFigureOut">
               <a:rPr lang="en-US" smtClean="0"/>
-              <a:t>1/14/2023</a:t>
+              <a:t>1/23/2023</a:t>
             </a:fld>
             <a:endParaRPr lang="en-US"/>
           </a:p>
@@ -1785,7 +1785,7 @@
           <a:p>
             <a:fld id="{842CD987-D5F0-423A-B571-656612AAA3E1}" type="datetimeFigureOut">
               <a:rPr lang="en-US" smtClean="0"/>
-              <a:t>1/14/2023</a:t>
+              <a:t>1/23/2023</a:t>
             </a:fld>
             <a:endParaRPr lang="en-US"/>
           </a:p>
@@ -2055,7 +2055,7 @@
           <a:p>
             <a:fld id="{842CD987-D5F0-423A-B571-656612AAA3E1}" type="datetimeFigureOut">
               <a:rPr lang="en-US" smtClean="0"/>
-              <a:t>1/14/2023</a:t>
+              <a:t>1/23/2023</a:t>
             </a:fld>
             <a:endParaRPr lang="en-US"/>
           </a:p>
@@ -2302,7 +2302,7 @@
           <a:p>
             <a:fld id="{842CD987-D5F0-423A-B571-656612AAA3E1}" type="datetimeFigureOut">
               <a:rPr lang="en-US" smtClean="0"/>
-              <a:t>1/14/2023</a:t>
+              <a:t>1/23/2023</a:t>
             </a:fld>
             <a:endParaRPr lang="en-US"/>
           </a:p>
@@ -2513,7 +2513,7 @@
           <a:p>
             <a:fld id="{842CD987-D5F0-423A-B571-656612AAA3E1}" type="datetimeFigureOut">
               <a:rPr lang="en-US" smtClean="0"/>
-              <a:t>1/14/2023</a:t>
+              <a:t>1/23/2023</a:t>
             </a:fld>
             <a:endParaRPr lang="en-US"/>
           </a:p>
@@ -3740,10 +3740,16 @@
           <a:lstStyle/>
           <a:p>
             <a:r>
-              <a:rPr lang="en-US" sz="4400" dirty="0" err="1">
+              <a:rPr lang="en-US" sz="4400" dirty="0">
                 <a:latin typeface="UT Sans Bold" pitchFamily="50" charset="0"/>
               </a:rPr>
-              <a:t>TeaPython</a:t>
+              <a:t>Tea</a:t>
+            </a:r>
+            <a:r>
+              <a:rPr lang="ro-RO" sz="4400" dirty="0">
+                <a:latin typeface="UT Sans Bold" pitchFamily="50" charset="0"/>
+              </a:rPr>
+              <a:t>Web</a:t>
             </a:r>
             <a:endParaRPr lang="en-US" sz="4400" dirty="0">
               <a:latin typeface="UT Sans Bold" pitchFamily="50" charset="0"/>
@@ -4085,13 +4091,12 @@
               </a:spcAft>
             </a:pPr>
             <a:r>
-              <a:rPr lang="en-US" sz="3600" i="1" dirty="0" err="1">
-                <a:effectLst/>
-                <a:latin typeface="UT Sans"/>
-                <a:ea typeface="Times New Roman" panose="02020603050405020304" pitchFamily="18" charset="0"/>
-                <a:cs typeface="Calibri" panose="020F0502020204030204" pitchFamily="34" charset="0"/>
-              </a:rPr>
-              <a:t>Instalare</a:t>
+              <a:rPr lang="ro-RO" sz="3600" i="1" dirty="0">
+                <a:latin typeface="Calibri" panose="020F0502020204030204" pitchFamily="34" charset="0"/>
+                <a:ea typeface="Calibri" panose="020F0502020204030204" pitchFamily="34" charset="0"/>
+                <a:cs typeface="Calibri" panose="020F0502020204030204" pitchFamily="34" charset="0"/>
+              </a:rPr>
+              <a:t>Configurare aplicație</a:t>
             </a:r>
             <a:endParaRPr lang="en-US" sz="3600" i="1" dirty="0">
               <a:effectLst/>
@@ -4675,16 +4680,15 @@
                 <a:ea typeface="Calibri" panose="020F0502020204030204" pitchFamily="34" charset="0"/>
                 <a:cs typeface="Calibri" panose="020F0502020204030204" pitchFamily="34" charset="0"/>
               </a:rPr>
-              <a:t>” cu </a:t>
-            </a:r>
-            <a:r>
-              <a:rPr lang="en-US" sz="1400" dirty="0" err="1">
-                <a:effectLst/>
-                <a:latin typeface="UT Sans"/>
-                <a:ea typeface="Calibri" panose="020F0502020204030204" pitchFamily="34" charset="0"/>
-                <a:cs typeface="Calibri" panose="020F0502020204030204" pitchFamily="34" charset="0"/>
-              </a:rPr>
-              <a:t>pricina</a:t>
+              <a:t>” </a:t>
+            </a:r>
+            <a:r>
+              <a:rPr lang="ro-RO" sz="1400" dirty="0">
+                <a:latin typeface="UT Sans"/>
+                <a:ea typeface="Calibri" panose="020F0502020204030204" pitchFamily="34" charset="0"/>
+                <a:cs typeface="Calibri" panose="020F0502020204030204" pitchFamily="34" charset="0"/>
+              </a:rPr>
+              <a:t>,</a:t>
             </a:r>
             <a:r>
               <a:rPr lang="en-US" sz="1400" dirty="0">
@@ -5235,13 +5239,22 @@
               </a:buBlip>
             </a:pPr>
             <a:r>
-              <a:rPr lang="en-GB" sz="2000" dirty="0" err="1">
-                <a:effectLst/>
-                <a:latin typeface="UT Sans"/>
-                <a:ea typeface="Calibri" panose="020F0502020204030204" pitchFamily="34" charset="0"/>
-                <a:cs typeface="Times New Roman" panose="02020603050405020304" pitchFamily="18" charset="0"/>
-              </a:rPr>
-              <a:t>TeaPython</a:t>
+              <a:rPr lang="en-GB" sz="2000" dirty="0">
+                <a:effectLst/>
+                <a:latin typeface="UT Sans"/>
+                <a:ea typeface="Calibri" panose="020F0502020204030204" pitchFamily="34" charset="0"/>
+                <a:cs typeface="Times New Roman" panose="02020603050405020304" pitchFamily="18" charset="0"/>
+              </a:rPr>
+              <a:t>Tea</a:t>
+            </a:r>
+            <a:r>
+              <a:rPr lang="ro-RO" sz="2000" dirty="0">
+                <a:effectLst/>
+                <a:latin typeface="UT Sans"/>
+                <a:ea typeface="Calibri" panose="020F0502020204030204" pitchFamily="34" charset="0"/>
+                <a:cs typeface="Times New Roman" panose="02020603050405020304" pitchFamily="18" charset="0"/>
+              </a:rPr>
+              <a:t>Web</a:t>
             </a:r>
             <a:r>
               <a:rPr lang="en-GB" sz="2000" dirty="0">
@@ -6316,8 +6329,8 @@
         </p:blipFill>
         <p:spPr>
           <a:xfrm>
-            <a:off x="1934718" y="3159398"/>
-            <a:ext cx="5202555" cy="2541905"/>
+            <a:off x="1021519" y="2648013"/>
+            <a:ext cx="7100961" cy="3469443"/>
           </a:xfrm>
           <a:prstGeom prst="rect">
             <a:avLst/>
@@ -6811,8 +6824,8 @@
         </p:blipFill>
         <p:spPr bwMode="auto">
           <a:xfrm>
-            <a:off x="1948688" y="3169348"/>
-            <a:ext cx="5174615" cy="2581275"/>
+            <a:off x="1217550" y="2890684"/>
+            <a:ext cx="6774829" cy="3346628"/>
           </a:xfrm>
           <a:prstGeom prst="rect">
             <a:avLst/>
@@ -8867,8 +8880,8 @@
         </p:blipFill>
         <p:spPr bwMode="auto">
           <a:xfrm>
-            <a:off x="860298" y="2850823"/>
-            <a:ext cx="7351395" cy="3117850"/>
+            <a:off x="713241" y="2647757"/>
+            <a:ext cx="7816859" cy="3315261"/>
           </a:xfrm>
           <a:prstGeom prst="rect">
             <a:avLst/>
@@ -10921,7 +10934,25 @@
                 <a:ea typeface="Calibri" panose="020F0502020204030204" pitchFamily="34" charset="0"/>
                 <a:cs typeface="Times New Roman" panose="02020603050405020304" pitchFamily="18" charset="0"/>
               </a:rPr>
-              <a:t>droit</a:t>
+              <a:t>d</a:t>
+            </a:r>
+            <a:r>
+              <a:rPr lang="ro-RO" sz="2000" b="1" i="1" dirty="0">
+                <a:effectLst/>
+                <a:latin typeface="UT Sans"/>
+                <a:ea typeface="Calibri" panose="020F0502020204030204" pitchFamily="34" charset="0"/>
+                <a:cs typeface="Times New Roman" panose="02020603050405020304" pitchFamily="18" charset="0"/>
+              </a:rPr>
+              <a:t>or</a:t>
+            </a:r>
+            <a:r>
+              <a:rPr lang="en-US" sz="2000" b="1" i="1" dirty="0">
+                <a:effectLst/>
+                <a:latin typeface="UT Sans"/>
+                <a:ea typeface="Calibri" panose="020F0502020204030204" pitchFamily="34" charset="0"/>
+                <a:cs typeface="Times New Roman" panose="02020603050405020304" pitchFamily="18" charset="0"/>
+              </a:rPr>
+              <a:t>it</a:t>
             </a:r>
             <a:r>
               <a:rPr lang="en-US" sz="2000" dirty="0">

--- a/Documentatie/Documentație_ PPT.pptx
+++ b/Documentatie/Documentație_ PPT.pptx
@@ -9001,7 +9001,7 @@
         <p:spPr>
           <a:xfrm>
             <a:off x="485763" y="1065439"/>
-            <a:ext cx="8172473" cy="1070871"/>
+            <a:ext cx="8172473" cy="1367234"/>
           </a:xfrm>
           <a:prstGeom prst="rect">
             <a:avLst/>
@@ -9022,6 +9022,15 @@
                 <a:spcPts val="800"/>
               </a:spcAft>
             </a:pPr>
+            <a:r>
+              <a:rPr lang="ro-RO" sz="1800" dirty="0">
+                <a:effectLst/>
+                <a:latin typeface="UT Sans"/>
+                <a:ea typeface="Calibri" panose="020F0502020204030204" pitchFamily="34" charset="0"/>
+                <a:cs typeface="Times New Roman" panose="02020603050405020304" pitchFamily="18" charset="0"/>
+              </a:rPr>
+              <a:t>Pentru baza de date am folosit SQLite. </a:t>
+            </a:r>
             <a:r>
               <a:rPr lang="en-US" sz="1800" dirty="0">
                 <a:effectLst/>
@@ -9289,7 +9298,7 @@
         </p:blipFill>
         <p:spPr>
           <a:xfrm>
-            <a:off x="529976" y="1983640"/>
+            <a:off x="485763" y="2047707"/>
             <a:ext cx="7905985" cy="4334159"/>
           </a:xfrm>
           <a:prstGeom prst="rect">
@@ -10310,7 +10319,7 @@
         </p:nvSpPr>
         <p:spPr>
           <a:xfrm>
-            <a:off x="611560" y="1823048"/>
+            <a:off x="495850" y="1302827"/>
             <a:ext cx="7848872" cy="707886"/>
           </a:xfrm>
           <a:prstGeom prst="rect">
@@ -10553,7 +10562,7 @@
         </p:nvSpPr>
         <p:spPr>
           <a:xfrm>
-            <a:off x="611560" y="1124744"/>
+            <a:off x="735920" y="490654"/>
             <a:ext cx="7848872" cy="646331"/>
           </a:xfrm>
           <a:prstGeom prst="rect">
@@ -10577,42 +10586,6 @@
           </a:p>
         </p:txBody>
       </p:sp>
-      <p:pic>
-        <p:nvPicPr>
-          <p:cNvPr id="3" name="Picture 2">
-            <a:extLst>
-              <a:ext uri="{FF2B5EF4-FFF2-40B4-BE49-F238E27FC236}">
-                <a16:creationId xmlns:a16="http://schemas.microsoft.com/office/drawing/2014/main" id="{37FB9066-1B5D-B98B-E6F5-3BF25FCA787C}"/>
-              </a:ext>
-            </a:extLst>
-          </p:cNvPr>
-          <p:cNvPicPr>
-            <a:picLocks noChangeAspect="1"/>
-          </p:cNvPicPr>
-          <p:nvPr/>
-        </p:nvPicPr>
-        <p:blipFill>
-          <a:blip r:embed="rId4" cstate="print">
-            <a:extLst>
-              <a:ext uri="{28A0092B-C50C-407E-A947-70E740481C1C}">
-                <a14:useLocalDpi xmlns:a14="http://schemas.microsoft.com/office/drawing/2010/main" val="0"/>
-              </a:ext>
-            </a:extLst>
-          </a:blip>
-          <a:stretch>
-            <a:fillRect/>
-          </a:stretch>
-        </p:blipFill>
-        <p:spPr>
-          <a:xfrm>
-            <a:off x="1021519" y="2648013"/>
-            <a:ext cx="7100961" cy="3469443"/>
-          </a:xfrm>
-          <a:prstGeom prst="rect">
-            <a:avLst/>
-          </a:prstGeom>
-        </p:spPr>
-      </p:pic>
       <p:sp>
         <p:nvSpPr>
           <p:cNvPr id="8" name="Slide Number Placeholder 7">
@@ -10642,6 +10615,36 @@
           </a:p>
         </p:txBody>
       </p:sp>
+      <p:pic>
+        <p:nvPicPr>
+          <p:cNvPr id="14" name="Picture 13">
+            <a:extLst>
+              <a:ext uri="{FF2B5EF4-FFF2-40B4-BE49-F238E27FC236}">
+                <a16:creationId xmlns:a16="http://schemas.microsoft.com/office/drawing/2014/main" id="{F4242427-951E-BCC1-79B1-1F54CAE8C1BD}"/>
+              </a:ext>
+            </a:extLst>
+          </p:cNvPr>
+          <p:cNvPicPr>
+            <a:picLocks noChangeAspect="1"/>
+          </p:cNvPicPr>
+          <p:nvPr/>
+        </p:nvPicPr>
+        <p:blipFill>
+          <a:blip r:embed="rId4"/>
+          <a:stretch>
+            <a:fillRect/>
+          </a:stretch>
+        </p:blipFill>
+        <p:spPr>
+          <a:xfrm>
+            <a:off x="709686" y="2178225"/>
+            <a:ext cx="7835494" cy="3670738"/>
+          </a:xfrm>
+          <a:prstGeom prst="rect">
+            <a:avLst/>
+          </a:prstGeom>
+        </p:spPr>
+      </p:pic>
     </p:spTree>
     <p:extLst>
       <p:ext uri="{BB962C8B-B14F-4D97-AF65-F5344CB8AC3E}">
@@ -10811,7 +10814,7 @@
         </p:nvSpPr>
         <p:spPr>
           <a:xfrm>
-            <a:off x="611560" y="1823048"/>
+            <a:off x="366709" y="1351894"/>
             <a:ext cx="7848872" cy="1015663"/>
           </a:xfrm>
           <a:prstGeom prst="rect">
@@ -11078,7 +11081,7 @@
         </p:nvSpPr>
         <p:spPr>
           <a:xfrm>
-            <a:off x="611560" y="1124744"/>
+            <a:off x="567558" y="444845"/>
             <a:ext cx="7848872" cy="646331"/>
           </a:xfrm>
           <a:prstGeom prst="rect">
@@ -11102,49 +11105,6 @@
           </a:p>
         </p:txBody>
       </p:sp>
-      <p:pic>
-        <p:nvPicPr>
-          <p:cNvPr id="11" name="Picture 10">
-            <a:extLst>
-              <a:ext uri="{FF2B5EF4-FFF2-40B4-BE49-F238E27FC236}">
-                <a16:creationId xmlns:a16="http://schemas.microsoft.com/office/drawing/2014/main" id="{D2A31E7B-4162-51B6-5636-352C30E3A6D4}"/>
-              </a:ext>
-            </a:extLst>
-          </p:cNvPr>
-          <p:cNvPicPr>
-            <a:picLocks noChangeAspect="1"/>
-          </p:cNvPicPr>
-          <p:nvPr/>
-        </p:nvPicPr>
-        <p:blipFill rotWithShape="1">
-          <a:blip r:embed="rId4" cstate="print">
-            <a:extLst>
-              <a:ext uri="{28A0092B-C50C-407E-A947-70E740481C1C}">
-                <a14:useLocalDpi xmlns:a14="http://schemas.microsoft.com/office/drawing/2010/main" val="0"/>
-              </a:ext>
-            </a:extLst>
-          </a:blip>
-          <a:srcRect t="587"/>
-          <a:stretch/>
-        </p:blipFill>
-        <p:spPr bwMode="auto">
-          <a:xfrm>
-            <a:off x="1217550" y="2890684"/>
-            <a:ext cx="6774829" cy="3346628"/>
-          </a:xfrm>
-          <a:prstGeom prst="rect">
-            <a:avLst/>
-          </a:prstGeom>
-          <a:ln>
-            <a:noFill/>
-          </a:ln>
-          <a:extLst>
-            <a:ext uri="{53640926-AAD7-44D8-BBD7-CCE9431645EC}">
-              <a14:shadowObscured xmlns:a14="http://schemas.microsoft.com/office/drawing/2010/main"/>
-            </a:ext>
-          </a:extLst>
-        </p:spPr>
-      </p:pic>
       <p:sp>
         <p:nvSpPr>
           <p:cNvPr id="3" name="Slide Number Placeholder 2">
@@ -11174,6 +11134,36 @@
           </a:p>
         </p:txBody>
       </p:sp>
+      <p:pic>
+        <p:nvPicPr>
+          <p:cNvPr id="10" name="Picture 9">
+            <a:extLst>
+              <a:ext uri="{FF2B5EF4-FFF2-40B4-BE49-F238E27FC236}">
+                <a16:creationId xmlns:a16="http://schemas.microsoft.com/office/drawing/2014/main" id="{94639E2A-88F5-7C75-42A2-86302AF5CEC4}"/>
+              </a:ext>
+            </a:extLst>
+          </p:cNvPr>
+          <p:cNvPicPr>
+            <a:picLocks noChangeAspect="1"/>
+          </p:cNvPicPr>
+          <p:nvPr/>
+        </p:nvPicPr>
+        <p:blipFill>
+          <a:blip r:embed="rId4"/>
+          <a:stretch>
+            <a:fillRect/>
+          </a:stretch>
+        </p:blipFill>
+        <p:spPr>
+          <a:xfrm>
+            <a:off x="943593" y="2486596"/>
+            <a:ext cx="7256813" cy="3642058"/>
+          </a:xfrm>
+          <a:prstGeom prst="rect">
+            <a:avLst/>
+          </a:prstGeom>
+        </p:spPr>
+      </p:pic>
     </p:spTree>
     <p:extLst>
       <p:ext uri="{BB962C8B-B14F-4D97-AF65-F5344CB8AC3E}">
@@ -11746,7 +11736,7 @@
         </p:blipFill>
         <p:spPr>
           <a:xfrm>
-            <a:off x="2214245" y="1943867"/>
+            <a:off x="2135869" y="2017084"/>
             <a:ext cx="4715510" cy="2108200"/>
           </a:xfrm>
           <a:prstGeom prst="rect">
@@ -11782,7 +11772,7 @@
         </p:blipFill>
         <p:spPr>
           <a:xfrm>
-            <a:off x="1596390" y="4093792"/>
+            <a:off x="1439652" y="4234660"/>
             <a:ext cx="5951220" cy="2377440"/>
           </a:xfrm>
           <a:prstGeom prst="rect">

--- a/Documentatie/Documentație_ PPT.pptx
+++ b/Documentatie/Documentație_ PPT.pptx
@@ -5,7 +5,7 @@
     <p:sldMasterId id="2147483834" r:id="rId1"/>
   </p:sldMasterIdLst>
   <p:notesMasterIdLst>
-    <p:notesMasterId r:id="rId18"/>
+    <p:notesMasterId r:id="rId17"/>
   </p:notesMasterIdLst>
   <p:sldIdLst>
     <p:sldId id="256" r:id="rId2"/>
@@ -14,16 +14,15 @@
     <p:sldId id="262" r:id="rId5"/>
     <p:sldId id="274" r:id="rId6"/>
     <p:sldId id="275" r:id="rId7"/>
-    <p:sldId id="265" r:id="rId8"/>
-    <p:sldId id="267" r:id="rId9"/>
-    <p:sldId id="268" r:id="rId10"/>
-    <p:sldId id="276" r:id="rId11"/>
-    <p:sldId id="269" r:id="rId12"/>
-    <p:sldId id="270" r:id="rId13"/>
-    <p:sldId id="272" r:id="rId14"/>
-    <p:sldId id="277" r:id="rId15"/>
-    <p:sldId id="279" r:id="rId16"/>
-    <p:sldId id="278" r:id="rId17"/>
+    <p:sldId id="267" r:id="rId8"/>
+    <p:sldId id="268" r:id="rId9"/>
+    <p:sldId id="276" r:id="rId10"/>
+    <p:sldId id="269" r:id="rId11"/>
+    <p:sldId id="270" r:id="rId12"/>
+    <p:sldId id="272" r:id="rId13"/>
+    <p:sldId id="277" r:id="rId14"/>
+    <p:sldId id="279" r:id="rId15"/>
+    <p:sldId id="278" r:id="rId16"/>
   </p:sldIdLst>
   <p:sldSz cx="9144000" cy="6858000" type="screen4x3"/>
   <p:notesSz cx="6858000" cy="9144000"/>
@@ -4448,7 +4447,7 @@
         </p:nvSpPr>
         <p:spPr>
           <a:xfrm>
-            <a:off x="647564" y="1115691"/>
+            <a:off x="647564" y="766895"/>
             <a:ext cx="7848872" cy="658835"/>
           </a:xfrm>
           <a:prstGeom prst="rect">
@@ -4474,12 +4473,13 @@
               </a:spcAft>
             </a:pPr>
             <a:r>
-              <a:rPr lang="ro-RO" sz="3600" i="1" dirty="0">
-                <a:latin typeface="Calibri" panose="020F0502020204030204" pitchFamily="34" charset="0"/>
-                <a:ea typeface="Calibri" panose="020F0502020204030204" pitchFamily="34" charset="0"/>
+              <a:rPr lang="en-US" sz="3600" i="1" dirty="0">
+                <a:effectLst/>
+                <a:latin typeface="UT Sans"/>
+                <a:ea typeface="Times New Roman" panose="02020603050405020304" pitchFamily="18" charset="0"/>
                 <a:cs typeface="Calibri" panose="020F0502020204030204" pitchFamily="34" charset="0"/>
               </a:rPr>
-              <a:t>Diagramă funționalitate aplicație</a:t>
+              <a:t>Management</a:t>
             </a:r>
             <a:endParaRPr lang="en-US" sz="3600" i="1" dirty="0">
               <a:effectLst/>
@@ -4490,48 +4490,579 @@
           </a:p>
         </p:txBody>
       </p:sp>
-      <p:pic>
-        <p:nvPicPr>
-          <p:cNvPr id="7" name="Picture 6">
+      <p:sp>
+        <p:nvSpPr>
+          <p:cNvPr id="11" name="TextBox 10">
             <a:extLst>
               <a:ext uri="{FF2B5EF4-FFF2-40B4-BE49-F238E27FC236}">
-                <a16:creationId xmlns:a16="http://schemas.microsoft.com/office/drawing/2014/main" id="{D7AA729A-74BD-23A1-D64D-468338C78361}"/>
+                <a16:creationId xmlns:a16="http://schemas.microsoft.com/office/drawing/2014/main" id="{E51ABD50-F7A1-E7C4-E45F-7E08957D50E9}"/>
               </a:ext>
             </a:extLst>
           </p:cNvPr>
-          <p:cNvPicPr>
-            <a:picLocks noChangeAspect="1"/>
-          </p:cNvPicPr>
+          <p:cNvSpPr txBox="1"/>
           <p:nvPr/>
-        </p:nvPicPr>
-        <p:blipFill>
-          <a:blip r:embed="rId3">
-            <a:extLst>
-              <a:ext uri="{28A0092B-C50C-407E-A947-70E740481C1C}">
-                <a14:useLocalDpi xmlns:a14="http://schemas.microsoft.com/office/drawing/2010/main" val="0"/>
-              </a:ext>
-            </a:extLst>
-          </a:blip>
-          <a:stretch>
-            <a:fillRect/>
-          </a:stretch>
-        </p:blipFill>
+        </p:nvSpPr>
         <p:spPr>
           <a:xfrm>
-            <a:off x="495763" y="2436570"/>
-            <a:ext cx="7964669" cy="3156085"/>
+            <a:off x="611560" y="1783579"/>
+            <a:ext cx="5220580" cy="3648691"/>
           </a:xfrm>
           <a:prstGeom prst="rect">
             <a:avLst/>
           </a:prstGeom>
+          <a:noFill/>
         </p:spPr>
-      </p:pic>
+        <p:txBody>
+          <a:bodyPr wrap="square" rtlCol="0">
+            <a:spAutoFit/>
+          </a:bodyPr>
+          <a:lstStyle/>
+          <a:p>
+            <a:pPr marL="342900" indent="-342900" algn="just">
+              <a:buBlip>
+                <a:blip r:embed="rId3"/>
+              </a:buBlip>
+            </a:pPr>
+            <a:r>
+              <a:rPr lang="en-US" sz="2000" dirty="0" err="1">
+                <a:latin typeface="UT Sans" pitchFamily="50" charset="0"/>
+              </a:rPr>
+              <a:t>Etape</a:t>
+            </a:r>
+            <a:r>
+              <a:rPr lang="en-US" sz="2000" dirty="0">
+                <a:latin typeface="UT Sans" pitchFamily="50" charset="0"/>
+              </a:rPr>
+              <a:t> </a:t>
+            </a:r>
+            <a:r>
+              <a:rPr lang="en-US" sz="2000" dirty="0" err="1">
+                <a:latin typeface="UT Sans" pitchFamily="50" charset="0"/>
+              </a:rPr>
+              <a:t>Realizare</a:t>
+            </a:r>
+            <a:r>
+              <a:rPr lang="en-US" sz="2000" dirty="0">
+                <a:latin typeface="UT Sans" pitchFamily="50" charset="0"/>
+              </a:rPr>
+              <a:t>:</a:t>
+            </a:r>
+          </a:p>
+          <a:p>
+            <a:pPr marL="742950" marR="0" lvl="1" indent="-285750" algn="just">
+              <a:lnSpc>
+                <a:spcPct val="106000"/>
+              </a:lnSpc>
+              <a:spcBef>
+                <a:spcPts val="0"/>
+              </a:spcBef>
+              <a:spcAft>
+                <a:spcPts val="0"/>
+              </a:spcAft>
+              <a:buFont typeface="+mj-lt"/>
+              <a:buAutoNum type="romanUcPeriod"/>
+            </a:pPr>
+            <a:r>
+              <a:rPr lang="en-US" sz="2000" dirty="0" err="1">
+                <a:effectLst/>
+                <a:latin typeface="UT Sans"/>
+                <a:ea typeface="Calibri" panose="020F0502020204030204" pitchFamily="34" charset="0"/>
+                <a:cs typeface="Times New Roman" panose="02020603050405020304" pitchFamily="18" charset="0"/>
+              </a:rPr>
+              <a:t>Realizarea</a:t>
+            </a:r>
+            <a:r>
+              <a:rPr lang="en-US" sz="2000" dirty="0">
+                <a:effectLst/>
+                <a:latin typeface="UT Sans"/>
+                <a:ea typeface="Calibri" panose="020F0502020204030204" pitchFamily="34" charset="0"/>
+                <a:cs typeface="Times New Roman" panose="02020603050405020304" pitchFamily="18" charset="0"/>
+              </a:rPr>
+              <a:t> </a:t>
+            </a:r>
+            <a:r>
+              <a:rPr lang="en-US" sz="2000" dirty="0" err="1">
+                <a:effectLst/>
+                <a:latin typeface="UT Sans"/>
+                <a:ea typeface="Calibri" panose="020F0502020204030204" pitchFamily="34" charset="0"/>
+                <a:cs typeface="Times New Roman" panose="02020603050405020304" pitchFamily="18" charset="0"/>
+              </a:rPr>
+              <a:t>diagramelor</a:t>
+            </a:r>
+            <a:r>
+              <a:rPr lang="en-US" sz="2000" dirty="0">
+                <a:effectLst/>
+                <a:latin typeface="UT Sans"/>
+                <a:ea typeface="Calibri" panose="020F0502020204030204" pitchFamily="34" charset="0"/>
+                <a:cs typeface="Times New Roman" panose="02020603050405020304" pitchFamily="18" charset="0"/>
+              </a:rPr>
+              <a:t> U.M.L.</a:t>
+            </a:r>
+          </a:p>
+          <a:p>
+            <a:pPr marL="742950" marR="0" lvl="1" indent="-285750" algn="just">
+              <a:lnSpc>
+                <a:spcPct val="106000"/>
+              </a:lnSpc>
+              <a:spcBef>
+                <a:spcPts val="0"/>
+              </a:spcBef>
+              <a:spcAft>
+                <a:spcPts val="0"/>
+              </a:spcAft>
+              <a:buFont typeface="+mj-lt"/>
+              <a:buAutoNum type="romanUcPeriod"/>
+            </a:pPr>
+            <a:r>
+              <a:rPr lang="en-US" sz="2000" dirty="0" err="1">
+                <a:effectLst/>
+                <a:latin typeface="UT Sans"/>
+                <a:ea typeface="Calibri" panose="020F0502020204030204" pitchFamily="34" charset="0"/>
+                <a:cs typeface="Times New Roman" panose="02020603050405020304" pitchFamily="18" charset="0"/>
+              </a:rPr>
+              <a:t>Realizare</a:t>
+            </a:r>
+            <a:r>
+              <a:rPr lang="en-US" sz="2000" dirty="0">
+                <a:effectLst/>
+                <a:latin typeface="UT Sans"/>
+                <a:ea typeface="Calibri" panose="020F0502020204030204" pitchFamily="34" charset="0"/>
+                <a:cs typeface="Times New Roman" panose="02020603050405020304" pitchFamily="18" charset="0"/>
+              </a:rPr>
+              <a:t> mock-</a:t>
+            </a:r>
+            <a:r>
+              <a:rPr lang="en-US" sz="2000" dirty="0" err="1">
+                <a:effectLst/>
+                <a:latin typeface="UT Sans"/>
+                <a:ea typeface="Calibri" panose="020F0502020204030204" pitchFamily="34" charset="0"/>
+                <a:cs typeface="Times New Roman" panose="02020603050405020304" pitchFamily="18" charset="0"/>
+              </a:rPr>
+              <a:t>urilor</a:t>
+            </a:r>
+            <a:r>
+              <a:rPr lang="en-US" sz="2000" dirty="0">
+                <a:effectLst/>
+                <a:latin typeface="UT Sans"/>
+                <a:ea typeface="Calibri" panose="020F0502020204030204" pitchFamily="34" charset="0"/>
+                <a:cs typeface="Times New Roman" panose="02020603050405020304" pitchFamily="18" charset="0"/>
+              </a:rPr>
+              <a:t> </a:t>
+            </a:r>
+            <a:r>
+              <a:rPr lang="en-US" sz="2000" dirty="0" err="1">
+                <a:effectLst/>
+                <a:latin typeface="UT Sans"/>
+                <a:ea typeface="Calibri" panose="020F0502020204030204" pitchFamily="34" charset="0"/>
+                <a:cs typeface="Times New Roman" panose="02020603050405020304" pitchFamily="18" charset="0"/>
+              </a:rPr>
+              <a:t>pentru</a:t>
+            </a:r>
+            <a:r>
+              <a:rPr lang="en-US" sz="2000" dirty="0">
+                <a:effectLst/>
+                <a:latin typeface="UT Sans"/>
+                <a:ea typeface="Calibri" panose="020F0502020204030204" pitchFamily="34" charset="0"/>
+                <a:cs typeface="Times New Roman" panose="02020603050405020304" pitchFamily="18" charset="0"/>
+              </a:rPr>
+              <a:t> </a:t>
+            </a:r>
+            <a:r>
+              <a:rPr lang="en-US" sz="2000" dirty="0" err="1">
+                <a:effectLst/>
+                <a:latin typeface="UT Sans"/>
+                <a:ea typeface="Calibri" panose="020F0502020204030204" pitchFamily="34" charset="0"/>
+                <a:cs typeface="Times New Roman" panose="02020603050405020304" pitchFamily="18" charset="0"/>
+              </a:rPr>
+              <a:t>partea</a:t>
+            </a:r>
+            <a:r>
+              <a:rPr lang="en-US" sz="2000" dirty="0">
+                <a:effectLst/>
+                <a:latin typeface="UT Sans"/>
+                <a:ea typeface="Calibri" panose="020F0502020204030204" pitchFamily="34" charset="0"/>
+                <a:cs typeface="Times New Roman" panose="02020603050405020304" pitchFamily="18" charset="0"/>
+              </a:rPr>
+              <a:t> de front-end</a:t>
+            </a:r>
+          </a:p>
+          <a:p>
+            <a:pPr marL="742950" marR="0" lvl="1" indent="-285750" algn="just">
+              <a:lnSpc>
+                <a:spcPct val="106000"/>
+              </a:lnSpc>
+              <a:spcBef>
+                <a:spcPts val="0"/>
+              </a:spcBef>
+              <a:spcAft>
+                <a:spcPts val="0"/>
+              </a:spcAft>
+              <a:buFont typeface="+mj-lt"/>
+              <a:buAutoNum type="romanUcPeriod"/>
+            </a:pPr>
+            <a:r>
+              <a:rPr lang="en-US" sz="2000" dirty="0" err="1">
+                <a:effectLst/>
+                <a:latin typeface="UT Sans"/>
+                <a:ea typeface="Calibri" panose="020F0502020204030204" pitchFamily="34" charset="0"/>
+                <a:cs typeface="Times New Roman" panose="02020603050405020304" pitchFamily="18" charset="0"/>
+              </a:rPr>
+              <a:t>Implementarea</a:t>
+            </a:r>
+            <a:r>
+              <a:rPr lang="en-US" sz="2000" dirty="0">
+                <a:effectLst/>
+                <a:latin typeface="UT Sans"/>
+                <a:ea typeface="Calibri" panose="020F0502020204030204" pitchFamily="34" charset="0"/>
+                <a:cs typeface="Times New Roman" panose="02020603050405020304" pitchFamily="18" charset="0"/>
+              </a:rPr>
+              <a:t> </a:t>
+            </a:r>
+            <a:r>
+              <a:rPr lang="en-US" sz="2000" dirty="0" err="1">
+                <a:effectLst/>
+                <a:latin typeface="UT Sans"/>
+                <a:ea typeface="Calibri" panose="020F0502020204030204" pitchFamily="34" charset="0"/>
+                <a:cs typeface="Times New Roman" panose="02020603050405020304" pitchFamily="18" charset="0"/>
+              </a:rPr>
+              <a:t>segmentelor</a:t>
+            </a:r>
+            <a:r>
+              <a:rPr lang="en-US" sz="2000" dirty="0">
+                <a:effectLst/>
+                <a:latin typeface="UT Sans"/>
+                <a:ea typeface="Calibri" panose="020F0502020204030204" pitchFamily="34" charset="0"/>
+                <a:cs typeface="Times New Roman" panose="02020603050405020304" pitchFamily="18" charset="0"/>
+              </a:rPr>
+              <a:t> de </a:t>
+            </a:r>
+            <a:r>
+              <a:rPr lang="en-US" sz="2000" dirty="0" err="1">
+                <a:effectLst/>
+                <a:latin typeface="UT Sans"/>
+                <a:ea typeface="Calibri" panose="020F0502020204030204" pitchFamily="34" charset="0"/>
+                <a:cs typeface="Times New Roman" panose="02020603050405020304" pitchFamily="18" charset="0"/>
+              </a:rPr>
+              <a:t>bază</a:t>
+            </a:r>
+            <a:r>
+              <a:rPr lang="en-US" sz="2000" dirty="0">
+                <a:effectLst/>
+                <a:latin typeface="UT Sans"/>
+                <a:ea typeface="Calibri" panose="020F0502020204030204" pitchFamily="34" charset="0"/>
+                <a:cs typeface="Times New Roman" panose="02020603050405020304" pitchFamily="18" charset="0"/>
+              </a:rPr>
+              <a:t> (</a:t>
+            </a:r>
+            <a:r>
+              <a:rPr lang="en-US" sz="2000" dirty="0" err="1">
+                <a:effectLst/>
+                <a:latin typeface="UT Sans"/>
+                <a:ea typeface="Calibri" panose="020F0502020204030204" pitchFamily="34" charset="0"/>
+                <a:cs typeface="Times New Roman" panose="02020603050405020304" pitchFamily="18" charset="0"/>
+              </a:rPr>
+              <a:t>atât</a:t>
+            </a:r>
+            <a:r>
+              <a:rPr lang="en-US" sz="2000" dirty="0">
+                <a:effectLst/>
+                <a:latin typeface="UT Sans"/>
+                <a:ea typeface="Calibri" panose="020F0502020204030204" pitchFamily="34" charset="0"/>
+                <a:cs typeface="Times New Roman" panose="02020603050405020304" pitchFamily="18" charset="0"/>
+              </a:rPr>
+              <a:t> front-end </a:t>
+            </a:r>
+            <a:r>
+              <a:rPr lang="en-US" sz="2000" dirty="0" err="1">
+                <a:effectLst/>
+                <a:latin typeface="UT Sans"/>
+                <a:ea typeface="Calibri" panose="020F0502020204030204" pitchFamily="34" charset="0"/>
+                <a:cs typeface="Times New Roman" panose="02020603050405020304" pitchFamily="18" charset="0"/>
+              </a:rPr>
+              <a:t>cât</a:t>
+            </a:r>
+            <a:r>
+              <a:rPr lang="en-US" sz="2000" dirty="0">
+                <a:effectLst/>
+                <a:latin typeface="UT Sans"/>
+                <a:ea typeface="Calibri" panose="020F0502020204030204" pitchFamily="34" charset="0"/>
+                <a:cs typeface="Times New Roman" panose="02020603050405020304" pitchFamily="18" charset="0"/>
+              </a:rPr>
+              <a:t> </a:t>
+            </a:r>
+            <a:r>
+              <a:rPr lang="en-US" sz="2000" dirty="0" err="1">
+                <a:effectLst/>
+                <a:latin typeface="UT Sans"/>
+                <a:ea typeface="Calibri" panose="020F0502020204030204" pitchFamily="34" charset="0"/>
+                <a:cs typeface="Times New Roman" panose="02020603050405020304" pitchFamily="18" charset="0"/>
+              </a:rPr>
+              <a:t>si</a:t>
+            </a:r>
+            <a:r>
+              <a:rPr lang="en-US" sz="2000" dirty="0">
+                <a:effectLst/>
+                <a:latin typeface="UT Sans"/>
+                <a:ea typeface="Calibri" panose="020F0502020204030204" pitchFamily="34" charset="0"/>
+                <a:cs typeface="Times New Roman" panose="02020603050405020304" pitchFamily="18" charset="0"/>
+              </a:rPr>
+              <a:t> backend):</a:t>
+            </a:r>
+          </a:p>
+          <a:p>
+            <a:pPr marL="1143000" marR="0" lvl="2" indent="-228600" algn="just">
+              <a:lnSpc>
+                <a:spcPct val="106000"/>
+              </a:lnSpc>
+              <a:spcBef>
+                <a:spcPts val="0"/>
+              </a:spcBef>
+              <a:spcAft>
+                <a:spcPts val="0"/>
+              </a:spcAft>
+              <a:buFont typeface="Wingdings" panose="05000000000000000000" pitchFamily="2" charset="2"/>
+              <a:buChar char=""/>
+            </a:pPr>
+            <a:r>
+              <a:rPr lang="en-US" sz="2000" dirty="0">
+                <a:effectLst/>
+                <a:latin typeface="UT Sans"/>
+                <a:ea typeface="Calibri" panose="020F0502020204030204" pitchFamily="34" charset="0"/>
+                <a:cs typeface="Times New Roman" panose="02020603050405020304" pitchFamily="18" charset="0"/>
+              </a:rPr>
+              <a:t>Sign-Up &amp; Login;</a:t>
+            </a:r>
+          </a:p>
+          <a:p>
+            <a:pPr marL="1143000" marR="0" lvl="2" indent="-228600" algn="just">
+              <a:lnSpc>
+                <a:spcPct val="106000"/>
+              </a:lnSpc>
+              <a:spcBef>
+                <a:spcPts val="0"/>
+              </a:spcBef>
+              <a:spcAft>
+                <a:spcPts val="0"/>
+              </a:spcAft>
+              <a:buFont typeface="Wingdings" panose="05000000000000000000" pitchFamily="2" charset="2"/>
+              <a:buChar char=""/>
+            </a:pPr>
+            <a:r>
+              <a:rPr lang="en-US" sz="2000" dirty="0" err="1">
+                <a:effectLst/>
+                <a:latin typeface="UT Sans"/>
+                <a:ea typeface="Calibri" panose="020F0502020204030204" pitchFamily="34" charset="0"/>
+                <a:cs typeface="Times New Roman" panose="02020603050405020304" pitchFamily="18" charset="0"/>
+              </a:rPr>
+              <a:t>Posibilitatea</a:t>
+            </a:r>
+            <a:r>
+              <a:rPr lang="en-US" sz="2000" dirty="0">
+                <a:effectLst/>
+                <a:latin typeface="UT Sans"/>
+                <a:ea typeface="Calibri" panose="020F0502020204030204" pitchFamily="34" charset="0"/>
+                <a:cs typeface="Times New Roman" panose="02020603050405020304" pitchFamily="18" charset="0"/>
+              </a:rPr>
+              <a:t> de a </a:t>
+            </a:r>
+            <a:r>
+              <a:rPr lang="en-US" sz="2000" dirty="0" err="1">
+                <a:effectLst/>
+                <a:latin typeface="UT Sans"/>
+                <a:ea typeface="Calibri" panose="020F0502020204030204" pitchFamily="34" charset="0"/>
+                <a:cs typeface="Times New Roman" panose="02020603050405020304" pitchFamily="18" charset="0"/>
+              </a:rPr>
+              <a:t>putea</a:t>
+            </a:r>
+            <a:r>
+              <a:rPr lang="en-US" sz="2000" dirty="0">
+                <a:effectLst/>
+                <a:latin typeface="UT Sans"/>
+                <a:ea typeface="Calibri" panose="020F0502020204030204" pitchFamily="34" charset="0"/>
+                <a:cs typeface="Times New Roman" panose="02020603050405020304" pitchFamily="18" charset="0"/>
+              </a:rPr>
+              <a:t> </a:t>
+            </a:r>
+            <a:r>
+              <a:rPr lang="en-US" sz="2000" dirty="0" err="1">
+                <a:effectLst/>
+                <a:latin typeface="UT Sans"/>
+                <a:ea typeface="Calibri" panose="020F0502020204030204" pitchFamily="34" charset="0"/>
+                <a:cs typeface="Times New Roman" panose="02020603050405020304" pitchFamily="18" charset="0"/>
+              </a:rPr>
+              <a:t>crea</a:t>
+            </a:r>
+            <a:r>
+              <a:rPr lang="en-US" sz="2000" dirty="0">
+                <a:effectLst/>
+                <a:latin typeface="UT Sans"/>
+                <a:ea typeface="Calibri" panose="020F0502020204030204" pitchFamily="34" charset="0"/>
+                <a:cs typeface="Times New Roman" panose="02020603050405020304" pitchFamily="18" charset="0"/>
+              </a:rPr>
+              <a:t> </a:t>
+            </a:r>
+            <a:r>
+              <a:rPr lang="en-US" sz="2000" dirty="0" err="1">
+                <a:effectLst/>
+                <a:latin typeface="UT Sans"/>
+                <a:ea typeface="Calibri" panose="020F0502020204030204" pitchFamily="34" charset="0"/>
+                <a:cs typeface="Times New Roman" panose="02020603050405020304" pitchFamily="18" charset="0"/>
+              </a:rPr>
+              <a:t>sugestii</a:t>
+            </a:r>
+            <a:r>
+              <a:rPr lang="en-US" sz="2000" dirty="0">
+                <a:effectLst/>
+                <a:latin typeface="UT Sans"/>
+                <a:ea typeface="Calibri" panose="020F0502020204030204" pitchFamily="34" charset="0"/>
+                <a:cs typeface="Times New Roman" panose="02020603050405020304" pitchFamily="18" charset="0"/>
+              </a:rPr>
+              <a:t>;</a:t>
+            </a:r>
+          </a:p>
+          <a:p>
+            <a:pPr marL="1143000" marR="0" lvl="2" indent="-228600" algn="just">
+              <a:lnSpc>
+                <a:spcPct val="106000"/>
+              </a:lnSpc>
+              <a:spcBef>
+                <a:spcPts val="0"/>
+              </a:spcBef>
+              <a:spcAft>
+                <a:spcPts val="0"/>
+              </a:spcAft>
+              <a:buFont typeface="Wingdings" panose="05000000000000000000" pitchFamily="2" charset="2"/>
+              <a:buChar char=""/>
+            </a:pPr>
+            <a:r>
+              <a:rPr lang="en-US" sz="2000" dirty="0" err="1">
+                <a:effectLst/>
+                <a:latin typeface="UT Sans"/>
+                <a:ea typeface="Calibri" panose="020F0502020204030204" pitchFamily="34" charset="0"/>
+                <a:cs typeface="Times New Roman" panose="02020603050405020304" pitchFamily="18" charset="0"/>
+              </a:rPr>
+              <a:t>Editare</a:t>
+            </a:r>
+            <a:r>
+              <a:rPr lang="en-US" sz="2000" dirty="0">
+                <a:effectLst/>
+                <a:latin typeface="UT Sans"/>
+                <a:ea typeface="Calibri" panose="020F0502020204030204" pitchFamily="34" charset="0"/>
+                <a:cs typeface="Times New Roman" panose="02020603050405020304" pitchFamily="18" charset="0"/>
+              </a:rPr>
+              <a:t> </a:t>
+            </a:r>
+            <a:r>
+              <a:rPr lang="en-US" sz="2000" dirty="0" err="1">
+                <a:effectLst/>
+                <a:latin typeface="UT Sans"/>
+                <a:ea typeface="Calibri" panose="020F0502020204030204" pitchFamily="34" charset="0"/>
+                <a:cs typeface="Times New Roman" panose="02020603050405020304" pitchFamily="18" charset="0"/>
+              </a:rPr>
+              <a:t>cont</a:t>
+            </a:r>
+            <a:r>
+              <a:rPr lang="en-US" sz="2000" dirty="0">
+                <a:effectLst/>
+                <a:latin typeface="UT Sans"/>
+                <a:ea typeface="Calibri" panose="020F0502020204030204" pitchFamily="34" charset="0"/>
+                <a:cs typeface="Times New Roman" panose="02020603050405020304" pitchFamily="18" charset="0"/>
+              </a:rPr>
+              <a:t>;</a:t>
+            </a:r>
+          </a:p>
+          <a:p>
+            <a:pPr marL="1143000" marR="0" lvl="2" indent="-228600" algn="just">
+              <a:lnSpc>
+                <a:spcPct val="106000"/>
+              </a:lnSpc>
+              <a:spcBef>
+                <a:spcPts val="0"/>
+              </a:spcBef>
+              <a:spcAft>
+                <a:spcPts val="0"/>
+              </a:spcAft>
+              <a:buFont typeface="Wingdings" panose="05000000000000000000" pitchFamily="2" charset="2"/>
+              <a:buChar char=""/>
+            </a:pPr>
+            <a:r>
+              <a:rPr lang="en-US" sz="2000" dirty="0" err="1">
+                <a:effectLst/>
+                <a:latin typeface="UT Sans"/>
+                <a:ea typeface="Calibri" panose="020F0502020204030204" pitchFamily="34" charset="0"/>
+                <a:cs typeface="Times New Roman" panose="02020603050405020304" pitchFamily="18" charset="0"/>
+              </a:rPr>
+              <a:t>Editare</a:t>
+            </a:r>
+            <a:r>
+              <a:rPr lang="en-US" sz="2000" dirty="0">
+                <a:effectLst/>
+                <a:latin typeface="UT Sans"/>
+                <a:ea typeface="Calibri" panose="020F0502020204030204" pitchFamily="34" charset="0"/>
+                <a:cs typeface="Times New Roman" panose="02020603050405020304" pitchFamily="18" charset="0"/>
+              </a:rPr>
+              <a:t> </a:t>
+            </a:r>
+            <a:r>
+              <a:rPr lang="en-US" sz="2000" dirty="0" err="1">
+                <a:effectLst/>
+                <a:latin typeface="UT Sans"/>
+                <a:ea typeface="Calibri" panose="020F0502020204030204" pitchFamily="34" charset="0"/>
+                <a:cs typeface="Times New Roman" panose="02020603050405020304" pitchFamily="18" charset="0"/>
+              </a:rPr>
+              <a:t>sugestii</a:t>
+            </a:r>
+            <a:r>
+              <a:rPr lang="en-US" sz="2000" dirty="0">
+                <a:effectLst/>
+                <a:latin typeface="UT Sans"/>
+                <a:ea typeface="Calibri" panose="020F0502020204030204" pitchFamily="34" charset="0"/>
+                <a:cs typeface="Times New Roman" panose="02020603050405020304" pitchFamily="18" charset="0"/>
+              </a:rPr>
+              <a:t>;</a:t>
+            </a:r>
+          </a:p>
+          <a:p>
+            <a:pPr marL="1143000" marR="0" lvl="2" indent="-228600" algn="just">
+              <a:lnSpc>
+                <a:spcPct val="106000"/>
+              </a:lnSpc>
+              <a:spcBef>
+                <a:spcPts val="0"/>
+              </a:spcBef>
+              <a:spcAft>
+                <a:spcPts val="800"/>
+              </a:spcAft>
+              <a:buFont typeface="Wingdings" panose="05000000000000000000" pitchFamily="2" charset="2"/>
+              <a:buChar char=""/>
+            </a:pPr>
+            <a:r>
+              <a:rPr lang="en-US" sz="2000" dirty="0" err="1">
+                <a:effectLst/>
+                <a:latin typeface="UT Sans"/>
+                <a:ea typeface="Calibri" panose="020F0502020204030204" pitchFamily="34" charset="0"/>
+                <a:cs typeface="Times New Roman" panose="02020603050405020304" pitchFamily="18" charset="0"/>
+              </a:rPr>
+              <a:t>Installere</a:t>
+            </a:r>
+            <a:r>
+              <a:rPr lang="en-US" sz="2000" dirty="0">
+                <a:effectLst/>
+                <a:latin typeface="UT Sans"/>
+                <a:ea typeface="Calibri" panose="020F0502020204030204" pitchFamily="34" charset="0"/>
+                <a:cs typeface="Times New Roman" panose="02020603050405020304" pitchFamily="18" charset="0"/>
+              </a:rPr>
+              <a:t>.</a:t>
+            </a:r>
+          </a:p>
+        </p:txBody>
+      </p:sp>
       <p:sp>
         <p:nvSpPr>
-          <p:cNvPr id="8" name="Slide Number Placeholder 7">
+          <p:cNvPr id="3" name="Slide Number Placeholder 2">
             <a:extLst>
               <a:ext uri="{FF2B5EF4-FFF2-40B4-BE49-F238E27FC236}">
-                <a16:creationId xmlns:a16="http://schemas.microsoft.com/office/drawing/2014/main" id="{BC4E663C-3DD0-EBA5-E3A5-20E0C5462DE4}"/>
+                <a16:creationId xmlns:a16="http://schemas.microsoft.com/office/drawing/2014/main" id="{A0C92469-523A-3670-942F-789F00164258}"/>
               </a:ext>
             </a:extLst>
           </p:cNvPr>
@@ -4558,7 +5089,7 @@
     </p:spTree>
     <p:extLst>
       <p:ext uri="{BB962C8B-B14F-4D97-AF65-F5344CB8AC3E}">
-        <p14:creationId xmlns:p14="http://schemas.microsoft.com/office/powerpoint/2010/main" val="362432450"/>
+        <p14:creationId xmlns:p14="http://schemas.microsoft.com/office/powerpoint/2010/main" val="3381472783"/>
       </p:ext>
     </p:extLst>
   </p:cSld>
@@ -4760,7 +5291,7 @@
         </p:nvSpPr>
         <p:spPr>
           <a:xfrm>
-            <a:off x="611560" y="1124744"/>
+            <a:off x="647564" y="770069"/>
             <a:ext cx="7848872" cy="658835"/>
           </a:xfrm>
           <a:prstGeom prst="rect">
@@ -4817,8 +5348,8 @@
         </p:nvSpPr>
         <p:spPr>
           <a:xfrm>
-            <a:off x="611560" y="1783579"/>
-            <a:ext cx="5220580" cy="3648691"/>
+            <a:off x="359532" y="1783579"/>
+            <a:ext cx="4536504" cy="3974934"/>
           </a:xfrm>
           <a:prstGeom prst="rect">
             <a:avLst/>
@@ -4840,7 +5371,7 @@
               <a:rPr lang="en-US" sz="2000" dirty="0" err="1">
                 <a:latin typeface="UT Sans" pitchFamily="50" charset="0"/>
               </a:rPr>
-              <a:t>Etape</a:t>
+              <a:t>Cerințe</a:t>
             </a:r>
             <a:r>
               <a:rPr lang="en-US" sz="2000" dirty="0">
@@ -4852,7 +5383,7 @@
               <a:rPr lang="en-US" sz="2000" dirty="0" err="1">
                 <a:latin typeface="UT Sans" pitchFamily="50" charset="0"/>
               </a:rPr>
-              <a:t>Realizare</a:t>
+              <a:t>Funcționalitate</a:t>
             </a:r>
             <a:r>
               <a:rPr lang="en-US" sz="2000" dirty="0">
@@ -4862,7 +5393,7 @@
             </a:r>
           </a:p>
           <a:p>
-            <a:pPr marL="742950" marR="0" lvl="1" indent="-285750" algn="just">
+            <a:pPr marL="1143000" marR="0" lvl="2" indent="-228600" algn="just">
               <a:lnSpc>
                 <a:spcPct val="106000"/>
               </a:lnSpc>
@@ -4876,13 +5407,85 @@
               <a:buAutoNum type="romanUcPeriod"/>
             </a:pPr>
             <a:r>
+              <a:rPr lang="en-US" sz="2000" dirty="0">
+                <a:effectLst/>
+                <a:latin typeface="UT Sans"/>
+                <a:ea typeface="Calibri" panose="020F0502020204030204" pitchFamily="34" charset="0"/>
+                <a:cs typeface="Times New Roman" panose="02020603050405020304" pitchFamily="18" charset="0"/>
+              </a:rPr>
+              <a:t>Front-end:</a:t>
+            </a:r>
+          </a:p>
+          <a:p>
+            <a:pPr marL="1600200" marR="0" lvl="3" indent="-228600" algn="just">
+              <a:lnSpc>
+                <a:spcPct val="106000"/>
+              </a:lnSpc>
+              <a:spcBef>
+                <a:spcPts val="0"/>
+              </a:spcBef>
+              <a:spcAft>
+                <a:spcPts val="0"/>
+              </a:spcAft>
+              <a:buFont typeface="Wingdings" panose="05000000000000000000" pitchFamily="2" charset="2"/>
+              <a:buChar char=""/>
+            </a:pPr>
+            <a:r>
+              <a:rPr lang="en-US" sz="2000" dirty="0">
+                <a:effectLst/>
+                <a:latin typeface="UT Sans"/>
+                <a:ea typeface="Calibri" panose="020F0502020204030204" pitchFamily="34" charset="0"/>
+                <a:cs typeface="Times New Roman" panose="02020603050405020304" pitchFamily="18" charset="0"/>
+              </a:rPr>
+              <a:t>Main Page: Login/Sign-up;</a:t>
+            </a:r>
+          </a:p>
+          <a:p>
+            <a:pPr marL="1600200" marR="0" lvl="3" indent="-228600" algn="just">
+              <a:lnSpc>
+                <a:spcPct val="106000"/>
+              </a:lnSpc>
+              <a:spcBef>
+                <a:spcPts val="0"/>
+              </a:spcBef>
+              <a:spcAft>
+                <a:spcPts val="0"/>
+              </a:spcAft>
+              <a:buFont typeface="Wingdings" panose="05000000000000000000" pitchFamily="2" charset="2"/>
+              <a:buChar char=""/>
+            </a:pPr>
+            <a:r>
+              <a:rPr lang="en-US" sz="2000" dirty="0">
+                <a:effectLst/>
+                <a:latin typeface="UT Sans"/>
+                <a:ea typeface="Calibri" panose="020F0502020204030204" pitchFamily="34" charset="0"/>
+                <a:cs typeface="Times New Roman" panose="02020603050405020304" pitchFamily="18" charset="0"/>
+              </a:rPr>
+              <a:t>Home Page;</a:t>
+            </a:r>
+          </a:p>
+          <a:p>
+            <a:pPr marL="1600200" marR="0" lvl="3" indent="-228600" algn="just">
+              <a:lnSpc>
+                <a:spcPct val="106000"/>
+              </a:lnSpc>
+              <a:spcBef>
+                <a:spcPts val="0"/>
+              </a:spcBef>
+              <a:spcAft>
+                <a:spcPts val="0"/>
+              </a:spcAft>
+              <a:buFont typeface="Wingdings" panose="05000000000000000000" pitchFamily="2" charset="2"/>
+              <a:buChar char=""/>
+            </a:pPr>
+            <a:r>
               <a:rPr lang="en-US" sz="2000" dirty="0" err="1">
                 <a:effectLst/>
                 <a:latin typeface="UT Sans"/>
                 <a:ea typeface="Calibri" panose="020F0502020204030204" pitchFamily="34" charset="0"/>
                 <a:cs typeface="Times New Roman" panose="02020603050405020304" pitchFamily="18" charset="0"/>
               </a:rPr>
-              <a:t>Realizarea</a:t>
+              <a:t>Aplicații</a:t>
             </a:r>
             <a:r>
               <a:rPr lang="en-US" sz="2000" dirty="0">
@@ -4900,7 +5503,7 @@
                 <a:ea typeface="Calibri" panose="020F0502020204030204" pitchFamily="34" charset="0"/>
                 <a:cs typeface="Times New Roman" panose="02020603050405020304" pitchFamily="18" charset="0"/>
               </a:rPr>
-              <a:t>diagramelor</a:t>
+              <a:t>Disponibile</a:t>
             </a:r>
             <a:r>
               <a:rPr lang="en-US" sz="2000" dirty="0">
@@ -4909,11 +5512,69 @@
                 <a:ea typeface="Calibri" panose="020F0502020204030204" pitchFamily="34" charset="0"/>
                 <a:cs typeface="Times New Roman" panose="02020603050405020304" pitchFamily="18" charset="0"/>
               </a:rPr>
-              <a:t> U.M.L.</a:t>
-            </a:r>
-          </a:p>
-          <a:p>
-            <a:pPr marL="742950" marR="0" lvl="1" indent="-285750" algn="just">
+              <a:t>;</a:t>
+            </a:r>
+          </a:p>
+          <a:p>
+            <a:pPr marL="1600200" marR="0" lvl="3" indent="-228600" algn="just">
+              <a:lnSpc>
+                <a:spcPct val="106000"/>
+              </a:lnSpc>
+              <a:spcBef>
+                <a:spcPts val="0"/>
+              </a:spcBef>
+              <a:spcAft>
+                <a:spcPts val="0"/>
+              </a:spcAft>
+              <a:buFont typeface="Wingdings" panose="05000000000000000000" pitchFamily="2" charset="2"/>
+              <a:buChar char=""/>
+            </a:pPr>
+            <a:r>
+              <a:rPr lang="en-US" sz="2000" dirty="0" err="1">
+                <a:effectLst/>
+                <a:latin typeface="UT Sans"/>
+                <a:ea typeface="Calibri" panose="020F0502020204030204" pitchFamily="34" charset="0"/>
+                <a:cs typeface="Times New Roman" panose="02020603050405020304" pitchFamily="18" charset="0"/>
+              </a:rPr>
+              <a:t>Profil</a:t>
+            </a:r>
+            <a:r>
+              <a:rPr lang="en-US" sz="2000" dirty="0">
+                <a:effectLst/>
+                <a:latin typeface="UT Sans"/>
+                <a:ea typeface="Calibri" panose="020F0502020204030204" pitchFamily="34" charset="0"/>
+                <a:cs typeface="Times New Roman" panose="02020603050405020304" pitchFamily="18" charset="0"/>
+              </a:rPr>
+              <a:t>.</a:t>
+            </a:r>
+            <a:endParaRPr lang="ro-RO" sz="2000" dirty="0">
+              <a:effectLst/>
+              <a:latin typeface="UT Sans"/>
+              <a:ea typeface="Calibri" panose="020F0502020204030204" pitchFamily="34" charset="0"/>
+              <a:cs typeface="Times New Roman" panose="02020603050405020304" pitchFamily="18" charset="0"/>
+            </a:endParaRPr>
+          </a:p>
+          <a:p>
+            <a:pPr marR="0" lvl="3" algn="just">
+              <a:lnSpc>
+                <a:spcPct val="106000"/>
+              </a:lnSpc>
+              <a:spcBef>
+                <a:spcPts val="0"/>
+              </a:spcBef>
+              <a:spcAft>
+                <a:spcPts val="0"/>
+              </a:spcAft>
+            </a:pPr>
+            <a:endParaRPr lang="en-US" sz="2000" dirty="0">
+              <a:effectLst/>
+              <a:latin typeface="UT Sans"/>
+              <a:ea typeface="Calibri" panose="020F0502020204030204" pitchFamily="34" charset="0"/>
+              <a:cs typeface="Times New Roman" panose="02020603050405020304" pitchFamily="18" charset="0"/>
+            </a:endParaRPr>
+          </a:p>
+          <a:p>
+            <a:pPr marL="1143000" marR="0" lvl="2" indent="-228600" algn="just">
               <a:lnSpc>
                 <a:spcPct val="106000"/>
               </a:lnSpc>
@@ -4927,203 +5588,17 @@
               <a:buAutoNum type="romanUcPeriod"/>
             </a:pPr>
             <a:r>
-              <a:rPr lang="en-US" sz="2000" dirty="0" err="1">
-                <a:effectLst/>
-                <a:latin typeface="UT Sans"/>
-                <a:ea typeface="Calibri" panose="020F0502020204030204" pitchFamily="34" charset="0"/>
-                <a:cs typeface="Times New Roman" panose="02020603050405020304" pitchFamily="18" charset="0"/>
-              </a:rPr>
-              <a:t>Realizare</a:t>
-            </a:r>
-            <a:r>
               <a:rPr lang="en-US" sz="2000" dirty="0">
                 <a:effectLst/>
                 <a:latin typeface="UT Sans"/>
                 <a:ea typeface="Calibri" panose="020F0502020204030204" pitchFamily="34" charset="0"/>
                 <a:cs typeface="Times New Roman" panose="02020603050405020304" pitchFamily="18" charset="0"/>
               </a:rPr>
-              <a:t> mock-</a:t>
-            </a:r>
-            <a:r>
-              <a:rPr lang="en-US" sz="2000" dirty="0" err="1">
-                <a:effectLst/>
-                <a:latin typeface="UT Sans"/>
-                <a:ea typeface="Calibri" panose="020F0502020204030204" pitchFamily="34" charset="0"/>
-                <a:cs typeface="Times New Roman" panose="02020603050405020304" pitchFamily="18" charset="0"/>
-              </a:rPr>
-              <a:t>urilor</a:t>
-            </a:r>
-            <a:r>
-              <a:rPr lang="en-US" sz="2000" dirty="0">
-                <a:effectLst/>
-                <a:latin typeface="UT Sans"/>
-                <a:ea typeface="Calibri" panose="020F0502020204030204" pitchFamily="34" charset="0"/>
-                <a:cs typeface="Times New Roman" panose="02020603050405020304" pitchFamily="18" charset="0"/>
-              </a:rPr>
-              <a:t> </a:t>
-            </a:r>
-            <a:r>
-              <a:rPr lang="en-US" sz="2000" dirty="0" err="1">
-                <a:effectLst/>
-                <a:latin typeface="UT Sans"/>
-                <a:ea typeface="Calibri" panose="020F0502020204030204" pitchFamily="34" charset="0"/>
-                <a:cs typeface="Times New Roman" panose="02020603050405020304" pitchFamily="18" charset="0"/>
-              </a:rPr>
-              <a:t>pentru</a:t>
-            </a:r>
-            <a:r>
-              <a:rPr lang="en-US" sz="2000" dirty="0">
-                <a:effectLst/>
-                <a:latin typeface="UT Sans"/>
-                <a:ea typeface="Calibri" panose="020F0502020204030204" pitchFamily="34" charset="0"/>
-                <a:cs typeface="Times New Roman" panose="02020603050405020304" pitchFamily="18" charset="0"/>
-              </a:rPr>
-              <a:t> </a:t>
-            </a:r>
-            <a:r>
-              <a:rPr lang="en-US" sz="2000" dirty="0" err="1">
-                <a:effectLst/>
-                <a:latin typeface="UT Sans"/>
-                <a:ea typeface="Calibri" panose="020F0502020204030204" pitchFamily="34" charset="0"/>
-                <a:cs typeface="Times New Roman" panose="02020603050405020304" pitchFamily="18" charset="0"/>
-              </a:rPr>
-              <a:t>partea</a:t>
-            </a:r>
-            <a:r>
-              <a:rPr lang="en-US" sz="2000" dirty="0">
-                <a:effectLst/>
-                <a:latin typeface="UT Sans"/>
-                <a:ea typeface="Calibri" panose="020F0502020204030204" pitchFamily="34" charset="0"/>
-                <a:cs typeface="Times New Roman" panose="02020603050405020304" pitchFamily="18" charset="0"/>
-              </a:rPr>
-              <a:t> de front-end</a:t>
-            </a:r>
-          </a:p>
-          <a:p>
-            <a:pPr marL="742950" marR="0" lvl="1" indent="-285750" algn="just">
-              <a:lnSpc>
-                <a:spcPct val="106000"/>
-              </a:lnSpc>
-              <a:spcBef>
-                <a:spcPts val="0"/>
-              </a:spcBef>
-              <a:spcAft>
-                <a:spcPts val="0"/>
-              </a:spcAft>
-              <a:buFont typeface="+mj-lt"/>
-              <a:buAutoNum type="romanUcPeriod"/>
-            </a:pPr>
-            <a:r>
-              <a:rPr lang="en-US" sz="2000" dirty="0" err="1">
-                <a:effectLst/>
-                <a:latin typeface="UT Sans"/>
-                <a:ea typeface="Calibri" panose="020F0502020204030204" pitchFamily="34" charset="0"/>
-                <a:cs typeface="Times New Roman" panose="02020603050405020304" pitchFamily="18" charset="0"/>
-              </a:rPr>
-              <a:t>Implementarea</a:t>
-            </a:r>
-            <a:r>
-              <a:rPr lang="en-US" sz="2000" dirty="0">
-                <a:effectLst/>
-                <a:latin typeface="UT Sans"/>
-                <a:ea typeface="Calibri" panose="020F0502020204030204" pitchFamily="34" charset="0"/>
-                <a:cs typeface="Times New Roman" panose="02020603050405020304" pitchFamily="18" charset="0"/>
-              </a:rPr>
-              <a:t> </a:t>
-            </a:r>
-            <a:r>
-              <a:rPr lang="en-US" sz="2000" dirty="0" err="1">
-                <a:effectLst/>
-                <a:latin typeface="UT Sans"/>
-                <a:ea typeface="Calibri" panose="020F0502020204030204" pitchFamily="34" charset="0"/>
-                <a:cs typeface="Times New Roman" panose="02020603050405020304" pitchFamily="18" charset="0"/>
-              </a:rPr>
-              <a:t>segmentelor</a:t>
-            </a:r>
-            <a:r>
-              <a:rPr lang="en-US" sz="2000" dirty="0">
-                <a:effectLst/>
-                <a:latin typeface="UT Sans"/>
-                <a:ea typeface="Calibri" panose="020F0502020204030204" pitchFamily="34" charset="0"/>
-                <a:cs typeface="Times New Roman" panose="02020603050405020304" pitchFamily="18" charset="0"/>
-              </a:rPr>
-              <a:t> de </a:t>
-            </a:r>
-            <a:r>
-              <a:rPr lang="en-US" sz="2000" dirty="0" err="1">
-                <a:effectLst/>
-                <a:latin typeface="UT Sans"/>
-                <a:ea typeface="Calibri" panose="020F0502020204030204" pitchFamily="34" charset="0"/>
-                <a:cs typeface="Times New Roman" panose="02020603050405020304" pitchFamily="18" charset="0"/>
-              </a:rPr>
-              <a:t>bază</a:t>
-            </a:r>
-            <a:r>
-              <a:rPr lang="en-US" sz="2000" dirty="0">
-                <a:effectLst/>
-                <a:latin typeface="UT Sans"/>
-                <a:ea typeface="Calibri" panose="020F0502020204030204" pitchFamily="34" charset="0"/>
-                <a:cs typeface="Times New Roman" panose="02020603050405020304" pitchFamily="18" charset="0"/>
-              </a:rPr>
-              <a:t> (</a:t>
-            </a:r>
-            <a:r>
-              <a:rPr lang="en-US" sz="2000" dirty="0" err="1">
-                <a:effectLst/>
-                <a:latin typeface="UT Sans"/>
-                <a:ea typeface="Calibri" panose="020F0502020204030204" pitchFamily="34" charset="0"/>
-                <a:cs typeface="Times New Roman" panose="02020603050405020304" pitchFamily="18" charset="0"/>
-              </a:rPr>
-              <a:t>atât</a:t>
-            </a:r>
-            <a:r>
-              <a:rPr lang="en-US" sz="2000" dirty="0">
-                <a:effectLst/>
-                <a:latin typeface="UT Sans"/>
-                <a:ea typeface="Calibri" panose="020F0502020204030204" pitchFamily="34" charset="0"/>
-                <a:cs typeface="Times New Roman" panose="02020603050405020304" pitchFamily="18" charset="0"/>
-              </a:rPr>
-              <a:t> front-end </a:t>
-            </a:r>
-            <a:r>
-              <a:rPr lang="en-US" sz="2000" dirty="0" err="1">
-                <a:effectLst/>
-                <a:latin typeface="UT Sans"/>
-                <a:ea typeface="Calibri" panose="020F0502020204030204" pitchFamily="34" charset="0"/>
-                <a:cs typeface="Times New Roman" panose="02020603050405020304" pitchFamily="18" charset="0"/>
-              </a:rPr>
-              <a:t>cât</a:t>
-            </a:r>
-            <a:r>
-              <a:rPr lang="en-US" sz="2000" dirty="0">
-                <a:effectLst/>
-                <a:latin typeface="UT Sans"/>
-                <a:ea typeface="Calibri" panose="020F0502020204030204" pitchFamily="34" charset="0"/>
-                <a:cs typeface="Times New Roman" panose="02020603050405020304" pitchFamily="18" charset="0"/>
-              </a:rPr>
-              <a:t> </a:t>
-            </a:r>
-            <a:r>
-              <a:rPr lang="en-US" sz="2000" dirty="0" err="1">
-                <a:effectLst/>
-                <a:latin typeface="UT Sans"/>
-                <a:ea typeface="Calibri" panose="020F0502020204030204" pitchFamily="34" charset="0"/>
-                <a:cs typeface="Times New Roman" panose="02020603050405020304" pitchFamily="18" charset="0"/>
-              </a:rPr>
-              <a:t>si</a:t>
-            </a:r>
-            <a:r>
-              <a:rPr lang="en-US" sz="2000" dirty="0">
-                <a:effectLst/>
-                <a:latin typeface="UT Sans"/>
-                <a:ea typeface="Calibri" panose="020F0502020204030204" pitchFamily="34" charset="0"/>
-                <a:cs typeface="Times New Roman" panose="02020603050405020304" pitchFamily="18" charset="0"/>
-              </a:rPr>
-              <a:t> backend):</a:t>
-            </a:r>
-          </a:p>
-          <a:p>
-            <a:pPr marL="1143000" marR="0" lvl="2" indent="-228600" algn="just">
+              <a:t>Back-end:</a:t>
+            </a:r>
+          </a:p>
+          <a:p>
+            <a:pPr marL="1600200" marR="0" lvl="3" indent="-228600" algn="just">
               <a:lnSpc>
                 <a:spcPct val="106000"/>
               </a:lnSpc>
@@ -5137,17 +5612,44 @@
               <a:buChar char=""/>
             </a:pPr>
             <a:r>
+              <a:rPr lang="en-US" sz="2000" dirty="0" err="1">
+                <a:effectLst/>
+                <a:latin typeface="UT Sans"/>
+                <a:ea typeface="Calibri" panose="020F0502020204030204" pitchFamily="34" charset="0"/>
+                <a:cs typeface="Times New Roman" panose="02020603050405020304" pitchFamily="18" charset="0"/>
+              </a:rPr>
+              <a:t>Salvare</a:t>
+            </a:r>
+            <a:r>
               <a:rPr lang="en-US" sz="2000" dirty="0">
                 <a:effectLst/>
                 <a:latin typeface="UT Sans"/>
                 <a:ea typeface="Calibri" panose="020F0502020204030204" pitchFamily="34" charset="0"/>
                 <a:cs typeface="Times New Roman" panose="02020603050405020304" pitchFamily="18" charset="0"/>
               </a:rPr>
-              <a:t>Sign-Up &amp; Login;</a:t>
-            </a:r>
-          </a:p>
-          <a:p>
-            <a:pPr marL="1143000" marR="0" lvl="2" indent="-228600" algn="just">
+              <a:t> date </a:t>
+            </a:r>
+            <a:r>
+              <a:rPr lang="en-US" sz="2000" dirty="0" err="1">
+                <a:effectLst/>
+                <a:latin typeface="UT Sans"/>
+                <a:ea typeface="Calibri" panose="020F0502020204030204" pitchFamily="34" charset="0"/>
+                <a:cs typeface="Times New Roman" panose="02020603050405020304" pitchFamily="18" charset="0"/>
+              </a:rPr>
+              <a:t>utilizatori</a:t>
+            </a:r>
+            <a:r>
+              <a:rPr lang="en-US" sz="2000" dirty="0">
+                <a:effectLst/>
+                <a:latin typeface="UT Sans"/>
+                <a:ea typeface="Calibri" panose="020F0502020204030204" pitchFamily="34" charset="0"/>
+                <a:cs typeface="Times New Roman" panose="02020603050405020304" pitchFamily="18" charset="0"/>
+              </a:rPr>
+              <a:t>;</a:t>
+            </a:r>
+          </a:p>
+          <a:p>
+            <a:pPr marL="1600200" marR="0" lvl="3" indent="-228600" algn="just">
               <a:lnSpc>
                 <a:spcPct val="106000"/>
               </a:lnSpc>
@@ -5167,7 +5669,7 @@
                 <a:ea typeface="Calibri" panose="020F0502020204030204" pitchFamily="34" charset="0"/>
                 <a:cs typeface="Times New Roman" panose="02020603050405020304" pitchFamily="18" charset="0"/>
               </a:rPr>
-              <a:t>Posibilitatea</a:t>
+              <a:t>Crearea</a:t>
             </a:r>
             <a:r>
               <a:rPr lang="en-US" sz="2000" dirty="0">
@@ -5176,7 +5678,7 @@
                 <a:ea typeface="Calibri" panose="020F0502020204030204" pitchFamily="34" charset="0"/>
                 <a:cs typeface="Times New Roman" panose="02020603050405020304" pitchFamily="18" charset="0"/>
               </a:rPr>
-              <a:t> de a </a:t>
+              <a:t> </a:t>
             </a:r>
             <a:r>
               <a:rPr lang="en-US" sz="2000" dirty="0" err="1">
@@ -5185,7 +5687,7 @@
                 <a:ea typeface="Calibri" panose="020F0502020204030204" pitchFamily="34" charset="0"/>
                 <a:cs typeface="Times New Roman" panose="02020603050405020304" pitchFamily="18" charset="0"/>
               </a:rPr>
-              <a:t>putea</a:t>
+              <a:t>intaller-ului</a:t>
             </a:r>
             <a:r>
               <a:rPr lang="en-US" sz="2000" dirty="0">
@@ -5197,13 +5699,31 @@
               <a:t> </a:t>
             </a:r>
             <a:r>
-              <a:rPr lang="en-US" sz="2000" dirty="0" err="1">
-                <a:effectLst/>
-                <a:latin typeface="UT Sans"/>
-                <a:ea typeface="Calibri" panose="020F0502020204030204" pitchFamily="34" charset="0"/>
-                <a:cs typeface="Times New Roman" panose="02020603050405020304" pitchFamily="18" charset="0"/>
-              </a:rPr>
-              <a:t>crea</a:t>
+              <a:rPr lang="en-US" sz="2000" b="1" i="1" dirty="0">
+                <a:effectLst/>
+                <a:latin typeface="UT Sans"/>
+                <a:ea typeface="Calibri" panose="020F0502020204030204" pitchFamily="34" charset="0"/>
+                <a:cs typeface="Times New Roman" panose="02020603050405020304" pitchFamily="18" charset="0"/>
+              </a:rPr>
+              <a:t>d</a:t>
+            </a:r>
+            <a:r>
+              <a:rPr lang="ro-RO" sz="2000" b="1" i="1" dirty="0">
+                <a:effectLst/>
+                <a:latin typeface="UT Sans"/>
+                <a:ea typeface="Calibri" panose="020F0502020204030204" pitchFamily="34" charset="0"/>
+                <a:cs typeface="Times New Roman" panose="02020603050405020304" pitchFamily="18" charset="0"/>
+              </a:rPr>
+              <a:t>or</a:t>
+            </a:r>
+            <a:r>
+              <a:rPr lang="en-US" sz="2000" b="1" i="1" dirty="0">
+                <a:effectLst/>
+                <a:latin typeface="UT Sans"/>
+                <a:ea typeface="Calibri" panose="020F0502020204030204" pitchFamily="34" charset="0"/>
+                <a:cs typeface="Times New Roman" panose="02020603050405020304" pitchFamily="18" charset="0"/>
+              </a:rPr>
+              <a:t>it</a:t>
             </a:r>
             <a:r>
               <a:rPr lang="en-US" sz="2000" dirty="0">
@@ -5212,29 +5732,11 @@
                 <a:ea typeface="Calibri" panose="020F0502020204030204" pitchFamily="34" charset="0"/>
                 <a:cs typeface="Times New Roman" panose="02020603050405020304" pitchFamily="18" charset="0"/>
               </a:rPr>
-              <a:t> </a:t>
-            </a:r>
-            <a:r>
-              <a:rPr lang="en-US" sz="2000" dirty="0" err="1">
-                <a:effectLst/>
-                <a:latin typeface="UT Sans"/>
-                <a:ea typeface="Calibri" panose="020F0502020204030204" pitchFamily="34" charset="0"/>
-                <a:cs typeface="Times New Roman" panose="02020603050405020304" pitchFamily="18" charset="0"/>
-              </a:rPr>
-              <a:t>sugestii</a:t>
-            </a:r>
-            <a:r>
-              <a:rPr lang="en-US" sz="2000" dirty="0">
-                <a:effectLst/>
-                <a:latin typeface="UT Sans"/>
-                <a:ea typeface="Calibri" panose="020F0502020204030204" pitchFamily="34" charset="0"/>
-                <a:cs typeface="Times New Roman" panose="02020603050405020304" pitchFamily="18" charset="0"/>
-              </a:rPr>
               <a:t>;</a:t>
             </a:r>
           </a:p>
           <a:p>
-            <a:pPr marL="1143000" marR="0" lvl="2" indent="-228600" algn="just">
+            <a:pPr marL="1600200" marR="0" lvl="3" indent="-228600" algn="just">
               <a:lnSpc>
                 <a:spcPct val="106000"/>
               </a:lnSpc>
@@ -5254,7 +5756,7 @@
                 <a:ea typeface="Calibri" panose="020F0502020204030204" pitchFamily="34" charset="0"/>
                 <a:cs typeface="Times New Roman" panose="02020603050405020304" pitchFamily="18" charset="0"/>
               </a:rPr>
-              <a:t>Editare</a:t>
+              <a:t>Selectarea</a:t>
             </a:r>
             <a:r>
               <a:rPr lang="en-US" sz="2000" dirty="0">
@@ -5272,7 +5774,7 @@
                 <a:ea typeface="Calibri" panose="020F0502020204030204" pitchFamily="34" charset="0"/>
                 <a:cs typeface="Times New Roman" panose="02020603050405020304" pitchFamily="18" charset="0"/>
               </a:rPr>
-              <a:t>cont</a:t>
+              <a:t>aplicațiilor</a:t>
             </a:r>
             <a:r>
               <a:rPr lang="en-US" sz="2000" dirty="0">
@@ -5285,7 +5787,136 @@
             </a:r>
           </a:p>
           <a:p>
-            <a:pPr marL="1143000" marR="0" lvl="2" indent="-228600" algn="just">
+            <a:pPr marL="1600200" marR="0" lvl="3" indent="-228600" algn="just">
+              <a:lnSpc>
+                <a:spcPct val="106000"/>
+              </a:lnSpc>
+              <a:spcBef>
+                <a:spcPts val="0"/>
+              </a:spcBef>
+              <a:spcAft>
+                <a:spcPts val="800"/>
+              </a:spcAft>
+              <a:buFont typeface="Wingdings" panose="05000000000000000000" pitchFamily="2" charset="2"/>
+              <a:buChar char=""/>
+            </a:pPr>
+            <a:r>
+              <a:rPr lang="en-US" sz="2000" dirty="0" err="1">
+                <a:effectLst/>
+                <a:latin typeface="UT Sans"/>
+                <a:ea typeface="Calibri" panose="020F0502020204030204" pitchFamily="34" charset="0"/>
+                <a:cs typeface="Times New Roman" panose="02020603050405020304" pitchFamily="18" charset="0"/>
+              </a:rPr>
+              <a:t>Descărcarea</a:t>
+            </a:r>
+            <a:r>
+              <a:rPr lang="en-US" sz="2000" dirty="0">
+                <a:effectLst/>
+                <a:latin typeface="UT Sans"/>
+                <a:ea typeface="Calibri" panose="020F0502020204030204" pitchFamily="34" charset="0"/>
+                <a:cs typeface="Times New Roman" panose="02020603050405020304" pitchFamily="18" charset="0"/>
+              </a:rPr>
+              <a:t> </a:t>
+            </a:r>
+            <a:r>
+              <a:rPr lang="en-US" sz="2000" dirty="0" err="1">
+                <a:effectLst/>
+                <a:latin typeface="UT Sans"/>
+                <a:ea typeface="Calibri" panose="020F0502020204030204" pitchFamily="34" charset="0"/>
+                <a:cs typeface="Times New Roman" panose="02020603050405020304" pitchFamily="18" charset="0"/>
+              </a:rPr>
+              <a:t>aplicațiilor</a:t>
+            </a:r>
+            <a:r>
+              <a:rPr lang="en-US" sz="2000" dirty="0">
+                <a:effectLst/>
+                <a:latin typeface="UT Sans"/>
+                <a:ea typeface="Calibri" panose="020F0502020204030204" pitchFamily="34" charset="0"/>
+                <a:cs typeface="Times New Roman" panose="02020603050405020304" pitchFamily="18" charset="0"/>
+              </a:rPr>
+              <a:t>.</a:t>
+            </a:r>
+          </a:p>
+        </p:txBody>
+      </p:sp>
+      <p:sp>
+        <p:nvSpPr>
+          <p:cNvPr id="3" name="TextBox 2">
+            <a:extLst>
+              <a:ext uri="{FF2B5EF4-FFF2-40B4-BE49-F238E27FC236}">
+                <a16:creationId xmlns:a16="http://schemas.microsoft.com/office/drawing/2014/main" id="{356CEE15-654E-1559-B3B2-284EA9600F0B}"/>
+              </a:ext>
+            </a:extLst>
+          </p:cNvPr>
+          <p:cNvSpPr txBox="1"/>
+          <p:nvPr/>
+        </p:nvSpPr>
+        <p:spPr>
+          <a:xfrm>
+            <a:off x="5218398" y="1802524"/>
+            <a:ext cx="4536504" cy="2996205"/>
+          </a:xfrm>
+          <a:prstGeom prst="rect">
+            <a:avLst/>
+          </a:prstGeom>
+          <a:noFill/>
+        </p:spPr>
+        <p:txBody>
+          <a:bodyPr wrap="square" rtlCol="0">
+            <a:spAutoFit/>
+          </a:bodyPr>
+          <a:lstStyle/>
+          <a:p>
+            <a:pPr marL="342900" indent="-342900" algn="just">
+              <a:buBlip>
+                <a:blip r:embed="rId3"/>
+              </a:buBlip>
+            </a:pPr>
+            <a:r>
+              <a:rPr lang="en-US" sz="2000" dirty="0" err="1">
+                <a:latin typeface="UT Sans" pitchFamily="50" charset="0"/>
+              </a:rPr>
+              <a:t>Cerințe</a:t>
+            </a:r>
+            <a:r>
+              <a:rPr lang="en-US" sz="2000" dirty="0">
+                <a:latin typeface="UT Sans" pitchFamily="50" charset="0"/>
+              </a:rPr>
+              <a:t> Non-</a:t>
+            </a:r>
+            <a:r>
+              <a:rPr lang="en-US" sz="2000" dirty="0" err="1">
+                <a:latin typeface="UT Sans" pitchFamily="50" charset="0"/>
+              </a:rPr>
+              <a:t>funcționale</a:t>
+            </a:r>
+            <a:r>
+              <a:rPr lang="en-US" sz="2000" dirty="0">
+                <a:latin typeface="UT Sans" pitchFamily="50" charset="0"/>
+              </a:rPr>
+              <a:t>:</a:t>
+            </a:r>
+          </a:p>
+          <a:p>
+            <a:pPr marL="1257300" lvl="2" indent="-342900" algn="just">
+              <a:lnSpc>
+                <a:spcPct val="106000"/>
+              </a:lnSpc>
+              <a:buFont typeface="+mj-lt"/>
+              <a:buAutoNum type="romanUcPeriod"/>
+            </a:pPr>
+            <a:r>
+              <a:rPr lang="en-US" sz="2000" dirty="0">
+                <a:effectLst/>
+                <a:latin typeface="UT Sans"/>
+                <a:ea typeface="Calibri" panose="020F0502020204030204" pitchFamily="34" charset="0"/>
+                <a:cs typeface="Times New Roman" panose="02020603050405020304" pitchFamily="18" charset="0"/>
+              </a:rPr>
+              <a:t>Front-end:</a:t>
+            </a:r>
+          </a:p>
+          <a:p>
+            <a:pPr marL="1600200" marR="0" lvl="3" indent="-228600" algn="just">
               <a:lnSpc>
                 <a:spcPct val="106000"/>
               </a:lnSpc>
@@ -5299,32 +5930,29 @@
               <a:buChar char=""/>
             </a:pPr>
             <a:r>
-              <a:rPr lang="en-US" sz="2000" dirty="0" err="1">
-                <a:effectLst/>
-                <a:latin typeface="UT Sans"/>
-                <a:ea typeface="Calibri" panose="020F0502020204030204" pitchFamily="34" charset="0"/>
-                <a:cs typeface="Times New Roman" panose="02020603050405020304" pitchFamily="18" charset="0"/>
-              </a:rPr>
-              <a:t>Editare</a:t>
-            </a:r>
-            <a:r>
               <a:rPr lang="en-US" sz="2000" dirty="0">
                 <a:effectLst/>
                 <a:latin typeface="UT Sans"/>
                 <a:ea typeface="Calibri" panose="020F0502020204030204" pitchFamily="34" charset="0"/>
                 <a:cs typeface="Times New Roman" panose="02020603050405020304" pitchFamily="18" charset="0"/>
               </a:rPr>
-              <a:t> </a:t>
-            </a:r>
-            <a:r>
-              <a:rPr lang="en-US" sz="2000" dirty="0" err="1">
-                <a:effectLst/>
-                <a:latin typeface="UT Sans"/>
-                <a:ea typeface="Calibri" panose="020F0502020204030204" pitchFamily="34" charset="0"/>
-                <a:cs typeface="Times New Roman" panose="02020603050405020304" pitchFamily="18" charset="0"/>
-              </a:rPr>
-              <a:t>sugestii</a:t>
-            </a:r>
+              <a:t>HTML;</a:t>
+            </a:r>
+          </a:p>
+          <a:p>
+            <a:pPr marL="1600200" marR="0" lvl="3" indent="-228600" algn="just">
+              <a:lnSpc>
+                <a:spcPct val="106000"/>
+              </a:lnSpc>
+              <a:spcBef>
+                <a:spcPts val="0"/>
+              </a:spcBef>
+              <a:spcAft>
+                <a:spcPts val="0"/>
+              </a:spcAft>
+              <a:buFont typeface="Wingdings" panose="05000000000000000000" pitchFamily="2" charset="2"/>
+              <a:buChar char=""/>
+            </a:pPr>
             <a:r>
               <a:rPr lang="en-US" sz="2000" dirty="0">
                 <a:effectLst/>
@@ -5332,11 +5960,95 @@
                 <a:ea typeface="Calibri" panose="020F0502020204030204" pitchFamily="34" charset="0"/>
                 <a:cs typeface="Times New Roman" panose="02020603050405020304" pitchFamily="18" charset="0"/>
               </a:rPr>
-              <a:t>;</a:t>
-            </a:r>
-          </a:p>
-          <a:p>
-            <a:pPr marL="1143000" marR="0" lvl="2" indent="-228600" algn="just">
+              <a:t>CSS;</a:t>
+            </a:r>
+          </a:p>
+          <a:p>
+            <a:pPr marL="1600200" marR="0" lvl="3" indent="-228600" algn="just">
+              <a:lnSpc>
+                <a:spcPct val="106000"/>
+              </a:lnSpc>
+              <a:spcBef>
+                <a:spcPts val="0"/>
+              </a:spcBef>
+              <a:spcAft>
+                <a:spcPts val="0"/>
+              </a:spcAft>
+              <a:buFont typeface="Wingdings" panose="05000000000000000000" pitchFamily="2" charset="2"/>
+              <a:buChar char=""/>
+            </a:pPr>
+            <a:r>
+              <a:rPr lang="en-US" sz="2000" dirty="0">
+                <a:effectLst/>
+                <a:latin typeface="UT Sans"/>
+                <a:ea typeface="Calibri" panose="020F0502020204030204" pitchFamily="34" charset="0"/>
+                <a:cs typeface="Times New Roman" panose="02020603050405020304" pitchFamily="18" charset="0"/>
+              </a:rPr>
+              <a:t>Python.</a:t>
+            </a:r>
+          </a:p>
+          <a:p>
+            <a:pPr marL="1257300" lvl="2" indent="-342900" algn="just">
+              <a:lnSpc>
+                <a:spcPct val="106000"/>
+              </a:lnSpc>
+              <a:buFont typeface="+mj-lt"/>
+              <a:buAutoNum type="romanUcPeriod"/>
+            </a:pPr>
+            <a:r>
+              <a:rPr lang="en-US" sz="2000" dirty="0">
+                <a:effectLst/>
+                <a:latin typeface="UT Sans"/>
+                <a:ea typeface="Calibri" panose="020F0502020204030204" pitchFamily="34" charset="0"/>
+                <a:cs typeface="Times New Roman" panose="02020603050405020304" pitchFamily="18" charset="0"/>
+              </a:rPr>
+              <a:t>Back-end:</a:t>
+            </a:r>
+          </a:p>
+          <a:p>
+            <a:pPr marL="1600200" marR="0" lvl="3" indent="-228600" algn="just">
+              <a:lnSpc>
+                <a:spcPct val="106000"/>
+              </a:lnSpc>
+              <a:spcBef>
+                <a:spcPts val="0"/>
+              </a:spcBef>
+              <a:spcAft>
+                <a:spcPts val="0"/>
+              </a:spcAft>
+              <a:buFont typeface="Wingdings" panose="05000000000000000000" pitchFamily="2" charset="2"/>
+              <a:buChar char=""/>
+            </a:pPr>
+            <a:r>
+              <a:rPr lang="en-US" sz="2000" dirty="0">
+                <a:effectLst/>
+                <a:latin typeface="UT Sans"/>
+                <a:ea typeface="Calibri" panose="020F0502020204030204" pitchFamily="34" charset="0"/>
+                <a:cs typeface="Times New Roman" panose="02020603050405020304" pitchFamily="18" charset="0"/>
+              </a:rPr>
+              <a:t>Python.</a:t>
+            </a:r>
+          </a:p>
+          <a:p>
+            <a:pPr marL="1257300" lvl="2" indent="-342900" algn="just">
+              <a:lnSpc>
+                <a:spcPct val="106000"/>
+              </a:lnSpc>
+              <a:buFont typeface="+mj-lt"/>
+              <a:buAutoNum type="romanUcPeriod"/>
+            </a:pPr>
+            <a:r>
+              <a:rPr lang="en-US" sz="2000" dirty="0">
+                <a:effectLst/>
+                <a:latin typeface="UT Sans"/>
+                <a:ea typeface="Calibri" panose="020F0502020204030204" pitchFamily="34" charset="0"/>
+                <a:cs typeface="Times New Roman" panose="02020603050405020304" pitchFamily="18" charset="0"/>
+              </a:rPr>
+              <a:t>Database:</a:t>
+            </a:r>
+          </a:p>
+          <a:p>
+            <a:pPr marL="1600200" marR="0" lvl="3" indent="-228600" algn="just">
               <a:lnSpc>
                 <a:spcPct val="106000"/>
               </a:lnSpc>
@@ -5356,7 +6068,7 @@
                 <a:ea typeface="Calibri" panose="020F0502020204030204" pitchFamily="34" charset="0"/>
                 <a:cs typeface="Times New Roman" panose="02020603050405020304" pitchFamily="18" charset="0"/>
               </a:rPr>
-              <a:t>Installere</a:t>
+              <a:t>SqLite</a:t>
             </a:r>
             <a:r>
               <a:rPr lang="en-US" sz="2000" dirty="0">
@@ -5372,10 +6084,10 @@
       </p:sp>
       <p:sp>
         <p:nvSpPr>
-          <p:cNvPr id="3" name="Slide Number Placeholder 2">
+          <p:cNvPr id="7" name="Slide Number Placeholder 6">
             <a:extLst>
               <a:ext uri="{FF2B5EF4-FFF2-40B4-BE49-F238E27FC236}">
-                <a16:creationId xmlns:a16="http://schemas.microsoft.com/office/drawing/2014/main" id="{A0C92469-523A-3670-942F-789F00164258}"/>
+                <a16:creationId xmlns:a16="http://schemas.microsoft.com/office/drawing/2014/main" id="{BC4BDA7B-428C-AE8C-DF14-6698254994F1}"/>
               </a:ext>
             </a:extLst>
           </p:cNvPr>
@@ -5395,14 +6107,14 @@
               <a:rPr lang="en-US" smtClean="0"/>
               <a:t>11</a:t>
             </a:fld>
-            <a:endParaRPr lang="en-US"/>
+            <a:endParaRPr lang="en-US" dirty="0"/>
           </a:p>
         </p:txBody>
       </p:sp>
     </p:spTree>
     <p:extLst>
       <p:ext uri="{BB962C8B-B14F-4D97-AF65-F5344CB8AC3E}">
-        <p14:creationId xmlns:p14="http://schemas.microsoft.com/office/powerpoint/2010/main" val="3381472783"/>
+        <p14:creationId xmlns:p14="http://schemas.microsoft.com/office/powerpoint/2010/main" val="83435410"/>
       </p:ext>
     </p:extLst>
   </p:cSld>
@@ -5604,7 +6316,7 @@
         </p:nvSpPr>
         <p:spPr>
           <a:xfrm>
-            <a:off x="355136" y="615653"/>
+            <a:off x="612721" y="991755"/>
             <a:ext cx="7848872" cy="658835"/>
           </a:xfrm>
           <a:prstGeom prst="rect">
@@ -5630,1037 +6342,28 @@
               </a:spcAft>
             </a:pPr>
             <a:r>
-              <a:rPr lang="en-US" sz="3600" i="1" dirty="0">
-                <a:effectLst/>
-                <a:latin typeface="UT Sans"/>
-                <a:ea typeface="Times New Roman" panose="02020603050405020304" pitchFamily="18" charset="0"/>
-                <a:cs typeface="Calibri" panose="020F0502020204030204" pitchFamily="34" charset="0"/>
-              </a:rPr>
-              <a:t>Management</a:t>
-            </a:r>
-            <a:endParaRPr lang="en-US" sz="3600" i="1" dirty="0">
-              <a:effectLst/>
-              <a:latin typeface="Calibri" panose="020F0502020204030204" pitchFamily="34" charset="0"/>
-              <a:ea typeface="Calibri" panose="020F0502020204030204" pitchFamily="34" charset="0"/>
-              <a:cs typeface="Times New Roman" panose="02020603050405020304" pitchFamily="18" charset="0"/>
-            </a:endParaRPr>
-          </a:p>
-        </p:txBody>
-      </p:sp>
-      <p:sp>
-        <p:nvSpPr>
-          <p:cNvPr id="11" name="TextBox 10">
-            <a:extLst>
-              <a:ext uri="{FF2B5EF4-FFF2-40B4-BE49-F238E27FC236}">
-                <a16:creationId xmlns:a16="http://schemas.microsoft.com/office/drawing/2014/main" id="{E51ABD50-F7A1-E7C4-E45F-7E08957D50E9}"/>
-              </a:ext>
-            </a:extLst>
-          </p:cNvPr>
-          <p:cNvSpPr txBox="1"/>
-          <p:nvPr/>
-        </p:nvSpPr>
-        <p:spPr>
-          <a:xfrm>
-            <a:off x="359532" y="1783579"/>
-            <a:ext cx="4536504" cy="3974934"/>
-          </a:xfrm>
-          <a:prstGeom prst="rect">
-            <a:avLst/>
-          </a:prstGeom>
-          <a:noFill/>
-        </p:spPr>
-        <p:txBody>
-          <a:bodyPr wrap="square" rtlCol="0">
-            <a:spAutoFit/>
-          </a:bodyPr>
-          <a:lstStyle/>
-          <a:p>
-            <a:pPr marL="342900" indent="-342900" algn="just">
-              <a:buBlip>
-                <a:blip r:embed="rId3"/>
-              </a:buBlip>
-            </a:pPr>
-            <a:r>
-              <a:rPr lang="en-US" sz="2000" dirty="0" err="1">
-                <a:latin typeface="UT Sans" pitchFamily="50" charset="0"/>
-              </a:rPr>
-              <a:t>Cerințe</a:t>
-            </a:r>
-            <a:r>
-              <a:rPr lang="en-US" sz="2000" dirty="0">
-                <a:latin typeface="UT Sans" pitchFamily="50" charset="0"/>
-              </a:rPr>
-              <a:t> </a:t>
-            </a:r>
-            <a:r>
-              <a:rPr lang="en-US" sz="2000" dirty="0" err="1">
-                <a:latin typeface="UT Sans" pitchFamily="50" charset="0"/>
-              </a:rPr>
-              <a:t>Funcționalitate</a:t>
-            </a:r>
-            <a:r>
-              <a:rPr lang="en-US" sz="2000" dirty="0">
-                <a:latin typeface="UT Sans" pitchFamily="50" charset="0"/>
-              </a:rPr>
-              <a:t>:</a:t>
-            </a:r>
-          </a:p>
-          <a:p>
-            <a:pPr marL="1143000" marR="0" lvl="2" indent="-228600" algn="just">
-              <a:lnSpc>
-                <a:spcPct val="106000"/>
-              </a:lnSpc>
-              <a:spcBef>
-                <a:spcPts val="0"/>
-              </a:spcBef>
-              <a:spcAft>
-                <a:spcPts val="0"/>
-              </a:spcAft>
-              <a:buFont typeface="+mj-lt"/>
-              <a:buAutoNum type="romanUcPeriod"/>
-            </a:pPr>
-            <a:r>
-              <a:rPr lang="en-US" sz="2000" dirty="0">
-                <a:effectLst/>
-                <a:latin typeface="UT Sans"/>
-                <a:ea typeface="Calibri" panose="020F0502020204030204" pitchFamily="34" charset="0"/>
-                <a:cs typeface="Times New Roman" panose="02020603050405020304" pitchFamily="18" charset="0"/>
-              </a:rPr>
-              <a:t>Front-end:</a:t>
-            </a:r>
-          </a:p>
-          <a:p>
-            <a:pPr marL="1600200" marR="0" lvl="3" indent="-228600" algn="just">
-              <a:lnSpc>
-                <a:spcPct val="106000"/>
-              </a:lnSpc>
-              <a:spcBef>
-                <a:spcPts val="0"/>
-              </a:spcBef>
-              <a:spcAft>
-                <a:spcPts val="0"/>
-              </a:spcAft>
-              <a:buFont typeface="Wingdings" panose="05000000000000000000" pitchFamily="2" charset="2"/>
-              <a:buChar char=""/>
-            </a:pPr>
-            <a:r>
-              <a:rPr lang="en-US" sz="2000" dirty="0">
-                <a:effectLst/>
-                <a:latin typeface="UT Sans"/>
-                <a:ea typeface="Calibri" panose="020F0502020204030204" pitchFamily="34" charset="0"/>
-                <a:cs typeface="Times New Roman" panose="02020603050405020304" pitchFamily="18" charset="0"/>
-              </a:rPr>
-              <a:t>Main Page: Login/Sign-up;</a:t>
-            </a:r>
-          </a:p>
-          <a:p>
-            <a:pPr marL="1600200" marR="0" lvl="3" indent="-228600" algn="just">
-              <a:lnSpc>
-                <a:spcPct val="106000"/>
-              </a:lnSpc>
-              <a:spcBef>
-                <a:spcPts val="0"/>
-              </a:spcBef>
-              <a:spcAft>
-                <a:spcPts val="0"/>
-              </a:spcAft>
-              <a:buFont typeface="Wingdings" panose="05000000000000000000" pitchFamily="2" charset="2"/>
-              <a:buChar char=""/>
-            </a:pPr>
-            <a:r>
-              <a:rPr lang="en-US" sz="2000" dirty="0">
-                <a:effectLst/>
-                <a:latin typeface="UT Sans"/>
-                <a:ea typeface="Calibri" panose="020F0502020204030204" pitchFamily="34" charset="0"/>
-                <a:cs typeface="Times New Roman" panose="02020603050405020304" pitchFamily="18" charset="0"/>
-              </a:rPr>
-              <a:t>Home Page;</a:t>
-            </a:r>
-          </a:p>
-          <a:p>
-            <a:pPr marL="1600200" marR="0" lvl="3" indent="-228600" algn="just">
-              <a:lnSpc>
-                <a:spcPct val="106000"/>
-              </a:lnSpc>
-              <a:spcBef>
-                <a:spcPts val="0"/>
-              </a:spcBef>
-              <a:spcAft>
-                <a:spcPts val="0"/>
-              </a:spcAft>
-              <a:buFont typeface="Wingdings" panose="05000000000000000000" pitchFamily="2" charset="2"/>
-              <a:buChar char=""/>
-            </a:pPr>
-            <a:r>
-              <a:rPr lang="en-US" sz="2000" dirty="0" err="1">
-                <a:effectLst/>
-                <a:latin typeface="UT Sans"/>
-                <a:ea typeface="Calibri" panose="020F0502020204030204" pitchFamily="34" charset="0"/>
-                <a:cs typeface="Times New Roman" panose="02020603050405020304" pitchFamily="18" charset="0"/>
-              </a:rPr>
-              <a:t>Aplicații</a:t>
-            </a:r>
-            <a:r>
-              <a:rPr lang="en-US" sz="2000" dirty="0">
-                <a:effectLst/>
-                <a:latin typeface="UT Sans"/>
-                <a:ea typeface="Calibri" panose="020F0502020204030204" pitchFamily="34" charset="0"/>
-                <a:cs typeface="Times New Roman" panose="02020603050405020304" pitchFamily="18" charset="0"/>
-              </a:rPr>
-              <a:t> </a:t>
-            </a:r>
-            <a:r>
-              <a:rPr lang="en-US" sz="2000" dirty="0" err="1">
-                <a:effectLst/>
-                <a:latin typeface="UT Sans"/>
-                <a:ea typeface="Calibri" panose="020F0502020204030204" pitchFamily="34" charset="0"/>
-                <a:cs typeface="Times New Roman" panose="02020603050405020304" pitchFamily="18" charset="0"/>
-              </a:rPr>
-              <a:t>Disponibile</a:t>
-            </a:r>
-            <a:r>
-              <a:rPr lang="en-US" sz="2000" dirty="0">
-                <a:effectLst/>
-                <a:latin typeface="UT Sans"/>
-                <a:ea typeface="Calibri" panose="020F0502020204030204" pitchFamily="34" charset="0"/>
-                <a:cs typeface="Times New Roman" panose="02020603050405020304" pitchFamily="18" charset="0"/>
-              </a:rPr>
-              <a:t>;</a:t>
-            </a:r>
-          </a:p>
-          <a:p>
-            <a:pPr marL="1600200" marR="0" lvl="3" indent="-228600" algn="just">
-              <a:lnSpc>
-                <a:spcPct val="106000"/>
-              </a:lnSpc>
-              <a:spcBef>
-                <a:spcPts val="0"/>
-              </a:spcBef>
-              <a:spcAft>
-                <a:spcPts val="0"/>
-              </a:spcAft>
-              <a:buFont typeface="Wingdings" panose="05000000000000000000" pitchFamily="2" charset="2"/>
-              <a:buChar char=""/>
-            </a:pPr>
-            <a:r>
-              <a:rPr lang="en-US" sz="2000" dirty="0" err="1">
-                <a:effectLst/>
-                <a:latin typeface="UT Sans"/>
-                <a:ea typeface="Calibri" panose="020F0502020204030204" pitchFamily="34" charset="0"/>
-                <a:cs typeface="Times New Roman" panose="02020603050405020304" pitchFamily="18" charset="0"/>
-              </a:rPr>
-              <a:t>Profil</a:t>
-            </a:r>
-            <a:r>
-              <a:rPr lang="en-US" sz="2000" dirty="0">
-                <a:effectLst/>
-                <a:latin typeface="UT Sans"/>
-                <a:ea typeface="Calibri" panose="020F0502020204030204" pitchFamily="34" charset="0"/>
-                <a:cs typeface="Times New Roman" panose="02020603050405020304" pitchFamily="18" charset="0"/>
-              </a:rPr>
-              <a:t>.</a:t>
-            </a:r>
-            <a:endParaRPr lang="ro-RO" sz="2000" dirty="0">
-              <a:effectLst/>
-              <a:latin typeface="UT Sans"/>
-              <a:ea typeface="Calibri" panose="020F0502020204030204" pitchFamily="34" charset="0"/>
-              <a:cs typeface="Times New Roman" panose="02020603050405020304" pitchFamily="18" charset="0"/>
-            </a:endParaRPr>
-          </a:p>
-          <a:p>
-            <a:pPr marR="0" lvl="3" algn="just">
-              <a:lnSpc>
-                <a:spcPct val="106000"/>
-              </a:lnSpc>
-              <a:spcBef>
-                <a:spcPts val="0"/>
-              </a:spcBef>
-              <a:spcAft>
-                <a:spcPts val="0"/>
-              </a:spcAft>
-            </a:pPr>
-            <a:endParaRPr lang="en-US" sz="2000" dirty="0">
-              <a:effectLst/>
-              <a:latin typeface="UT Sans"/>
-              <a:ea typeface="Calibri" panose="020F0502020204030204" pitchFamily="34" charset="0"/>
-              <a:cs typeface="Times New Roman" panose="02020603050405020304" pitchFamily="18" charset="0"/>
-            </a:endParaRPr>
-          </a:p>
-          <a:p>
-            <a:pPr marL="1143000" marR="0" lvl="2" indent="-228600" algn="just">
-              <a:lnSpc>
-                <a:spcPct val="106000"/>
-              </a:lnSpc>
-              <a:spcBef>
-                <a:spcPts val="0"/>
-              </a:spcBef>
-              <a:spcAft>
-                <a:spcPts val="0"/>
-              </a:spcAft>
-              <a:buFont typeface="+mj-lt"/>
-              <a:buAutoNum type="romanUcPeriod"/>
-            </a:pPr>
-            <a:r>
-              <a:rPr lang="en-US" sz="2000" dirty="0">
-                <a:effectLst/>
-                <a:latin typeface="UT Sans"/>
-                <a:ea typeface="Calibri" panose="020F0502020204030204" pitchFamily="34" charset="0"/>
-                <a:cs typeface="Times New Roman" panose="02020603050405020304" pitchFamily="18" charset="0"/>
-              </a:rPr>
-              <a:t>Back-end:</a:t>
-            </a:r>
-          </a:p>
-          <a:p>
-            <a:pPr marL="1600200" marR="0" lvl="3" indent="-228600" algn="just">
-              <a:lnSpc>
-                <a:spcPct val="106000"/>
-              </a:lnSpc>
-              <a:spcBef>
-                <a:spcPts val="0"/>
-              </a:spcBef>
-              <a:spcAft>
-                <a:spcPts val="0"/>
-              </a:spcAft>
-              <a:buFont typeface="Wingdings" panose="05000000000000000000" pitchFamily="2" charset="2"/>
-              <a:buChar char=""/>
-            </a:pPr>
-            <a:r>
-              <a:rPr lang="en-US" sz="2000" dirty="0" err="1">
-                <a:effectLst/>
-                <a:latin typeface="UT Sans"/>
-                <a:ea typeface="Calibri" panose="020F0502020204030204" pitchFamily="34" charset="0"/>
-                <a:cs typeface="Times New Roman" panose="02020603050405020304" pitchFamily="18" charset="0"/>
-              </a:rPr>
-              <a:t>Salvare</a:t>
-            </a:r>
-            <a:r>
-              <a:rPr lang="en-US" sz="2000" dirty="0">
-                <a:effectLst/>
-                <a:latin typeface="UT Sans"/>
-                <a:ea typeface="Calibri" panose="020F0502020204030204" pitchFamily="34" charset="0"/>
-                <a:cs typeface="Times New Roman" panose="02020603050405020304" pitchFamily="18" charset="0"/>
-              </a:rPr>
-              <a:t> date </a:t>
-            </a:r>
-            <a:r>
-              <a:rPr lang="en-US" sz="2000" dirty="0" err="1">
-                <a:effectLst/>
-                <a:latin typeface="UT Sans"/>
-                <a:ea typeface="Calibri" panose="020F0502020204030204" pitchFamily="34" charset="0"/>
-                <a:cs typeface="Times New Roman" panose="02020603050405020304" pitchFamily="18" charset="0"/>
-              </a:rPr>
-              <a:t>utilizatori</a:t>
-            </a:r>
-            <a:r>
-              <a:rPr lang="en-US" sz="2000" dirty="0">
-                <a:effectLst/>
-                <a:latin typeface="UT Sans"/>
-                <a:ea typeface="Calibri" panose="020F0502020204030204" pitchFamily="34" charset="0"/>
-                <a:cs typeface="Times New Roman" panose="02020603050405020304" pitchFamily="18" charset="0"/>
-              </a:rPr>
-              <a:t>;</a:t>
-            </a:r>
-          </a:p>
-          <a:p>
-            <a:pPr marL="1600200" marR="0" lvl="3" indent="-228600" algn="just">
-              <a:lnSpc>
-                <a:spcPct val="106000"/>
-              </a:lnSpc>
-              <a:spcBef>
-                <a:spcPts val="0"/>
-              </a:spcBef>
-              <a:spcAft>
-                <a:spcPts val="0"/>
-              </a:spcAft>
-              <a:buFont typeface="Wingdings" panose="05000000000000000000" pitchFamily="2" charset="2"/>
-              <a:buChar char=""/>
-            </a:pPr>
-            <a:r>
-              <a:rPr lang="en-US" sz="2000" dirty="0" err="1">
-                <a:effectLst/>
-                <a:latin typeface="UT Sans"/>
-                <a:ea typeface="Calibri" panose="020F0502020204030204" pitchFamily="34" charset="0"/>
-                <a:cs typeface="Times New Roman" panose="02020603050405020304" pitchFamily="18" charset="0"/>
-              </a:rPr>
-              <a:t>Crearea</a:t>
-            </a:r>
-            <a:r>
-              <a:rPr lang="en-US" sz="2000" dirty="0">
-                <a:effectLst/>
-                <a:latin typeface="UT Sans"/>
-                <a:ea typeface="Calibri" panose="020F0502020204030204" pitchFamily="34" charset="0"/>
-                <a:cs typeface="Times New Roman" panose="02020603050405020304" pitchFamily="18" charset="0"/>
-              </a:rPr>
-              <a:t> </a:t>
-            </a:r>
-            <a:r>
-              <a:rPr lang="en-US" sz="2000" dirty="0" err="1">
-                <a:effectLst/>
-                <a:latin typeface="UT Sans"/>
-                <a:ea typeface="Calibri" panose="020F0502020204030204" pitchFamily="34" charset="0"/>
-                <a:cs typeface="Times New Roman" panose="02020603050405020304" pitchFamily="18" charset="0"/>
-              </a:rPr>
-              <a:t>intaller-ului</a:t>
-            </a:r>
-            <a:r>
-              <a:rPr lang="en-US" sz="2000" dirty="0">
-                <a:effectLst/>
-                <a:latin typeface="UT Sans"/>
-                <a:ea typeface="Calibri" panose="020F0502020204030204" pitchFamily="34" charset="0"/>
-                <a:cs typeface="Times New Roman" panose="02020603050405020304" pitchFamily="18" charset="0"/>
-              </a:rPr>
-              <a:t> </a:t>
-            </a:r>
-            <a:r>
-              <a:rPr lang="en-US" sz="2000" b="1" i="1" dirty="0">
-                <a:effectLst/>
-                <a:latin typeface="UT Sans"/>
-                <a:ea typeface="Calibri" panose="020F0502020204030204" pitchFamily="34" charset="0"/>
-                <a:cs typeface="Times New Roman" panose="02020603050405020304" pitchFamily="18" charset="0"/>
-              </a:rPr>
-              <a:t>d</a:t>
-            </a:r>
-            <a:r>
-              <a:rPr lang="ro-RO" sz="2000" b="1" i="1" dirty="0">
-                <a:effectLst/>
-                <a:latin typeface="UT Sans"/>
-                <a:ea typeface="Calibri" panose="020F0502020204030204" pitchFamily="34" charset="0"/>
-                <a:cs typeface="Times New Roman" panose="02020603050405020304" pitchFamily="18" charset="0"/>
-              </a:rPr>
-              <a:t>or</a:t>
-            </a:r>
-            <a:r>
-              <a:rPr lang="en-US" sz="2000" b="1" i="1" dirty="0">
-                <a:effectLst/>
-                <a:latin typeface="UT Sans"/>
-                <a:ea typeface="Calibri" panose="020F0502020204030204" pitchFamily="34" charset="0"/>
-                <a:cs typeface="Times New Roman" panose="02020603050405020304" pitchFamily="18" charset="0"/>
-              </a:rPr>
-              <a:t>it</a:t>
-            </a:r>
-            <a:r>
-              <a:rPr lang="en-US" sz="2000" dirty="0">
-                <a:effectLst/>
-                <a:latin typeface="UT Sans"/>
-                <a:ea typeface="Calibri" panose="020F0502020204030204" pitchFamily="34" charset="0"/>
-                <a:cs typeface="Times New Roman" panose="02020603050405020304" pitchFamily="18" charset="0"/>
-              </a:rPr>
-              <a:t>;</a:t>
-            </a:r>
-          </a:p>
-          <a:p>
-            <a:pPr marL="1600200" marR="0" lvl="3" indent="-228600" algn="just">
-              <a:lnSpc>
-                <a:spcPct val="106000"/>
-              </a:lnSpc>
-              <a:spcBef>
-                <a:spcPts val="0"/>
-              </a:spcBef>
-              <a:spcAft>
-                <a:spcPts val="0"/>
-              </a:spcAft>
-              <a:buFont typeface="Wingdings" panose="05000000000000000000" pitchFamily="2" charset="2"/>
-              <a:buChar char=""/>
-            </a:pPr>
-            <a:r>
-              <a:rPr lang="en-US" sz="2000" dirty="0" err="1">
-                <a:effectLst/>
-                <a:latin typeface="UT Sans"/>
-                <a:ea typeface="Calibri" panose="020F0502020204030204" pitchFamily="34" charset="0"/>
-                <a:cs typeface="Times New Roman" panose="02020603050405020304" pitchFamily="18" charset="0"/>
-              </a:rPr>
-              <a:t>Selectarea</a:t>
-            </a:r>
-            <a:r>
-              <a:rPr lang="en-US" sz="2000" dirty="0">
-                <a:effectLst/>
-                <a:latin typeface="UT Sans"/>
-                <a:ea typeface="Calibri" panose="020F0502020204030204" pitchFamily="34" charset="0"/>
-                <a:cs typeface="Times New Roman" panose="02020603050405020304" pitchFamily="18" charset="0"/>
-              </a:rPr>
-              <a:t> </a:t>
-            </a:r>
-            <a:r>
-              <a:rPr lang="en-US" sz="2000" dirty="0" err="1">
-                <a:effectLst/>
-                <a:latin typeface="UT Sans"/>
-                <a:ea typeface="Calibri" panose="020F0502020204030204" pitchFamily="34" charset="0"/>
-                <a:cs typeface="Times New Roman" panose="02020603050405020304" pitchFamily="18" charset="0"/>
-              </a:rPr>
-              <a:t>aplicațiilor</a:t>
-            </a:r>
-            <a:r>
-              <a:rPr lang="en-US" sz="2000" dirty="0">
-                <a:effectLst/>
-                <a:latin typeface="UT Sans"/>
-                <a:ea typeface="Calibri" panose="020F0502020204030204" pitchFamily="34" charset="0"/>
-                <a:cs typeface="Times New Roman" panose="02020603050405020304" pitchFamily="18" charset="0"/>
-              </a:rPr>
-              <a:t>;</a:t>
-            </a:r>
-          </a:p>
-          <a:p>
-            <a:pPr marL="1600200" marR="0" lvl="3" indent="-228600" algn="just">
-              <a:lnSpc>
-                <a:spcPct val="106000"/>
-              </a:lnSpc>
-              <a:spcBef>
-                <a:spcPts val="0"/>
-              </a:spcBef>
-              <a:spcAft>
-                <a:spcPts val="800"/>
-              </a:spcAft>
-              <a:buFont typeface="Wingdings" panose="05000000000000000000" pitchFamily="2" charset="2"/>
-              <a:buChar char=""/>
-            </a:pPr>
-            <a:r>
-              <a:rPr lang="en-US" sz="2000" dirty="0" err="1">
-                <a:effectLst/>
-                <a:latin typeface="UT Sans"/>
-                <a:ea typeface="Calibri" panose="020F0502020204030204" pitchFamily="34" charset="0"/>
-                <a:cs typeface="Times New Roman" panose="02020603050405020304" pitchFamily="18" charset="0"/>
-              </a:rPr>
-              <a:t>Descărcarea</a:t>
-            </a:r>
-            <a:r>
-              <a:rPr lang="en-US" sz="2000" dirty="0">
-                <a:effectLst/>
-                <a:latin typeface="UT Sans"/>
-                <a:ea typeface="Calibri" panose="020F0502020204030204" pitchFamily="34" charset="0"/>
-                <a:cs typeface="Times New Roman" panose="02020603050405020304" pitchFamily="18" charset="0"/>
-              </a:rPr>
-              <a:t> </a:t>
-            </a:r>
-            <a:r>
-              <a:rPr lang="en-US" sz="2000" dirty="0" err="1">
-                <a:effectLst/>
-                <a:latin typeface="UT Sans"/>
-                <a:ea typeface="Calibri" panose="020F0502020204030204" pitchFamily="34" charset="0"/>
-                <a:cs typeface="Times New Roman" panose="02020603050405020304" pitchFamily="18" charset="0"/>
-              </a:rPr>
-              <a:t>aplicațiilor</a:t>
-            </a:r>
-            <a:r>
-              <a:rPr lang="en-US" sz="2000" dirty="0">
-                <a:effectLst/>
-                <a:latin typeface="UT Sans"/>
-                <a:ea typeface="Calibri" panose="020F0502020204030204" pitchFamily="34" charset="0"/>
-                <a:cs typeface="Times New Roman" panose="02020603050405020304" pitchFamily="18" charset="0"/>
-              </a:rPr>
-              <a:t>.</a:t>
-            </a:r>
-          </a:p>
-        </p:txBody>
-      </p:sp>
-      <p:sp>
-        <p:nvSpPr>
-          <p:cNvPr id="3" name="TextBox 2">
-            <a:extLst>
-              <a:ext uri="{FF2B5EF4-FFF2-40B4-BE49-F238E27FC236}">
-                <a16:creationId xmlns:a16="http://schemas.microsoft.com/office/drawing/2014/main" id="{356CEE15-654E-1559-B3B2-284EA9600F0B}"/>
-              </a:ext>
-            </a:extLst>
-          </p:cNvPr>
-          <p:cNvSpPr txBox="1"/>
-          <p:nvPr/>
-        </p:nvSpPr>
-        <p:spPr>
-          <a:xfrm>
-            <a:off x="5218398" y="1802524"/>
-            <a:ext cx="4536504" cy="2996205"/>
-          </a:xfrm>
-          <a:prstGeom prst="rect">
-            <a:avLst/>
-          </a:prstGeom>
-          <a:noFill/>
-        </p:spPr>
-        <p:txBody>
-          <a:bodyPr wrap="square" rtlCol="0">
-            <a:spAutoFit/>
-          </a:bodyPr>
-          <a:lstStyle/>
-          <a:p>
-            <a:pPr marL="342900" indent="-342900" algn="just">
-              <a:buBlip>
-                <a:blip r:embed="rId3"/>
-              </a:buBlip>
-            </a:pPr>
-            <a:r>
-              <a:rPr lang="en-US" sz="2000" dirty="0" err="1">
-                <a:latin typeface="UT Sans" pitchFamily="50" charset="0"/>
-              </a:rPr>
-              <a:t>Cerințe</a:t>
-            </a:r>
-            <a:r>
-              <a:rPr lang="en-US" sz="2000" dirty="0">
-                <a:latin typeface="UT Sans" pitchFamily="50" charset="0"/>
-              </a:rPr>
-              <a:t> Non-</a:t>
-            </a:r>
-            <a:r>
-              <a:rPr lang="en-US" sz="2000" dirty="0" err="1">
-                <a:latin typeface="UT Sans" pitchFamily="50" charset="0"/>
-              </a:rPr>
-              <a:t>funcționale</a:t>
-            </a:r>
-            <a:r>
-              <a:rPr lang="en-US" sz="2000" dirty="0">
-                <a:latin typeface="UT Sans" pitchFamily="50" charset="0"/>
-              </a:rPr>
-              <a:t>:</a:t>
-            </a:r>
-          </a:p>
-          <a:p>
-            <a:pPr marL="1257300" lvl="2" indent="-342900" algn="just">
-              <a:lnSpc>
-                <a:spcPct val="106000"/>
-              </a:lnSpc>
-              <a:buFont typeface="+mj-lt"/>
-              <a:buAutoNum type="romanUcPeriod"/>
-            </a:pPr>
-            <a:r>
-              <a:rPr lang="en-US" sz="2000" dirty="0">
-                <a:effectLst/>
-                <a:latin typeface="UT Sans"/>
-                <a:ea typeface="Calibri" panose="020F0502020204030204" pitchFamily="34" charset="0"/>
-                <a:cs typeface="Times New Roman" panose="02020603050405020304" pitchFamily="18" charset="0"/>
-              </a:rPr>
-              <a:t>Front-end:</a:t>
-            </a:r>
-          </a:p>
-          <a:p>
-            <a:pPr marL="1600200" marR="0" lvl="3" indent="-228600" algn="just">
-              <a:lnSpc>
-                <a:spcPct val="106000"/>
-              </a:lnSpc>
-              <a:spcBef>
-                <a:spcPts val="0"/>
-              </a:spcBef>
-              <a:spcAft>
-                <a:spcPts val="0"/>
-              </a:spcAft>
-              <a:buFont typeface="Wingdings" panose="05000000000000000000" pitchFamily="2" charset="2"/>
-              <a:buChar char=""/>
-            </a:pPr>
-            <a:r>
-              <a:rPr lang="en-US" sz="2000" dirty="0">
-                <a:effectLst/>
-                <a:latin typeface="UT Sans"/>
-                <a:ea typeface="Calibri" panose="020F0502020204030204" pitchFamily="34" charset="0"/>
-                <a:cs typeface="Times New Roman" panose="02020603050405020304" pitchFamily="18" charset="0"/>
-              </a:rPr>
-              <a:t>HTML;</a:t>
-            </a:r>
-          </a:p>
-          <a:p>
-            <a:pPr marL="1600200" marR="0" lvl="3" indent="-228600" algn="just">
-              <a:lnSpc>
-                <a:spcPct val="106000"/>
-              </a:lnSpc>
-              <a:spcBef>
-                <a:spcPts val="0"/>
-              </a:spcBef>
-              <a:spcAft>
-                <a:spcPts val="0"/>
-              </a:spcAft>
-              <a:buFont typeface="Wingdings" panose="05000000000000000000" pitchFamily="2" charset="2"/>
-              <a:buChar char=""/>
-            </a:pPr>
-            <a:r>
-              <a:rPr lang="en-US" sz="2000" dirty="0">
-                <a:effectLst/>
-                <a:latin typeface="UT Sans"/>
-                <a:ea typeface="Calibri" panose="020F0502020204030204" pitchFamily="34" charset="0"/>
-                <a:cs typeface="Times New Roman" panose="02020603050405020304" pitchFamily="18" charset="0"/>
-              </a:rPr>
-              <a:t>CSS;</a:t>
-            </a:r>
-          </a:p>
-          <a:p>
-            <a:pPr marL="1600200" marR="0" lvl="3" indent="-228600" algn="just">
-              <a:lnSpc>
-                <a:spcPct val="106000"/>
-              </a:lnSpc>
-              <a:spcBef>
-                <a:spcPts val="0"/>
-              </a:spcBef>
-              <a:spcAft>
-                <a:spcPts val="0"/>
-              </a:spcAft>
-              <a:buFont typeface="Wingdings" panose="05000000000000000000" pitchFamily="2" charset="2"/>
-              <a:buChar char=""/>
-            </a:pPr>
-            <a:r>
-              <a:rPr lang="en-US" sz="2000" dirty="0">
-                <a:effectLst/>
-                <a:latin typeface="UT Sans"/>
-                <a:ea typeface="Calibri" panose="020F0502020204030204" pitchFamily="34" charset="0"/>
-                <a:cs typeface="Times New Roman" panose="02020603050405020304" pitchFamily="18" charset="0"/>
-              </a:rPr>
-              <a:t>Python.</a:t>
-            </a:r>
-          </a:p>
-          <a:p>
-            <a:pPr marL="1257300" lvl="2" indent="-342900" algn="just">
-              <a:lnSpc>
-                <a:spcPct val="106000"/>
-              </a:lnSpc>
-              <a:buFont typeface="+mj-lt"/>
-              <a:buAutoNum type="romanUcPeriod"/>
-            </a:pPr>
-            <a:r>
-              <a:rPr lang="en-US" sz="2000" dirty="0">
-                <a:effectLst/>
-                <a:latin typeface="UT Sans"/>
-                <a:ea typeface="Calibri" panose="020F0502020204030204" pitchFamily="34" charset="0"/>
-                <a:cs typeface="Times New Roman" panose="02020603050405020304" pitchFamily="18" charset="0"/>
-              </a:rPr>
-              <a:t>Back-end:</a:t>
-            </a:r>
-          </a:p>
-          <a:p>
-            <a:pPr marL="1600200" marR="0" lvl="3" indent="-228600" algn="just">
-              <a:lnSpc>
-                <a:spcPct val="106000"/>
-              </a:lnSpc>
-              <a:spcBef>
-                <a:spcPts val="0"/>
-              </a:spcBef>
-              <a:spcAft>
-                <a:spcPts val="0"/>
-              </a:spcAft>
-              <a:buFont typeface="Wingdings" panose="05000000000000000000" pitchFamily="2" charset="2"/>
-              <a:buChar char=""/>
-            </a:pPr>
-            <a:r>
-              <a:rPr lang="en-US" sz="2000" dirty="0">
-                <a:effectLst/>
-                <a:latin typeface="UT Sans"/>
-                <a:ea typeface="Calibri" panose="020F0502020204030204" pitchFamily="34" charset="0"/>
-                <a:cs typeface="Times New Roman" panose="02020603050405020304" pitchFamily="18" charset="0"/>
-              </a:rPr>
-              <a:t>Python.</a:t>
-            </a:r>
-          </a:p>
-          <a:p>
-            <a:pPr marL="1257300" lvl="2" indent="-342900" algn="just">
-              <a:lnSpc>
-                <a:spcPct val="106000"/>
-              </a:lnSpc>
-              <a:buFont typeface="+mj-lt"/>
-              <a:buAutoNum type="romanUcPeriod"/>
-            </a:pPr>
-            <a:r>
-              <a:rPr lang="en-US" sz="2000" dirty="0">
-                <a:effectLst/>
-                <a:latin typeface="UT Sans"/>
-                <a:ea typeface="Calibri" panose="020F0502020204030204" pitchFamily="34" charset="0"/>
-                <a:cs typeface="Times New Roman" panose="02020603050405020304" pitchFamily="18" charset="0"/>
-              </a:rPr>
-              <a:t>Database:</a:t>
-            </a:r>
-          </a:p>
-          <a:p>
-            <a:pPr marL="1600200" marR="0" lvl="3" indent="-228600" algn="just">
-              <a:lnSpc>
-                <a:spcPct val="106000"/>
-              </a:lnSpc>
-              <a:spcBef>
-                <a:spcPts val="0"/>
-              </a:spcBef>
-              <a:spcAft>
-                <a:spcPts val="800"/>
-              </a:spcAft>
-              <a:buFont typeface="Wingdings" panose="05000000000000000000" pitchFamily="2" charset="2"/>
-              <a:buChar char=""/>
-            </a:pPr>
-            <a:r>
-              <a:rPr lang="en-US" sz="2000" dirty="0" err="1">
-                <a:effectLst/>
-                <a:latin typeface="UT Sans"/>
-                <a:ea typeface="Calibri" panose="020F0502020204030204" pitchFamily="34" charset="0"/>
-                <a:cs typeface="Times New Roman" panose="02020603050405020304" pitchFamily="18" charset="0"/>
-              </a:rPr>
-              <a:t>SqLite</a:t>
-            </a:r>
-            <a:r>
-              <a:rPr lang="en-US" sz="2000" dirty="0">
-                <a:effectLst/>
-                <a:latin typeface="UT Sans"/>
-                <a:ea typeface="Calibri" panose="020F0502020204030204" pitchFamily="34" charset="0"/>
-                <a:cs typeface="Times New Roman" panose="02020603050405020304" pitchFamily="18" charset="0"/>
-              </a:rPr>
-              <a:t>.</a:t>
-            </a:r>
-          </a:p>
-        </p:txBody>
-      </p:sp>
-      <p:sp>
-        <p:nvSpPr>
-          <p:cNvPr id="7" name="Slide Number Placeholder 6">
-            <a:extLst>
-              <a:ext uri="{FF2B5EF4-FFF2-40B4-BE49-F238E27FC236}">
-                <a16:creationId xmlns:a16="http://schemas.microsoft.com/office/drawing/2014/main" id="{BC4BDA7B-428C-AE8C-DF14-6698254994F1}"/>
-              </a:ext>
-            </a:extLst>
-          </p:cNvPr>
-          <p:cNvSpPr>
-            <a:spLocks noGrp="1"/>
-          </p:cNvSpPr>
-          <p:nvPr>
-            <p:ph type="sldNum" sz="quarter" idx="12"/>
-          </p:nvPr>
-        </p:nvSpPr>
-        <p:spPr/>
-        <p:txBody>
-          <a:bodyPr/>
-          <a:lstStyle/>
-          <a:p>
-            <a:fld id="{735A3DBB-FBA3-4A4C-B7D7-E60F12564F18}" type="slidenum">
-              <a:rPr lang="en-US" smtClean="0"/>
-              <a:t>12</a:t>
-            </a:fld>
-            <a:endParaRPr lang="en-US" dirty="0"/>
-          </a:p>
-        </p:txBody>
-      </p:sp>
-    </p:spTree>
-    <p:extLst>
-      <p:ext uri="{BB962C8B-B14F-4D97-AF65-F5344CB8AC3E}">
-        <p14:creationId xmlns:p14="http://schemas.microsoft.com/office/powerpoint/2010/main" val="83435410"/>
-      </p:ext>
-    </p:extLst>
-  </p:cSld>
-  <p:clrMapOvr>
-    <a:masterClrMapping/>
-  </p:clrMapOvr>
-</p:sld>
-</file>
-
-<file path=ppt/slides/slide13.xml><?xml version="1.0" encoding="utf-8"?>
-<p:sld xmlns:a="http://schemas.openxmlformats.org/drawingml/2006/main" xmlns:r="http://schemas.openxmlformats.org/officeDocument/2006/relationships" xmlns:p="http://schemas.openxmlformats.org/presentationml/2006/main">
-  <p:cSld>
-    <p:spTree>
-      <p:nvGrpSpPr>
-        <p:cNvPr id="1" name=""/>
-        <p:cNvGrpSpPr/>
-        <p:nvPr/>
-      </p:nvGrpSpPr>
-      <p:grpSpPr>
-        <a:xfrm>
-          <a:off x="0" y="0"/>
-          <a:ext cx="0" cy="0"/>
-          <a:chOff x="0" y="0"/>
-          <a:chExt cx="0" cy="0"/>
-        </a:xfrm>
-      </p:grpSpPr>
-      <p:grpSp>
-        <p:nvGrpSpPr>
-          <p:cNvPr id="4" name="Group 3"/>
-          <p:cNvGrpSpPr/>
-          <p:nvPr/>
-        </p:nvGrpSpPr>
-        <p:grpSpPr>
-          <a:xfrm>
-            <a:off x="8460432" y="6237312"/>
-            <a:ext cx="216000" cy="216000"/>
-            <a:chOff x="2772000" y="1932221"/>
-            <a:chExt cx="2340000" cy="2340000"/>
-          </a:xfrm>
-        </p:grpSpPr>
-        <p:sp>
-          <p:nvSpPr>
-            <p:cNvPr id="5" name="Rectangle 4"/>
-            <p:cNvSpPr/>
-            <p:nvPr/>
-          </p:nvSpPr>
-          <p:spPr>
-            <a:xfrm>
-              <a:off x="2772000" y="1932221"/>
-              <a:ext cx="2340000" cy="2340000"/>
-            </a:xfrm>
-            <a:prstGeom prst="rect">
-              <a:avLst/>
-            </a:prstGeom>
-            <a:solidFill>
-              <a:schemeClr val="bg1">
-                <a:lumMod val="75000"/>
-              </a:schemeClr>
-            </a:solidFill>
-            <a:ln>
-              <a:noFill/>
-            </a:ln>
-          </p:spPr>
-          <p:style>
-            <a:lnRef idx="2">
-              <a:schemeClr val="accent1">
-                <a:shade val="50000"/>
-              </a:schemeClr>
-            </a:lnRef>
-            <a:fillRef idx="1">
-              <a:schemeClr val="accent1"/>
-            </a:fillRef>
-            <a:effectRef idx="0">
-              <a:schemeClr val="accent1"/>
-            </a:effectRef>
-            <a:fontRef idx="minor">
-              <a:schemeClr val="lt1"/>
-            </a:fontRef>
-          </p:style>
-          <p:txBody>
-            <a:bodyPr rtlCol="0" anchor="ctr"/>
-            <a:lstStyle/>
-            <a:p>
-              <a:pPr algn="ctr"/>
-              <a:endParaRPr lang="en-US">
-                <a:ln>
-                  <a:solidFill>
-                    <a:schemeClr val="bg2">
-                      <a:lumMod val="75000"/>
-                    </a:schemeClr>
-                  </a:solidFill>
-                </a:ln>
-                <a:solidFill>
-                  <a:schemeClr val="tx1"/>
-                </a:solidFill>
-              </a:endParaRPr>
-            </a:p>
-          </p:txBody>
-        </p:sp>
-        <p:sp>
-          <p:nvSpPr>
-            <p:cNvPr id="6" name="Rectangle 5"/>
-            <p:cNvSpPr/>
-            <p:nvPr/>
-          </p:nvSpPr>
-          <p:spPr>
-            <a:xfrm>
-              <a:off x="3546000" y="2706221"/>
-              <a:ext cx="792000" cy="792000"/>
-            </a:xfrm>
-            <a:prstGeom prst="rect">
-              <a:avLst/>
-            </a:prstGeom>
-            <a:solidFill>
-              <a:schemeClr val="bg1"/>
-            </a:solidFill>
-            <a:ln>
-              <a:noFill/>
-            </a:ln>
-          </p:spPr>
-          <p:style>
-            <a:lnRef idx="2">
-              <a:schemeClr val="accent1">
-                <a:shade val="50000"/>
-              </a:schemeClr>
-            </a:lnRef>
-            <a:fillRef idx="1">
-              <a:schemeClr val="accent1"/>
-            </a:fillRef>
-            <a:effectRef idx="0">
-              <a:schemeClr val="accent1"/>
-            </a:effectRef>
-            <a:fontRef idx="minor">
-              <a:schemeClr val="lt1"/>
-            </a:fontRef>
-          </p:style>
-          <p:txBody>
-            <a:bodyPr rtlCol="0" anchor="ctr"/>
-            <a:lstStyle/>
-            <a:p>
-              <a:pPr algn="ctr"/>
-              <a:endParaRPr lang="en-US">
-                <a:ln>
-                  <a:solidFill>
-                    <a:schemeClr val="bg2">
-                      <a:lumMod val="75000"/>
-                    </a:schemeClr>
-                  </a:solidFill>
-                </a:ln>
-                <a:solidFill>
-                  <a:schemeClr val="tx1"/>
-                </a:solidFill>
-              </a:endParaRPr>
-            </a:p>
-          </p:txBody>
-        </p:sp>
-      </p:grpSp>
-      <p:pic>
-        <p:nvPicPr>
-          <p:cNvPr id="2" name="Picture 1"/>
-          <p:cNvPicPr>
-            <a:picLocks noChangeAspect="1"/>
-          </p:cNvPicPr>
-          <p:nvPr/>
-        </p:nvPicPr>
-        <p:blipFill>
-          <a:blip r:embed="rId2" cstate="print">
-            <a:extLst>
-              <a:ext uri="{28A0092B-C50C-407E-A947-70E740481C1C}">
-                <a14:useLocalDpi xmlns:a14="http://schemas.microsoft.com/office/drawing/2010/main" val="0"/>
-              </a:ext>
-            </a:extLst>
-          </a:blip>
-          <a:stretch>
-            <a:fillRect/>
-          </a:stretch>
-        </p:blipFill>
-        <p:spPr>
-          <a:xfrm>
-            <a:off x="359532" y="341671"/>
-            <a:ext cx="1944216" cy="531045"/>
-          </a:xfrm>
-          <a:prstGeom prst="rect">
-            <a:avLst/>
-          </a:prstGeom>
-        </p:spPr>
-      </p:pic>
-      <p:sp>
-        <p:nvSpPr>
-          <p:cNvPr id="9" name="TextBox 8">
-            <a:extLst>
-              <a:ext uri="{FF2B5EF4-FFF2-40B4-BE49-F238E27FC236}">
-                <a16:creationId xmlns:a16="http://schemas.microsoft.com/office/drawing/2014/main" id="{DC363959-13A1-CE03-400E-75094C052845}"/>
-              </a:ext>
-            </a:extLst>
-          </p:cNvPr>
-          <p:cNvSpPr txBox="1"/>
-          <p:nvPr/>
-        </p:nvSpPr>
-        <p:spPr>
-          <a:xfrm>
-            <a:off x="611560" y="1124744"/>
-            <a:ext cx="7848872" cy="658835"/>
-          </a:xfrm>
-          <a:prstGeom prst="rect">
-            <a:avLst/>
-          </a:prstGeom>
-          <a:noFill/>
-        </p:spPr>
-        <p:txBody>
-          <a:bodyPr wrap="square" rtlCol="0">
-            <a:spAutoFit/>
-          </a:bodyPr>
-          <a:lstStyle/>
-          <a:p>
-            <a:pPr marR="0" lvl="0" algn="ctr">
-              <a:lnSpc>
-                <a:spcPct val="107000"/>
-              </a:lnSpc>
-              <a:spcBef>
-                <a:spcPts val="0"/>
-              </a:spcBef>
-              <a:spcAft>
-                <a:spcPts val="0"/>
-              </a:spcAft>
-            </a:pPr>
-            <a:r>
               <a:rPr lang="ro-RO" sz="3600" i="1" dirty="0">
                 <a:latin typeface="Calibri" panose="020F0502020204030204" pitchFamily="34" charset="0"/>
                 <a:ea typeface="Calibri" panose="020F0502020204030204" pitchFamily="34" charset="0"/>
                 <a:cs typeface="Calibri" panose="020F0502020204030204" pitchFamily="34" charset="0"/>
               </a:rPr>
-              <a:t>Configurare aplicație</a:t>
+              <a:t>Configurare </a:t>
+            </a:r>
+            <a:r>
+              <a:rPr lang="en-US" sz="3600" i="1" dirty="0">
+                <a:latin typeface="Calibri" panose="020F0502020204030204" pitchFamily="34" charset="0"/>
+                <a:ea typeface="Calibri" panose="020F0502020204030204" pitchFamily="34" charset="0"/>
+                <a:cs typeface="Calibri" panose="020F0502020204030204" pitchFamily="34" charset="0"/>
+              </a:rPr>
+              <a:t>A</a:t>
+            </a:r>
+            <a:r>
+              <a:rPr lang="ro-RO" sz="3600" i="1" dirty="0">
+                <a:latin typeface="Calibri" panose="020F0502020204030204" pitchFamily="34" charset="0"/>
+                <a:ea typeface="Calibri" panose="020F0502020204030204" pitchFamily="34" charset="0"/>
+                <a:cs typeface="Calibri" panose="020F0502020204030204" pitchFamily="34" charset="0"/>
+              </a:rPr>
+              <a:t>plicație</a:t>
             </a:r>
             <a:endParaRPr lang="en-US" sz="3600" i="1" dirty="0">
               <a:effectLst/>
@@ -7637,7 +7340,7 @@
           <a:p>
             <a:fld id="{735A3DBB-FBA3-4A4C-B7D7-E60F12564F18}" type="slidenum">
               <a:rPr lang="en-US" smtClean="0"/>
-              <a:t>13</a:t>
+              <a:t>12</a:t>
             </a:fld>
             <a:endParaRPr lang="en-US"/>
           </a:p>
@@ -7656,7 +7359,7 @@
 </p:sld>
 </file>
 
-<file path=ppt/slides/slide14.xml><?xml version="1.0" encoding="utf-8"?>
+<file path=ppt/slides/slide13.xml><?xml version="1.0" encoding="utf-8"?>
 <p:sld xmlns:a="http://schemas.openxmlformats.org/drawingml/2006/main" xmlns:r="http://schemas.openxmlformats.org/officeDocument/2006/relationships" xmlns:p="http://schemas.openxmlformats.org/presentationml/2006/main">
   <p:cSld>
     <p:spTree>
@@ -8339,7 +8042,7 @@
           <a:p>
             <a:fld id="{735A3DBB-FBA3-4A4C-B7D7-E60F12564F18}" type="slidenum">
               <a:rPr lang="en-US" smtClean="0"/>
-              <a:t>14</a:t>
+              <a:t>13</a:t>
             </a:fld>
             <a:endParaRPr lang="en-US"/>
           </a:p>
@@ -8349,6 +8052,402 @@
     <p:extLst>
       <p:ext uri="{BB962C8B-B14F-4D97-AF65-F5344CB8AC3E}">
         <p14:creationId xmlns:p14="http://schemas.microsoft.com/office/powerpoint/2010/main" val="2683225184"/>
+      </p:ext>
+    </p:extLst>
+  </p:cSld>
+  <p:clrMapOvr>
+    <a:masterClrMapping/>
+  </p:clrMapOvr>
+</p:sld>
+</file>
+
+<file path=ppt/slides/slide14.xml><?xml version="1.0" encoding="utf-8"?>
+<p:sld xmlns:a="http://schemas.openxmlformats.org/drawingml/2006/main" xmlns:r="http://schemas.openxmlformats.org/officeDocument/2006/relationships" xmlns:p="http://schemas.openxmlformats.org/presentationml/2006/main">
+  <p:cSld>
+    <p:spTree>
+      <p:nvGrpSpPr>
+        <p:cNvPr id="1" name=""/>
+        <p:cNvGrpSpPr/>
+        <p:nvPr/>
+      </p:nvGrpSpPr>
+      <p:grpSpPr>
+        <a:xfrm>
+          <a:off x="0" y="0"/>
+          <a:ext cx="0" cy="0"/>
+          <a:chOff x="0" y="0"/>
+          <a:chExt cx="0" cy="0"/>
+        </a:xfrm>
+      </p:grpSpPr>
+      <p:grpSp>
+        <p:nvGrpSpPr>
+          <p:cNvPr id="4" name="Group 3"/>
+          <p:cNvGrpSpPr/>
+          <p:nvPr/>
+        </p:nvGrpSpPr>
+        <p:grpSpPr>
+          <a:xfrm>
+            <a:off x="8460432" y="6237312"/>
+            <a:ext cx="216000" cy="216000"/>
+            <a:chOff x="2772000" y="1932221"/>
+            <a:chExt cx="2340000" cy="2340000"/>
+          </a:xfrm>
+        </p:grpSpPr>
+        <p:sp>
+          <p:nvSpPr>
+            <p:cNvPr id="5" name="Rectangle 4"/>
+            <p:cNvSpPr/>
+            <p:nvPr/>
+          </p:nvSpPr>
+          <p:spPr>
+            <a:xfrm>
+              <a:off x="2772000" y="1932221"/>
+              <a:ext cx="2340000" cy="2340000"/>
+            </a:xfrm>
+            <a:prstGeom prst="rect">
+              <a:avLst/>
+            </a:prstGeom>
+            <a:solidFill>
+              <a:schemeClr val="bg1">
+                <a:lumMod val="75000"/>
+              </a:schemeClr>
+            </a:solidFill>
+            <a:ln>
+              <a:noFill/>
+            </a:ln>
+          </p:spPr>
+          <p:style>
+            <a:lnRef idx="2">
+              <a:schemeClr val="accent1">
+                <a:shade val="50000"/>
+              </a:schemeClr>
+            </a:lnRef>
+            <a:fillRef idx="1">
+              <a:schemeClr val="accent1"/>
+            </a:fillRef>
+            <a:effectRef idx="0">
+              <a:schemeClr val="accent1"/>
+            </a:effectRef>
+            <a:fontRef idx="minor">
+              <a:schemeClr val="lt1"/>
+            </a:fontRef>
+          </p:style>
+          <p:txBody>
+            <a:bodyPr rtlCol="0" anchor="ctr"/>
+            <a:lstStyle/>
+            <a:p>
+              <a:pPr algn="ctr"/>
+              <a:endParaRPr lang="en-US">
+                <a:ln>
+                  <a:solidFill>
+                    <a:schemeClr val="bg2">
+                      <a:lumMod val="75000"/>
+                    </a:schemeClr>
+                  </a:solidFill>
+                </a:ln>
+                <a:solidFill>
+                  <a:schemeClr val="tx1"/>
+                </a:solidFill>
+              </a:endParaRPr>
+            </a:p>
+          </p:txBody>
+        </p:sp>
+        <p:sp>
+          <p:nvSpPr>
+            <p:cNvPr id="6" name="Rectangle 5"/>
+            <p:cNvSpPr/>
+            <p:nvPr/>
+          </p:nvSpPr>
+          <p:spPr>
+            <a:xfrm>
+              <a:off x="3546000" y="2706221"/>
+              <a:ext cx="792000" cy="792000"/>
+            </a:xfrm>
+            <a:prstGeom prst="rect">
+              <a:avLst/>
+            </a:prstGeom>
+            <a:solidFill>
+              <a:schemeClr val="bg1"/>
+            </a:solidFill>
+            <a:ln>
+              <a:noFill/>
+            </a:ln>
+          </p:spPr>
+          <p:style>
+            <a:lnRef idx="2">
+              <a:schemeClr val="accent1">
+                <a:shade val="50000"/>
+              </a:schemeClr>
+            </a:lnRef>
+            <a:fillRef idx="1">
+              <a:schemeClr val="accent1"/>
+            </a:fillRef>
+            <a:effectRef idx="0">
+              <a:schemeClr val="accent1"/>
+            </a:effectRef>
+            <a:fontRef idx="minor">
+              <a:schemeClr val="lt1"/>
+            </a:fontRef>
+          </p:style>
+          <p:txBody>
+            <a:bodyPr rtlCol="0" anchor="ctr"/>
+            <a:lstStyle/>
+            <a:p>
+              <a:pPr algn="ctr"/>
+              <a:endParaRPr lang="en-US">
+                <a:ln>
+                  <a:solidFill>
+                    <a:schemeClr val="bg2">
+                      <a:lumMod val="75000"/>
+                    </a:schemeClr>
+                  </a:solidFill>
+                </a:ln>
+                <a:solidFill>
+                  <a:schemeClr val="tx1"/>
+                </a:solidFill>
+              </a:endParaRPr>
+            </a:p>
+          </p:txBody>
+        </p:sp>
+      </p:grpSp>
+      <p:pic>
+        <p:nvPicPr>
+          <p:cNvPr id="2" name="Picture 1"/>
+          <p:cNvPicPr>
+            <a:picLocks noChangeAspect="1"/>
+          </p:cNvPicPr>
+          <p:nvPr/>
+        </p:nvPicPr>
+        <p:blipFill>
+          <a:blip r:embed="rId2" cstate="print">
+            <a:extLst>
+              <a:ext uri="{28A0092B-C50C-407E-A947-70E740481C1C}">
+                <a14:useLocalDpi xmlns:a14="http://schemas.microsoft.com/office/drawing/2010/main" val="0"/>
+              </a:ext>
+            </a:extLst>
+          </a:blip>
+          <a:stretch>
+            <a:fillRect/>
+          </a:stretch>
+        </p:blipFill>
+        <p:spPr>
+          <a:xfrm>
+            <a:off x="359532" y="341671"/>
+            <a:ext cx="1944216" cy="531045"/>
+          </a:xfrm>
+          <a:prstGeom prst="rect">
+            <a:avLst/>
+          </a:prstGeom>
+        </p:spPr>
+      </p:pic>
+      <p:sp>
+        <p:nvSpPr>
+          <p:cNvPr id="9" name="TextBox 8">
+            <a:extLst>
+              <a:ext uri="{FF2B5EF4-FFF2-40B4-BE49-F238E27FC236}">
+                <a16:creationId xmlns:a16="http://schemas.microsoft.com/office/drawing/2014/main" id="{DC363959-13A1-CE03-400E-75094C052845}"/>
+              </a:ext>
+            </a:extLst>
+          </p:cNvPr>
+          <p:cNvSpPr txBox="1"/>
+          <p:nvPr/>
+        </p:nvSpPr>
+        <p:spPr>
+          <a:xfrm>
+            <a:off x="647564" y="543298"/>
+            <a:ext cx="7848872" cy="658835"/>
+          </a:xfrm>
+          <a:prstGeom prst="rect">
+            <a:avLst/>
+          </a:prstGeom>
+          <a:noFill/>
+        </p:spPr>
+        <p:txBody>
+          <a:bodyPr wrap="square" rtlCol="0">
+            <a:spAutoFit/>
+          </a:bodyPr>
+          <a:lstStyle/>
+          <a:p>
+            <a:pPr marR="0" lvl="0" algn="ctr">
+              <a:lnSpc>
+                <a:spcPct val="107000"/>
+              </a:lnSpc>
+              <a:spcBef>
+                <a:spcPts val="0"/>
+              </a:spcBef>
+              <a:spcAft>
+                <a:spcPts val="0"/>
+              </a:spcAft>
+            </a:pPr>
+            <a:r>
+              <a:rPr lang="ro-RO" sz="3600" i="1" dirty="0">
+                <a:effectLst/>
+                <a:latin typeface="Calibri" panose="020F0502020204030204" pitchFamily="34" charset="0"/>
+                <a:ea typeface="Calibri" panose="020F0502020204030204" pitchFamily="34" charset="0"/>
+                <a:cs typeface="Calibri" panose="020F0502020204030204" pitchFamily="34" charset="0"/>
+              </a:rPr>
+              <a:t>Securitate</a:t>
+            </a:r>
+            <a:endParaRPr lang="en-US" sz="3600" i="1" dirty="0">
+              <a:effectLst/>
+              <a:latin typeface="Calibri" panose="020F0502020204030204" pitchFamily="34" charset="0"/>
+              <a:ea typeface="Calibri" panose="020F0502020204030204" pitchFamily="34" charset="0"/>
+              <a:cs typeface="Times New Roman" panose="02020603050405020304" pitchFamily="18" charset="0"/>
+            </a:endParaRPr>
+          </a:p>
+        </p:txBody>
+      </p:sp>
+      <p:sp>
+        <p:nvSpPr>
+          <p:cNvPr id="13" name="Slide Number Placeholder 12">
+            <a:extLst>
+              <a:ext uri="{FF2B5EF4-FFF2-40B4-BE49-F238E27FC236}">
+                <a16:creationId xmlns:a16="http://schemas.microsoft.com/office/drawing/2014/main" id="{8BFBD771-7BB3-3B3B-E049-B139ABB9452C}"/>
+              </a:ext>
+            </a:extLst>
+          </p:cNvPr>
+          <p:cNvSpPr>
+            <a:spLocks noGrp="1"/>
+          </p:cNvSpPr>
+          <p:nvPr>
+            <p:ph type="sldNum" sz="quarter" idx="12"/>
+          </p:nvPr>
+        </p:nvSpPr>
+        <p:spPr/>
+        <p:txBody>
+          <a:bodyPr/>
+          <a:lstStyle/>
+          <a:p>
+            <a:fld id="{735A3DBB-FBA3-4A4C-B7D7-E60F12564F18}" type="slidenum">
+              <a:rPr lang="en-US" smtClean="0"/>
+              <a:t>14</a:t>
+            </a:fld>
+            <a:endParaRPr lang="en-US"/>
+          </a:p>
+        </p:txBody>
+      </p:sp>
+      <p:pic>
+        <p:nvPicPr>
+          <p:cNvPr id="10" name="Picture 9">
+            <a:extLst>
+              <a:ext uri="{FF2B5EF4-FFF2-40B4-BE49-F238E27FC236}">
+                <a16:creationId xmlns:a16="http://schemas.microsoft.com/office/drawing/2014/main" id="{EF79F4AB-4975-E62B-3A7E-1F125889F119}"/>
+              </a:ext>
+            </a:extLst>
+          </p:cNvPr>
+          <p:cNvPicPr>
+            <a:picLocks noChangeAspect="1"/>
+          </p:cNvPicPr>
+          <p:nvPr/>
+        </p:nvPicPr>
+        <p:blipFill>
+          <a:blip r:embed="rId3">
+            <a:extLst>
+              <a:ext uri="{28A0092B-C50C-407E-A947-70E740481C1C}">
+                <a14:useLocalDpi xmlns:a14="http://schemas.microsoft.com/office/drawing/2010/main" val="0"/>
+              </a:ext>
+            </a:extLst>
+          </a:blip>
+          <a:stretch>
+            <a:fillRect/>
+          </a:stretch>
+        </p:blipFill>
+        <p:spPr>
+          <a:xfrm>
+            <a:off x="2904205" y="1202133"/>
+            <a:ext cx="3335590" cy="4273991"/>
+          </a:xfrm>
+          <a:prstGeom prst="rect">
+            <a:avLst/>
+          </a:prstGeom>
+        </p:spPr>
+      </p:pic>
+      <p:sp>
+        <p:nvSpPr>
+          <p:cNvPr id="14" name="TextBox 13">
+            <a:extLst>
+              <a:ext uri="{FF2B5EF4-FFF2-40B4-BE49-F238E27FC236}">
+                <a16:creationId xmlns:a16="http://schemas.microsoft.com/office/drawing/2014/main" id="{25CA19E6-3721-B0E3-34E4-E869805F6754}"/>
+              </a:ext>
+            </a:extLst>
+          </p:cNvPr>
+          <p:cNvSpPr txBox="1"/>
+          <p:nvPr/>
+        </p:nvSpPr>
+        <p:spPr>
+          <a:xfrm>
+            <a:off x="2330425" y="5529982"/>
+            <a:ext cx="4483150" cy="923330"/>
+          </a:xfrm>
+          <a:prstGeom prst="rect">
+            <a:avLst/>
+          </a:prstGeom>
+          <a:noFill/>
+        </p:spPr>
+        <p:txBody>
+          <a:bodyPr wrap="none" rtlCol="0">
+            <a:spAutoFit/>
+          </a:bodyPr>
+          <a:lstStyle/>
+          <a:p>
+            <a:pPr algn="ctr"/>
+            <a:r>
+              <a:rPr lang="ro-RO" dirty="0">
+                <a:latin typeface="UT Sans"/>
+              </a:rPr>
+              <a:t>Un exemplu de securitate implementat de noi</a:t>
+            </a:r>
+            <a:endParaRPr lang="en-US" dirty="0">
+              <a:latin typeface="UT Sans"/>
+            </a:endParaRPr>
+          </a:p>
+          <a:p>
+            <a:pPr algn="ctr"/>
+            <a:r>
+              <a:rPr lang="en-US" dirty="0">
+                <a:latin typeface="UT Sans"/>
+              </a:rPr>
+              <a:t> </a:t>
+            </a:r>
+            <a:r>
+              <a:rPr lang="en-US" dirty="0" err="1">
+                <a:latin typeface="UT Sans"/>
+              </a:rPr>
+              <a:t>ce</a:t>
+            </a:r>
+            <a:r>
+              <a:rPr lang="en-US" dirty="0">
+                <a:latin typeface="UT Sans"/>
+              </a:rPr>
+              <a:t> const</a:t>
+            </a:r>
+            <a:r>
+              <a:rPr lang="ro-RO" dirty="0">
+                <a:latin typeface="UT Sans"/>
+              </a:rPr>
+              <a:t>ă în afișarea paginii admin doar dacă </a:t>
+            </a:r>
+          </a:p>
+          <a:p>
+            <a:pPr algn="ctr"/>
+            <a:r>
+              <a:rPr lang="ro-RO" dirty="0">
+                <a:latin typeface="UT Sans"/>
+              </a:rPr>
+              <a:t> user-ul conectat are rol de admin</a:t>
+            </a:r>
+            <a:r>
+              <a:rPr lang="en-US" dirty="0">
+                <a:latin typeface="UT Sans"/>
+              </a:rPr>
+              <a:t>.</a:t>
+            </a:r>
+          </a:p>
+        </p:txBody>
+      </p:sp>
+    </p:spTree>
+    <p:extLst>
+      <p:ext uri="{BB962C8B-B14F-4D97-AF65-F5344CB8AC3E}">
+        <p14:creationId xmlns:p14="http://schemas.microsoft.com/office/powerpoint/2010/main" val="2571082703"/>
       </p:ext>
     </p:extLst>
   </p:cSld>
@@ -8550,7 +8649,7 @@
         </p:nvSpPr>
         <p:spPr>
           <a:xfrm>
-            <a:off x="598930" y="506908"/>
+            <a:off x="500398" y="602818"/>
             <a:ext cx="7848872" cy="658835"/>
           </a:xfrm>
           <a:prstGeom prst="rect">
@@ -8580,11 +8679,271 @@
                 <a:effectLst/>
                 <a:latin typeface="Calibri" panose="020F0502020204030204" pitchFamily="34" charset="0"/>
                 <a:ea typeface="Calibri" panose="020F0502020204030204" pitchFamily="34" charset="0"/>
-                <a:cs typeface="Calibri" panose="020F0502020204030204" pitchFamily="34" charset="0"/>
-              </a:rPr>
-              <a:t>Securitate</a:t>
+                <a:cs typeface="Times New Roman" panose="02020603050405020304" pitchFamily="18" charset="0"/>
+              </a:rPr>
+              <a:t>Baza de </a:t>
+            </a:r>
+            <a:r>
+              <a:rPr lang="en-US" sz="3600" i="1" dirty="0">
+                <a:effectLst/>
+                <a:latin typeface="Calibri" panose="020F0502020204030204" pitchFamily="34" charset="0"/>
+                <a:ea typeface="Calibri" panose="020F0502020204030204" pitchFamily="34" charset="0"/>
+                <a:cs typeface="Times New Roman" panose="02020603050405020304" pitchFamily="18" charset="0"/>
+              </a:rPr>
+              <a:t>D</a:t>
+            </a:r>
+            <a:r>
+              <a:rPr lang="ro-RO" sz="3600" i="1" dirty="0">
+                <a:effectLst/>
+                <a:latin typeface="Calibri" panose="020F0502020204030204" pitchFamily="34" charset="0"/>
+                <a:ea typeface="Calibri" panose="020F0502020204030204" pitchFamily="34" charset="0"/>
+                <a:cs typeface="Times New Roman" panose="02020603050405020304" pitchFamily="18" charset="0"/>
+              </a:rPr>
+              <a:t>ate</a:t>
             </a:r>
             <a:endParaRPr lang="en-US" sz="3600" i="1" dirty="0">
+              <a:effectLst/>
+              <a:latin typeface="Calibri" panose="020F0502020204030204" pitchFamily="34" charset="0"/>
+              <a:ea typeface="Calibri" panose="020F0502020204030204" pitchFamily="34" charset="0"/>
+              <a:cs typeface="Times New Roman" panose="02020603050405020304" pitchFamily="18" charset="0"/>
+            </a:endParaRPr>
+          </a:p>
+        </p:txBody>
+      </p:sp>
+      <p:sp>
+        <p:nvSpPr>
+          <p:cNvPr id="11" name="TextBox 10">
+            <a:extLst>
+              <a:ext uri="{FF2B5EF4-FFF2-40B4-BE49-F238E27FC236}">
+                <a16:creationId xmlns:a16="http://schemas.microsoft.com/office/drawing/2014/main" id="{E51ABD50-F7A1-E7C4-E45F-7E08957D50E9}"/>
+              </a:ext>
+            </a:extLst>
+          </p:cNvPr>
+          <p:cNvSpPr txBox="1"/>
+          <p:nvPr/>
+        </p:nvSpPr>
+        <p:spPr>
+          <a:xfrm>
+            <a:off x="485763" y="1235093"/>
+            <a:ext cx="8172473" cy="968278"/>
+          </a:xfrm>
+          <a:prstGeom prst="rect">
+            <a:avLst/>
+          </a:prstGeom>
+          <a:noFill/>
+        </p:spPr>
+        <p:txBody>
+          <a:bodyPr wrap="square" rtlCol="0">
+            <a:spAutoFit/>
+          </a:bodyPr>
+          <a:lstStyle/>
+          <a:p>
+            <a:pPr>
+              <a:lnSpc>
+                <a:spcPct val="107000"/>
+              </a:lnSpc>
+              <a:spcAft>
+                <a:spcPts val="800"/>
+              </a:spcAft>
+            </a:pPr>
+            <a:r>
+              <a:rPr lang="ro-RO" sz="1800" dirty="0">
+                <a:effectLst/>
+                <a:latin typeface="UT Sans"/>
+                <a:ea typeface="Calibri" panose="020F0502020204030204" pitchFamily="34" charset="0"/>
+                <a:cs typeface="Times New Roman" panose="02020603050405020304" pitchFamily="18" charset="0"/>
+              </a:rPr>
+              <a:t>Pentru baza de date am folosit SQLite. </a:t>
+            </a:r>
+            <a:r>
+              <a:rPr lang="en-US" sz="1800" dirty="0">
+                <a:effectLst/>
+                <a:latin typeface="UT Sans"/>
+                <a:ea typeface="Calibri" panose="020F0502020204030204" pitchFamily="34" charset="0"/>
+                <a:cs typeface="Times New Roman" panose="02020603050405020304" pitchFamily="18" charset="0"/>
+              </a:rPr>
+              <a:t>Am </a:t>
+            </a:r>
+            <a:r>
+              <a:rPr lang="en-US" sz="1800" dirty="0" err="1">
+                <a:effectLst/>
+                <a:latin typeface="UT Sans"/>
+                <a:ea typeface="Calibri" panose="020F0502020204030204" pitchFamily="34" charset="0"/>
+                <a:cs typeface="Times New Roman" panose="02020603050405020304" pitchFamily="18" charset="0"/>
+              </a:rPr>
+              <a:t>implementat</a:t>
+            </a:r>
+            <a:r>
+              <a:rPr lang="en-US" sz="1800" dirty="0">
+                <a:effectLst/>
+                <a:latin typeface="UT Sans"/>
+                <a:ea typeface="Calibri" panose="020F0502020204030204" pitchFamily="34" charset="0"/>
+                <a:cs typeface="Times New Roman" panose="02020603050405020304" pitchFamily="18" charset="0"/>
+              </a:rPr>
+              <a:t> </a:t>
+            </a:r>
+            <a:r>
+              <a:rPr lang="en-US" sz="1800" dirty="0" err="1">
+                <a:effectLst/>
+                <a:latin typeface="UT Sans"/>
+                <a:ea typeface="Calibri" panose="020F0502020204030204" pitchFamily="34" charset="0"/>
+                <a:cs typeface="Times New Roman" panose="02020603050405020304" pitchFamily="18" charset="0"/>
+              </a:rPr>
+              <a:t>mai</a:t>
+            </a:r>
+            <a:r>
+              <a:rPr lang="en-US" sz="1800" dirty="0">
+                <a:effectLst/>
+                <a:latin typeface="UT Sans"/>
+                <a:ea typeface="Calibri" panose="020F0502020204030204" pitchFamily="34" charset="0"/>
+                <a:cs typeface="Times New Roman" panose="02020603050405020304" pitchFamily="18" charset="0"/>
+              </a:rPr>
+              <a:t> </a:t>
+            </a:r>
+            <a:r>
+              <a:rPr lang="en-US" sz="1800" dirty="0" err="1">
+                <a:effectLst/>
+                <a:latin typeface="UT Sans"/>
+                <a:ea typeface="Calibri" panose="020F0502020204030204" pitchFamily="34" charset="0"/>
+                <a:cs typeface="Times New Roman" panose="02020603050405020304" pitchFamily="18" charset="0"/>
+              </a:rPr>
+              <a:t>multe</a:t>
+            </a:r>
+            <a:r>
+              <a:rPr lang="en-US" sz="1800" dirty="0">
+                <a:effectLst/>
+                <a:latin typeface="UT Sans"/>
+                <a:ea typeface="Calibri" panose="020F0502020204030204" pitchFamily="34" charset="0"/>
+                <a:cs typeface="Times New Roman" panose="02020603050405020304" pitchFamily="18" charset="0"/>
+              </a:rPr>
+              <a:t> </a:t>
+            </a:r>
+            <a:r>
+              <a:rPr lang="en-US" sz="1800" dirty="0" err="1">
+                <a:effectLst/>
+                <a:latin typeface="UT Sans"/>
+                <a:ea typeface="Calibri" panose="020F0502020204030204" pitchFamily="34" charset="0"/>
+                <a:cs typeface="Times New Roman" panose="02020603050405020304" pitchFamily="18" charset="0"/>
+              </a:rPr>
+              <a:t>clase</a:t>
+            </a:r>
+            <a:r>
+              <a:rPr lang="en-US" sz="1800" dirty="0">
+                <a:effectLst/>
+                <a:latin typeface="UT Sans"/>
+                <a:ea typeface="Calibri" panose="020F0502020204030204" pitchFamily="34" charset="0"/>
+                <a:cs typeface="Times New Roman" panose="02020603050405020304" pitchFamily="18" charset="0"/>
+              </a:rPr>
+              <a:t> care se </a:t>
+            </a:r>
+            <a:r>
+              <a:rPr lang="en-US" sz="1800" dirty="0" err="1">
+                <a:effectLst/>
+                <a:latin typeface="UT Sans"/>
+                <a:ea typeface="Calibri" panose="020F0502020204030204" pitchFamily="34" charset="0"/>
+                <a:cs typeface="Times New Roman" panose="02020603050405020304" pitchFamily="18" charset="0"/>
+              </a:rPr>
+              <a:t>mapează</a:t>
+            </a:r>
+            <a:r>
+              <a:rPr lang="en-US" sz="1800" dirty="0">
+                <a:effectLst/>
+                <a:latin typeface="UT Sans"/>
+                <a:ea typeface="Calibri" panose="020F0502020204030204" pitchFamily="34" charset="0"/>
+                <a:cs typeface="Times New Roman" panose="02020603050405020304" pitchFamily="18" charset="0"/>
+              </a:rPr>
+              <a:t> la </a:t>
+            </a:r>
+            <a:r>
+              <a:rPr lang="en-US" sz="1800" dirty="0" err="1">
+                <a:effectLst/>
+                <a:latin typeface="UT Sans"/>
+                <a:ea typeface="Calibri" panose="020F0502020204030204" pitchFamily="34" charset="0"/>
+                <a:cs typeface="Times New Roman" panose="02020603050405020304" pitchFamily="18" charset="0"/>
+              </a:rPr>
+              <a:t>tabelele</a:t>
+            </a:r>
+            <a:r>
+              <a:rPr lang="en-US" sz="1800" dirty="0">
+                <a:effectLst/>
+                <a:latin typeface="UT Sans"/>
+                <a:ea typeface="Calibri" panose="020F0502020204030204" pitchFamily="34" charset="0"/>
+                <a:cs typeface="Times New Roman" panose="02020603050405020304" pitchFamily="18" charset="0"/>
+              </a:rPr>
+              <a:t> </a:t>
+            </a:r>
+            <a:r>
+              <a:rPr lang="en-US" sz="1800" dirty="0" err="1">
+                <a:effectLst/>
+                <a:latin typeface="UT Sans"/>
+                <a:ea typeface="Calibri" panose="020F0502020204030204" pitchFamily="34" charset="0"/>
+                <a:cs typeface="Times New Roman" panose="02020603050405020304" pitchFamily="18" charset="0"/>
+              </a:rPr>
+              <a:t>bazei</a:t>
+            </a:r>
+            <a:r>
+              <a:rPr lang="en-US" sz="1800" dirty="0">
+                <a:effectLst/>
+                <a:latin typeface="UT Sans"/>
+                <a:ea typeface="Calibri" panose="020F0502020204030204" pitchFamily="34" charset="0"/>
+                <a:cs typeface="Times New Roman" panose="02020603050405020304" pitchFamily="18" charset="0"/>
+              </a:rPr>
+              <a:t> de date </a:t>
+            </a:r>
+            <a:r>
+              <a:rPr lang="en-US" sz="1800" dirty="0" err="1">
+                <a:effectLst/>
+                <a:latin typeface="UT Sans"/>
+                <a:ea typeface="Calibri" panose="020F0502020204030204" pitchFamily="34" charset="0"/>
+                <a:cs typeface="Times New Roman" panose="02020603050405020304" pitchFamily="18" charset="0"/>
+              </a:rPr>
+              <a:t>utilizând</a:t>
+            </a:r>
+            <a:r>
+              <a:rPr lang="en-US" sz="1800" dirty="0">
+                <a:effectLst/>
+                <a:latin typeface="UT Sans"/>
+                <a:ea typeface="Calibri" panose="020F0502020204030204" pitchFamily="34" charset="0"/>
+                <a:cs typeface="Times New Roman" panose="02020603050405020304" pitchFamily="18" charset="0"/>
+              </a:rPr>
+              <a:t> ORM-</a:t>
+            </a:r>
+            <a:r>
+              <a:rPr lang="en-US" sz="1800" dirty="0" err="1">
+                <a:effectLst/>
+                <a:latin typeface="UT Sans"/>
+                <a:ea typeface="Calibri" panose="020F0502020204030204" pitchFamily="34" charset="0"/>
+                <a:cs typeface="Times New Roman" panose="02020603050405020304" pitchFamily="18" charset="0"/>
+              </a:rPr>
+              <a:t>ul</a:t>
+            </a:r>
+            <a:r>
+              <a:rPr lang="en-US" sz="1800" dirty="0">
+                <a:effectLst/>
+                <a:latin typeface="UT Sans"/>
+                <a:ea typeface="Calibri" panose="020F0502020204030204" pitchFamily="34" charset="0"/>
+                <a:cs typeface="Times New Roman" panose="02020603050405020304" pitchFamily="18" charset="0"/>
+              </a:rPr>
+              <a:t> </a:t>
+            </a:r>
+            <a:r>
+              <a:rPr lang="en-US" sz="1800" dirty="0" err="1">
+                <a:effectLst/>
+                <a:latin typeface="UT Sans"/>
+                <a:ea typeface="Calibri" panose="020F0502020204030204" pitchFamily="34" charset="0"/>
+                <a:cs typeface="Times New Roman" panose="02020603050405020304" pitchFamily="18" charset="0"/>
+              </a:rPr>
+              <a:t>SQLAlchemy</a:t>
+            </a:r>
+            <a:r>
+              <a:rPr lang="ro-RO" dirty="0">
+                <a:latin typeface="UT Sans"/>
+                <a:ea typeface="Calibri" panose="020F0502020204030204" pitchFamily="34" charset="0"/>
+                <a:cs typeface="Times New Roman" panose="02020603050405020304" pitchFamily="18" charset="0"/>
+              </a:rPr>
+              <a:t> , precum clasa User, Application și Suggestion.</a:t>
+            </a:r>
+            <a:endParaRPr lang="en-US" sz="1800" dirty="0">
               <a:effectLst/>
               <a:latin typeface="Calibri" panose="020F0502020204030204" pitchFamily="34" charset="0"/>
               <a:ea typeface="Calibri" panose="020F0502020204030204" pitchFamily="34" charset="0"/>
@@ -8617,660 +8976,6 @@
             <a:fld id="{735A3DBB-FBA3-4A4C-B7D7-E60F12564F18}" type="slidenum">
               <a:rPr lang="en-US" smtClean="0"/>
               <a:t>15</a:t>
-            </a:fld>
-            <a:endParaRPr lang="en-US"/>
-          </a:p>
-        </p:txBody>
-      </p:sp>
-      <p:pic>
-        <p:nvPicPr>
-          <p:cNvPr id="10" name="Picture 9">
-            <a:extLst>
-              <a:ext uri="{FF2B5EF4-FFF2-40B4-BE49-F238E27FC236}">
-                <a16:creationId xmlns:a16="http://schemas.microsoft.com/office/drawing/2014/main" id="{EF79F4AB-4975-E62B-3A7E-1F125889F119}"/>
-              </a:ext>
-            </a:extLst>
-          </p:cNvPr>
-          <p:cNvPicPr>
-            <a:picLocks noChangeAspect="1"/>
-          </p:cNvPicPr>
-          <p:nvPr/>
-        </p:nvPicPr>
-        <p:blipFill>
-          <a:blip r:embed="rId3">
-            <a:extLst>
-              <a:ext uri="{28A0092B-C50C-407E-A947-70E740481C1C}">
-                <a14:useLocalDpi xmlns:a14="http://schemas.microsoft.com/office/drawing/2010/main" val="0"/>
-              </a:ext>
-            </a:extLst>
-          </a:blip>
-          <a:stretch>
-            <a:fillRect/>
-          </a:stretch>
-        </p:blipFill>
-        <p:spPr>
-          <a:xfrm>
-            <a:off x="375111" y="1330980"/>
-            <a:ext cx="3780396" cy="4843934"/>
-          </a:xfrm>
-          <a:prstGeom prst="rect">
-            <a:avLst/>
-          </a:prstGeom>
-        </p:spPr>
-      </p:pic>
-      <p:sp>
-        <p:nvSpPr>
-          <p:cNvPr id="14" name="TextBox 13">
-            <a:extLst>
-              <a:ext uri="{FF2B5EF4-FFF2-40B4-BE49-F238E27FC236}">
-                <a16:creationId xmlns:a16="http://schemas.microsoft.com/office/drawing/2014/main" id="{25CA19E6-3721-B0E3-34E4-E869805F6754}"/>
-              </a:ext>
-            </a:extLst>
-          </p:cNvPr>
-          <p:cNvSpPr txBox="1"/>
-          <p:nvPr/>
-        </p:nvSpPr>
-        <p:spPr>
-          <a:xfrm>
-            <a:off x="4285739" y="1237189"/>
-            <a:ext cx="4483150" cy="1200329"/>
-          </a:xfrm>
-          <a:prstGeom prst="rect">
-            <a:avLst/>
-          </a:prstGeom>
-          <a:noFill/>
-        </p:spPr>
-        <p:txBody>
-          <a:bodyPr wrap="none" rtlCol="0">
-            <a:spAutoFit/>
-          </a:bodyPr>
-          <a:lstStyle/>
-          <a:p>
-            <a:endParaRPr lang="ro-RO" dirty="0"/>
-          </a:p>
-          <a:p>
-            <a:r>
-              <a:rPr lang="ro-RO" dirty="0">
-                <a:latin typeface="UT Sans"/>
-              </a:rPr>
-              <a:t>Un exemplu de securitate implementat de noi</a:t>
-            </a:r>
-            <a:endParaRPr lang="en-US" dirty="0">
-              <a:latin typeface="UT Sans"/>
-            </a:endParaRPr>
-          </a:p>
-          <a:p>
-            <a:r>
-              <a:rPr lang="en-US" dirty="0">
-                <a:latin typeface="UT Sans"/>
-              </a:rPr>
-              <a:t> </a:t>
-            </a:r>
-            <a:r>
-              <a:rPr lang="en-US" dirty="0" err="1">
-                <a:latin typeface="UT Sans"/>
-              </a:rPr>
-              <a:t>ce</a:t>
-            </a:r>
-            <a:r>
-              <a:rPr lang="en-US" dirty="0">
-                <a:latin typeface="UT Sans"/>
-              </a:rPr>
-              <a:t> const</a:t>
-            </a:r>
-            <a:r>
-              <a:rPr lang="ro-RO" dirty="0">
-                <a:latin typeface="UT Sans"/>
-              </a:rPr>
-              <a:t>ă în afișarea paginii admin doar dacă </a:t>
-            </a:r>
-          </a:p>
-          <a:p>
-            <a:r>
-              <a:rPr lang="ro-RO" dirty="0">
-                <a:latin typeface="UT Sans"/>
-              </a:rPr>
-              <a:t> user-ul conectat are rol de admin </a:t>
-            </a:r>
-            <a:endParaRPr lang="en-US" dirty="0">
-              <a:latin typeface="UT Sans"/>
-            </a:endParaRPr>
-          </a:p>
-        </p:txBody>
-      </p:sp>
-    </p:spTree>
-    <p:extLst>
-      <p:ext uri="{BB962C8B-B14F-4D97-AF65-F5344CB8AC3E}">
-        <p14:creationId xmlns:p14="http://schemas.microsoft.com/office/powerpoint/2010/main" val="2571082703"/>
-      </p:ext>
-    </p:extLst>
-  </p:cSld>
-  <p:clrMapOvr>
-    <a:masterClrMapping/>
-  </p:clrMapOvr>
-</p:sld>
-</file>
-
-<file path=ppt/slides/slide16.xml><?xml version="1.0" encoding="utf-8"?>
-<p:sld xmlns:a="http://schemas.openxmlformats.org/drawingml/2006/main" xmlns:r="http://schemas.openxmlformats.org/officeDocument/2006/relationships" xmlns:p="http://schemas.openxmlformats.org/presentationml/2006/main">
-  <p:cSld>
-    <p:spTree>
-      <p:nvGrpSpPr>
-        <p:cNvPr id="1" name=""/>
-        <p:cNvGrpSpPr/>
-        <p:nvPr/>
-      </p:nvGrpSpPr>
-      <p:grpSpPr>
-        <a:xfrm>
-          <a:off x="0" y="0"/>
-          <a:ext cx="0" cy="0"/>
-          <a:chOff x="0" y="0"/>
-          <a:chExt cx="0" cy="0"/>
-        </a:xfrm>
-      </p:grpSpPr>
-      <p:grpSp>
-        <p:nvGrpSpPr>
-          <p:cNvPr id="4" name="Group 3"/>
-          <p:cNvGrpSpPr/>
-          <p:nvPr/>
-        </p:nvGrpSpPr>
-        <p:grpSpPr>
-          <a:xfrm>
-            <a:off x="8460432" y="6237312"/>
-            <a:ext cx="216000" cy="216000"/>
-            <a:chOff x="2772000" y="1932221"/>
-            <a:chExt cx="2340000" cy="2340000"/>
-          </a:xfrm>
-        </p:grpSpPr>
-        <p:sp>
-          <p:nvSpPr>
-            <p:cNvPr id="5" name="Rectangle 4"/>
-            <p:cNvSpPr/>
-            <p:nvPr/>
-          </p:nvSpPr>
-          <p:spPr>
-            <a:xfrm>
-              <a:off x="2772000" y="1932221"/>
-              <a:ext cx="2340000" cy="2340000"/>
-            </a:xfrm>
-            <a:prstGeom prst="rect">
-              <a:avLst/>
-            </a:prstGeom>
-            <a:solidFill>
-              <a:schemeClr val="bg1">
-                <a:lumMod val="75000"/>
-              </a:schemeClr>
-            </a:solidFill>
-            <a:ln>
-              <a:noFill/>
-            </a:ln>
-          </p:spPr>
-          <p:style>
-            <a:lnRef idx="2">
-              <a:schemeClr val="accent1">
-                <a:shade val="50000"/>
-              </a:schemeClr>
-            </a:lnRef>
-            <a:fillRef idx="1">
-              <a:schemeClr val="accent1"/>
-            </a:fillRef>
-            <a:effectRef idx="0">
-              <a:schemeClr val="accent1"/>
-            </a:effectRef>
-            <a:fontRef idx="minor">
-              <a:schemeClr val="lt1"/>
-            </a:fontRef>
-          </p:style>
-          <p:txBody>
-            <a:bodyPr rtlCol="0" anchor="ctr"/>
-            <a:lstStyle/>
-            <a:p>
-              <a:pPr algn="ctr"/>
-              <a:endParaRPr lang="en-US">
-                <a:ln>
-                  <a:solidFill>
-                    <a:schemeClr val="bg2">
-                      <a:lumMod val="75000"/>
-                    </a:schemeClr>
-                  </a:solidFill>
-                </a:ln>
-                <a:solidFill>
-                  <a:schemeClr val="tx1"/>
-                </a:solidFill>
-              </a:endParaRPr>
-            </a:p>
-          </p:txBody>
-        </p:sp>
-        <p:sp>
-          <p:nvSpPr>
-            <p:cNvPr id="6" name="Rectangle 5"/>
-            <p:cNvSpPr/>
-            <p:nvPr/>
-          </p:nvSpPr>
-          <p:spPr>
-            <a:xfrm>
-              <a:off x="3546000" y="2706221"/>
-              <a:ext cx="792000" cy="792000"/>
-            </a:xfrm>
-            <a:prstGeom prst="rect">
-              <a:avLst/>
-            </a:prstGeom>
-            <a:solidFill>
-              <a:schemeClr val="bg1"/>
-            </a:solidFill>
-            <a:ln>
-              <a:noFill/>
-            </a:ln>
-          </p:spPr>
-          <p:style>
-            <a:lnRef idx="2">
-              <a:schemeClr val="accent1">
-                <a:shade val="50000"/>
-              </a:schemeClr>
-            </a:lnRef>
-            <a:fillRef idx="1">
-              <a:schemeClr val="accent1"/>
-            </a:fillRef>
-            <a:effectRef idx="0">
-              <a:schemeClr val="accent1"/>
-            </a:effectRef>
-            <a:fontRef idx="minor">
-              <a:schemeClr val="lt1"/>
-            </a:fontRef>
-          </p:style>
-          <p:txBody>
-            <a:bodyPr rtlCol="0" anchor="ctr"/>
-            <a:lstStyle/>
-            <a:p>
-              <a:pPr algn="ctr"/>
-              <a:endParaRPr lang="en-US">
-                <a:ln>
-                  <a:solidFill>
-                    <a:schemeClr val="bg2">
-                      <a:lumMod val="75000"/>
-                    </a:schemeClr>
-                  </a:solidFill>
-                </a:ln>
-                <a:solidFill>
-                  <a:schemeClr val="tx1"/>
-                </a:solidFill>
-              </a:endParaRPr>
-            </a:p>
-          </p:txBody>
-        </p:sp>
-      </p:grpSp>
-      <p:pic>
-        <p:nvPicPr>
-          <p:cNvPr id="2" name="Picture 1"/>
-          <p:cNvPicPr>
-            <a:picLocks noChangeAspect="1"/>
-          </p:cNvPicPr>
-          <p:nvPr/>
-        </p:nvPicPr>
-        <p:blipFill>
-          <a:blip r:embed="rId2" cstate="print">
-            <a:extLst>
-              <a:ext uri="{28A0092B-C50C-407E-A947-70E740481C1C}">
-                <a14:useLocalDpi xmlns:a14="http://schemas.microsoft.com/office/drawing/2010/main" val="0"/>
-              </a:ext>
-            </a:extLst>
-          </a:blip>
-          <a:stretch>
-            <a:fillRect/>
-          </a:stretch>
-        </p:blipFill>
-        <p:spPr>
-          <a:xfrm>
-            <a:off x="359532" y="341671"/>
-            <a:ext cx="1944216" cy="531045"/>
-          </a:xfrm>
-          <a:prstGeom prst="rect">
-            <a:avLst/>
-          </a:prstGeom>
-        </p:spPr>
-      </p:pic>
-      <p:sp>
-        <p:nvSpPr>
-          <p:cNvPr id="9" name="TextBox 8">
-            <a:extLst>
-              <a:ext uri="{FF2B5EF4-FFF2-40B4-BE49-F238E27FC236}">
-                <a16:creationId xmlns:a16="http://schemas.microsoft.com/office/drawing/2014/main" id="{DC363959-13A1-CE03-400E-75094C052845}"/>
-              </a:ext>
-            </a:extLst>
-          </p:cNvPr>
-          <p:cNvSpPr txBox="1"/>
-          <p:nvPr/>
-        </p:nvSpPr>
-        <p:spPr>
-          <a:xfrm>
-            <a:off x="500399" y="310242"/>
-            <a:ext cx="7848872" cy="658835"/>
-          </a:xfrm>
-          <a:prstGeom prst="rect">
-            <a:avLst/>
-          </a:prstGeom>
-          <a:noFill/>
-        </p:spPr>
-        <p:txBody>
-          <a:bodyPr wrap="square" rtlCol="0">
-            <a:spAutoFit/>
-          </a:bodyPr>
-          <a:lstStyle/>
-          <a:p>
-            <a:pPr marR="0" lvl="0" algn="ctr">
-              <a:lnSpc>
-                <a:spcPct val="107000"/>
-              </a:lnSpc>
-              <a:spcBef>
-                <a:spcPts val="0"/>
-              </a:spcBef>
-              <a:spcAft>
-                <a:spcPts val="0"/>
-              </a:spcAft>
-            </a:pPr>
-            <a:r>
-              <a:rPr lang="ro-RO" sz="3600" i="1" dirty="0">
-                <a:effectLst/>
-                <a:latin typeface="Calibri" panose="020F0502020204030204" pitchFamily="34" charset="0"/>
-                <a:ea typeface="Calibri" panose="020F0502020204030204" pitchFamily="34" charset="0"/>
-                <a:cs typeface="Times New Roman" panose="02020603050405020304" pitchFamily="18" charset="0"/>
-              </a:rPr>
-              <a:t>Baza de date</a:t>
-            </a:r>
-            <a:endParaRPr lang="en-US" sz="3600" i="1" dirty="0">
-              <a:effectLst/>
-              <a:latin typeface="Calibri" panose="020F0502020204030204" pitchFamily="34" charset="0"/>
-              <a:ea typeface="Calibri" panose="020F0502020204030204" pitchFamily="34" charset="0"/>
-              <a:cs typeface="Times New Roman" panose="02020603050405020304" pitchFamily="18" charset="0"/>
-            </a:endParaRPr>
-          </a:p>
-        </p:txBody>
-      </p:sp>
-      <p:sp>
-        <p:nvSpPr>
-          <p:cNvPr id="11" name="TextBox 10">
-            <a:extLst>
-              <a:ext uri="{FF2B5EF4-FFF2-40B4-BE49-F238E27FC236}">
-                <a16:creationId xmlns:a16="http://schemas.microsoft.com/office/drawing/2014/main" id="{E51ABD50-F7A1-E7C4-E45F-7E08957D50E9}"/>
-              </a:ext>
-            </a:extLst>
-          </p:cNvPr>
-          <p:cNvSpPr txBox="1"/>
-          <p:nvPr/>
-        </p:nvSpPr>
-        <p:spPr>
-          <a:xfrm>
-            <a:off x="485763" y="1065439"/>
-            <a:ext cx="8172473" cy="1367234"/>
-          </a:xfrm>
-          <a:prstGeom prst="rect">
-            <a:avLst/>
-          </a:prstGeom>
-          <a:noFill/>
-        </p:spPr>
-        <p:txBody>
-          <a:bodyPr wrap="square" rtlCol="0">
-            <a:spAutoFit/>
-          </a:bodyPr>
-          <a:lstStyle/>
-          <a:p>
-            <a:pPr>
-              <a:lnSpc>
-                <a:spcPct val="107000"/>
-              </a:lnSpc>
-              <a:spcAft>
-                <a:spcPts val="800"/>
-              </a:spcAft>
-            </a:pPr>
-            <a:r>
-              <a:rPr lang="ro-RO" sz="1800" dirty="0">
-                <a:effectLst/>
-                <a:latin typeface="UT Sans"/>
-                <a:ea typeface="Calibri" panose="020F0502020204030204" pitchFamily="34" charset="0"/>
-                <a:cs typeface="Times New Roman" panose="02020603050405020304" pitchFamily="18" charset="0"/>
-              </a:rPr>
-              <a:t>Pentru baza de date am folosit SQLite. </a:t>
-            </a:r>
-            <a:r>
-              <a:rPr lang="en-US" sz="1800" dirty="0">
-                <a:effectLst/>
-                <a:latin typeface="UT Sans"/>
-                <a:ea typeface="Calibri" panose="020F0502020204030204" pitchFamily="34" charset="0"/>
-                <a:cs typeface="Times New Roman" panose="02020603050405020304" pitchFamily="18" charset="0"/>
-              </a:rPr>
-              <a:t>Am </a:t>
-            </a:r>
-            <a:r>
-              <a:rPr lang="en-US" sz="1800" dirty="0" err="1">
-                <a:effectLst/>
-                <a:latin typeface="UT Sans"/>
-                <a:ea typeface="Calibri" panose="020F0502020204030204" pitchFamily="34" charset="0"/>
-                <a:cs typeface="Times New Roman" panose="02020603050405020304" pitchFamily="18" charset="0"/>
-              </a:rPr>
-              <a:t>implementat</a:t>
-            </a:r>
-            <a:r>
-              <a:rPr lang="en-US" sz="1800" dirty="0">
-                <a:effectLst/>
-                <a:latin typeface="UT Sans"/>
-                <a:ea typeface="Calibri" panose="020F0502020204030204" pitchFamily="34" charset="0"/>
-                <a:cs typeface="Times New Roman" panose="02020603050405020304" pitchFamily="18" charset="0"/>
-              </a:rPr>
-              <a:t> </a:t>
-            </a:r>
-            <a:r>
-              <a:rPr lang="en-US" sz="1800" dirty="0" err="1">
-                <a:effectLst/>
-                <a:latin typeface="UT Sans"/>
-                <a:ea typeface="Calibri" panose="020F0502020204030204" pitchFamily="34" charset="0"/>
-                <a:cs typeface="Times New Roman" panose="02020603050405020304" pitchFamily="18" charset="0"/>
-              </a:rPr>
-              <a:t>mai</a:t>
-            </a:r>
-            <a:r>
-              <a:rPr lang="en-US" sz="1800" dirty="0">
-                <a:effectLst/>
-                <a:latin typeface="UT Sans"/>
-                <a:ea typeface="Calibri" panose="020F0502020204030204" pitchFamily="34" charset="0"/>
-                <a:cs typeface="Times New Roman" panose="02020603050405020304" pitchFamily="18" charset="0"/>
-              </a:rPr>
-              <a:t> </a:t>
-            </a:r>
-            <a:r>
-              <a:rPr lang="en-US" sz="1800" dirty="0" err="1">
-                <a:effectLst/>
-                <a:latin typeface="UT Sans"/>
-                <a:ea typeface="Calibri" panose="020F0502020204030204" pitchFamily="34" charset="0"/>
-                <a:cs typeface="Times New Roman" panose="02020603050405020304" pitchFamily="18" charset="0"/>
-              </a:rPr>
-              <a:t>multe</a:t>
-            </a:r>
-            <a:r>
-              <a:rPr lang="en-US" sz="1800" dirty="0">
-                <a:effectLst/>
-                <a:latin typeface="UT Sans"/>
-                <a:ea typeface="Calibri" panose="020F0502020204030204" pitchFamily="34" charset="0"/>
-                <a:cs typeface="Times New Roman" panose="02020603050405020304" pitchFamily="18" charset="0"/>
-              </a:rPr>
-              <a:t> </a:t>
-            </a:r>
-            <a:r>
-              <a:rPr lang="en-US" sz="1800" dirty="0" err="1">
-                <a:effectLst/>
-                <a:latin typeface="UT Sans"/>
-                <a:ea typeface="Calibri" panose="020F0502020204030204" pitchFamily="34" charset="0"/>
-                <a:cs typeface="Times New Roman" panose="02020603050405020304" pitchFamily="18" charset="0"/>
-              </a:rPr>
-              <a:t>clase</a:t>
-            </a:r>
-            <a:r>
-              <a:rPr lang="en-US" sz="1800" dirty="0">
-                <a:effectLst/>
-                <a:latin typeface="UT Sans"/>
-                <a:ea typeface="Calibri" panose="020F0502020204030204" pitchFamily="34" charset="0"/>
-                <a:cs typeface="Times New Roman" panose="02020603050405020304" pitchFamily="18" charset="0"/>
-              </a:rPr>
-              <a:t> care se </a:t>
-            </a:r>
-            <a:r>
-              <a:rPr lang="en-US" sz="1800" dirty="0" err="1">
-                <a:effectLst/>
-                <a:latin typeface="UT Sans"/>
-                <a:ea typeface="Calibri" panose="020F0502020204030204" pitchFamily="34" charset="0"/>
-                <a:cs typeface="Times New Roman" panose="02020603050405020304" pitchFamily="18" charset="0"/>
-              </a:rPr>
-              <a:t>mapează</a:t>
-            </a:r>
-            <a:r>
-              <a:rPr lang="en-US" sz="1800" dirty="0">
-                <a:effectLst/>
-                <a:latin typeface="UT Sans"/>
-                <a:ea typeface="Calibri" panose="020F0502020204030204" pitchFamily="34" charset="0"/>
-                <a:cs typeface="Times New Roman" panose="02020603050405020304" pitchFamily="18" charset="0"/>
-              </a:rPr>
-              <a:t> la </a:t>
-            </a:r>
-            <a:r>
-              <a:rPr lang="en-US" sz="1800" dirty="0" err="1">
-                <a:effectLst/>
-                <a:latin typeface="UT Sans"/>
-                <a:ea typeface="Calibri" panose="020F0502020204030204" pitchFamily="34" charset="0"/>
-                <a:cs typeface="Times New Roman" panose="02020603050405020304" pitchFamily="18" charset="0"/>
-              </a:rPr>
-              <a:t>tabelele</a:t>
-            </a:r>
-            <a:r>
-              <a:rPr lang="en-US" sz="1800" dirty="0">
-                <a:effectLst/>
-                <a:latin typeface="UT Sans"/>
-                <a:ea typeface="Calibri" panose="020F0502020204030204" pitchFamily="34" charset="0"/>
-                <a:cs typeface="Times New Roman" panose="02020603050405020304" pitchFamily="18" charset="0"/>
-              </a:rPr>
-              <a:t> </a:t>
-            </a:r>
-            <a:r>
-              <a:rPr lang="en-US" sz="1800" dirty="0" err="1">
-                <a:effectLst/>
-                <a:latin typeface="UT Sans"/>
-                <a:ea typeface="Calibri" panose="020F0502020204030204" pitchFamily="34" charset="0"/>
-                <a:cs typeface="Times New Roman" panose="02020603050405020304" pitchFamily="18" charset="0"/>
-              </a:rPr>
-              <a:t>bazei</a:t>
-            </a:r>
-            <a:r>
-              <a:rPr lang="en-US" sz="1800" dirty="0">
-                <a:effectLst/>
-                <a:latin typeface="UT Sans"/>
-                <a:ea typeface="Calibri" panose="020F0502020204030204" pitchFamily="34" charset="0"/>
-                <a:cs typeface="Times New Roman" panose="02020603050405020304" pitchFamily="18" charset="0"/>
-              </a:rPr>
-              <a:t> de date </a:t>
-            </a:r>
-            <a:r>
-              <a:rPr lang="en-US" sz="1800" dirty="0" err="1">
-                <a:effectLst/>
-                <a:latin typeface="UT Sans"/>
-                <a:ea typeface="Calibri" panose="020F0502020204030204" pitchFamily="34" charset="0"/>
-                <a:cs typeface="Times New Roman" panose="02020603050405020304" pitchFamily="18" charset="0"/>
-              </a:rPr>
-              <a:t>utilizând</a:t>
-            </a:r>
-            <a:r>
-              <a:rPr lang="en-US" sz="1800" dirty="0">
-                <a:effectLst/>
-                <a:latin typeface="UT Sans"/>
-                <a:ea typeface="Calibri" panose="020F0502020204030204" pitchFamily="34" charset="0"/>
-                <a:cs typeface="Times New Roman" panose="02020603050405020304" pitchFamily="18" charset="0"/>
-              </a:rPr>
-              <a:t> ORM-</a:t>
-            </a:r>
-            <a:r>
-              <a:rPr lang="en-US" sz="1800" dirty="0" err="1">
-                <a:effectLst/>
-                <a:latin typeface="UT Sans"/>
-                <a:ea typeface="Calibri" panose="020F0502020204030204" pitchFamily="34" charset="0"/>
-                <a:cs typeface="Times New Roman" panose="02020603050405020304" pitchFamily="18" charset="0"/>
-              </a:rPr>
-              <a:t>ul</a:t>
-            </a:r>
-            <a:r>
-              <a:rPr lang="en-US" sz="1800" dirty="0">
-                <a:effectLst/>
-                <a:latin typeface="UT Sans"/>
-                <a:ea typeface="Calibri" panose="020F0502020204030204" pitchFamily="34" charset="0"/>
-                <a:cs typeface="Times New Roman" panose="02020603050405020304" pitchFamily="18" charset="0"/>
-              </a:rPr>
-              <a:t> </a:t>
-            </a:r>
-            <a:r>
-              <a:rPr lang="en-US" sz="1800" dirty="0" err="1">
-                <a:effectLst/>
-                <a:latin typeface="UT Sans"/>
-                <a:ea typeface="Calibri" panose="020F0502020204030204" pitchFamily="34" charset="0"/>
-                <a:cs typeface="Times New Roman" panose="02020603050405020304" pitchFamily="18" charset="0"/>
-              </a:rPr>
-              <a:t>SQLAlchemy</a:t>
-            </a:r>
-            <a:r>
-              <a:rPr lang="ro-RO" dirty="0">
-                <a:latin typeface="UT Sans"/>
-                <a:ea typeface="Calibri" panose="020F0502020204030204" pitchFamily="34" charset="0"/>
-                <a:cs typeface="Times New Roman" panose="02020603050405020304" pitchFamily="18" charset="0"/>
-              </a:rPr>
-              <a:t> , precum clasa User, Application și Suggestion.</a:t>
-            </a:r>
-            <a:endParaRPr lang="en-US" sz="1800" dirty="0">
-              <a:effectLst/>
-              <a:latin typeface="Calibri" panose="020F0502020204030204" pitchFamily="34" charset="0"/>
-              <a:ea typeface="Calibri" panose="020F0502020204030204" pitchFamily="34" charset="0"/>
-              <a:cs typeface="Times New Roman" panose="02020603050405020304" pitchFamily="18" charset="0"/>
-            </a:endParaRPr>
-          </a:p>
-          <a:p>
-            <a:pPr marL="0" marR="0">
-              <a:lnSpc>
-                <a:spcPct val="107000"/>
-              </a:lnSpc>
-              <a:spcBef>
-                <a:spcPts val="0"/>
-              </a:spcBef>
-              <a:spcAft>
-                <a:spcPts val="800"/>
-              </a:spcAft>
-            </a:pPr>
-            <a:endParaRPr lang="en-US" sz="1800" dirty="0">
-              <a:effectLst/>
-              <a:latin typeface="Calibri" panose="020F0502020204030204" pitchFamily="34" charset="0"/>
-              <a:ea typeface="Calibri" panose="020F0502020204030204" pitchFamily="34" charset="0"/>
-              <a:cs typeface="Times New Roman" panose="02020603050405020304" pitchFamily="18" charset="0"/>
-            </a:endParaRPr>
-          </a:p>
-        </p:txBody>
-      </p:sp>
-      <p:sp>
-        <p:nvSpPr>
-          <p:cNvPr id="13" name="Slide Number Placeholder 12">
-            <a:extLst>
-              <a:ext uri="{FF2B5EF4-FFF2-40B4-BE49-F238E27FC236}">
-                <a16:creationId xmlns:a16="http://schemas.microsoft.com/office/drawing/2014/main" id="{8BFBD771-7BB3-3B3B-E049-B139ABB9452C}"/>
-              </a:ext>
-            </a:extLst>
-          </p:cNvPr>
-          <p:cNvSpPr>
-            <a:spLocks noGrp="1"/>
-          </p:cNvSpPr>
-          <p:nvPr>
-            <p:ph type="sldNum" sz="quarter" idx="12"/>
-          </p:nvPr>
-        </p:nvSpPr>
-        <p:spPr/>
-        <p:txBody>
-          <a:bodyPr/>
-          <a:lstStyle/>
-          <a:p>
-            <a:fld id="{735A3DBB-FBA3-4A4C-B7D7-E60F12564F18}" type="slidenum">
-              <a:rPr lang="en-US" smtClean="0"/>
-              <a:t>16</a:t>
             </a:fld>
             <a:endParaRPr lang="en-US"/>
           </a:p>
@@ -9298,8 +9003,8 @@
         </p:blipFill>
         <p:spPr>
           <a:xfrm>
-            <a:off x="485763" y="2047707"/>
-            <a:ext cx="7905985" cy="4334159"/>
+            <a:off x="833544" y="2299732"/>
+            <a:ext cx="7182581" cy="3937580"/>
           </a:xfrm>
           <a:prstGeom prst="rect">
             <a:avLst/>
@@ -9475,7 +9180,7 @@
         </p:nvSpPr>
         <p:spPr>
           <a:xfrm>
-            <a:off x="611560" y="1044019"/>
+            <a:off x="647563" y="1428329"/>
             <a:ext cx="7848872" cy="1938992"/>
           </a:xfrm>
           <a:prstGeom prst="rect">
@@ -10113,7 +9818,7 @@
         </p:blipFill>
         <p:spPr>
           <a:xfrm>
-            <a:off x="3430837" y="3426840"/>
+            <a:off x="3430836" y="3481298"/>
             <a:ext cx="2282325" cy="2282325"/>
           </a:xfrm>
           <a:prstGeom prst="rect">
@@ -10562,7 +10267,7 @@
         </p:nvSpPr>
         <p:spPr>
           <a:xfrm>
-            <a:off x="735920" y="490654"/>
+            <a:off x="647564" y="549550"/>
             <a:ext cx="7848872" cy="646331"/>
           </a:xfrm>
           <a:prstGeom prst="rect">
@@ -11081,7 +10786,7 @@
         </p:nvSpPr>
         <p:spPr>
           <a:xfrm>
-            <a:off x="567558" y="444845"/>
+            <a:off x="647563" y="549550"/>
             <a:ext cx="7848872" cy="646331"/>
           </a:xfrm>
           <a:prstGeom prst="rect">
@@ -11684,7 +11389,7 @@
         </p:nvSpPr>
         <p:spPr>
           <a:xfrm>
-            <a:off x="719560" y="593446"/>
+            <a:off x="647564" y="547417"/>
             <a:ext cx="7848872" cy="646331"/>
           </a:xfrm>
           <a:prstGeom prst="rect">
@@ -12065,7 +11770,7 @@
         </p:nvSpPr>
         <p:spPr>
           <a:xfrm>
-            <a:off x="719560" y="593446"/>
+            <a:off x="647564" y="548416"/>
             <a:ext cx="7848872" cy="646331"/>
           </a:xfrm>
           <a:prstGeom prst="rect">
@@ -12173,6 +11878,1274 @@
 </file>
 
 <file path=ppt/slides/slide7.xml><?xml version="1.0" encoding="utf-8"?>
+<p:sld xmlns:a="http://schemas.openxmlformats.org/drawingml/2006/main" xmlns:r="http://schemas.openxmlformats.org/officeDocument/2006/relationships" xmlns:p="http://schemas.openxmlformats.org/presentationml/2006/main">
+  <p:cSld>
+    <p:spTree>
+      <p:nvGrpSpPr>
+        <p:cNvPr id="1" name=""/>
+        <p:cNvGrpSpPr/>
+        <p:nvPr/>
+      </p:nvGrpSpPr>
+      <p:grpSpPr>
+        <a:xfrm>
+          <a:off x="0" y="0"/>
+          <a:ext cx="0" cy="0"/>
+          <a:chOff x="0" y="0"/>
+          <a:chExt cx="0" cy="0"/>
+        </a:xfrm>
+      </p:grpSpPr>
+      <p:grpSp>
+        <p:nvGrpSpPr>
+          <p:cNvPr id="4" name="Group 3"/>
+          <p:cNvGrpSpPr/>
+          <p:nvPr/>
+        </p:nvGrpSpPr>
+        <p:grpSpPr>
+          <a:xfrm>
+            <a:off x="8460432" y="6237312"/>
+            <a:ext cx="216000" cy="216000"/>
+            <a:chOff x="2772000" y="1932221"/>
+            <a:chExt cx="2340000" cy="2340000"/>
+          </a:xfrm>
+        </p:grpSpPr>
+        <p:sp>
+          <p:nvSpPr>
+            <p:cNvPr id="5" name="Rectangle 4"/>
+            <p:cNvSpPr/>
+            <p:nvPr/>
+          </p:nvSpPr>
+          <p:spPr>
+            <a:xfrm>
+              <a:off x="2772000" y="1932221"/>
+              <a:ext cx="2340000" cy="2340000"/>
+            </a:xfrm>
+            <a:prstGeom prst="rect">
+              <a:avLst/>
+            </a:prstGeom>
+            <a:solidFill>
+              <a:schemeClr val="bg1">
+                <a:lumMod val="75000"/>
+              </a:schemeClr>
+            </a:solidFill>
+            <a:ln>
+              <a:noFill/>
+            </a:ln>
+          </p:spPr>
+          <p:style>
+            <a:lnRef idx="2">
+              <a:schemeClr val="accent1">
+                <a:shade val="50000"/>
+              </a:schemeClr>
+            </a:lnRef>
+            <a:fillRef idx="1">
+              <a:schemeClr val="accent1"/>
+            </a:fillRef>
+            <a:effectRef idx="0">
+              <a:schemeClr val="accent1"/>
+            </a:effectRef>
+            <a:fontRef idx="minor">
+              <a:schemeClr val="lt1"/>
+            </a:fontRef>
+          </p:style>
+          <p:txBody>
+            <a:bodyPr rtlCol="0" anchor="ctr"/>
+            <a:lstStyle/>
+            <a:p>
+              <a:pPr algn="ctr"/>
+              <a:endParaRPr lang="en-US">
+                <a:ln>
+                  <a:solidFill>
+                    <a:schemeClr val="bg2">
+                      <a:lumMod val="75000"/>
+                    </a:schemeClr>
+                  </a:solidFill>
+                </a:ln>
+                <a:solidFill>
+                  <a:schemeClr val="tx1"/>
+                </a:solidFill>
+              </a:endParaRPr>
+            </a:p>
+          </p:txBody>
+        </p:sp>
+        <p:sp>
+          <p:nvSpPr>
+            <p:cNvPr id="6" name="Rectangle 5"/>
+            <p:cNvSpPr/>
+            <p:nvPr/>
+          </p:nvSpPr>
+          <p:spPr>
+            <a:xfrm>
+              <a:off x="3546000" y="2706221"/>
+              <a:ext cx="792000" cy="792000"/>
+            </a:xfrm>
+            <a:prstGeom prst="rect">
+              <a:avLst/>
+            </a:prstGeom>
+            <a:solidFill>
+              <a:schemeClr val="bg1"/>
+            </a:solidFill>
+            <a:ln>
+              <a:noFill/>
+            </a:ln>
+          </p:spPr>
+          <p:style>
+            <a:lnRef idx="2">
+              <a:schemeClr val="accent1">
+                <a:shade val="50000"/>
+              </a:schemeClr>
+            </a:lnRef>
+            <a:fillRef idx="1">
+              <a:schemeClr val="accent1"/>
+            </a:fillRef>
+            <a:effectRef idx="0">
+              <a:schemeClr val="accent1"/>
+            </a:effectRef>
+            <a:fontRef idx="minor">
+              <a:schemeClr val="lt1"/>
+            </a:fontRef>
+          </p:style>
+          <p:txBody>
+            <a:bodyPr rtlCol="0" anchor="ctr"/>
+            <a:lstStyle/>
+            <a:p>
+              <a:pPr algn="ctr"/>
+              <a:endParaRPr lang="en-US">
+                <a:ln>
+                  <a:solidFill>
+                    <a:schemeClr val="bg2">
+                      <a:lumMod val="75000"/>
+                    </a:schemeClr>
+                  </a:solidFill>
+                </a:ln>
+                <a:solidFill>
+                  <a:schemeClr val="tx1"/>
+                </a:solidFill>
+              </a:endParaRPr>
+            </a:p>
+          </p:txBody>
+        </p:sp>
+      </p:grpSp>
+      <p:sp>
+        <p:nvSpPr>
+          <p:cNvPr id="7" name="TextBox 6"/>
+          <p:cNvSpPr txBox="1"/>
+          <p:nvPr/>
+        </p:nvSpPr>
+        <p:spPr>
+          <a:xfrm>
+            <a:off x="647564" y="1418160"/>
+            <a:ext cx="7848872" cy="400110"/>
+          </a:xfrm>
+          <a:prstGeom prst="rect">
+            <a:avLst/>
+          </a:prstGeom>
+          <a:noFill/>
+        </p:spPr>
+        <p:txBody>
+          <a:bodyPr wrap="square" rtlCol="0">
+            <a:spAutoFit/>
+          </a:bodyPr>
+          <a:lstStyle/>
+          <a:p>
+            <a:pPr marL="342900" indent="-342900" algn="just">
+              <a:buBlip>
+                <a:blip r:embed="rId2"/>
+              </a:buBlip>
+            </a:pPr>
+            <a:r>
+              <a:rPr lang="en-US" sz="2000" dirty="0">
+                <a:latin typeface="UT Sans" pitchFamily="50" charset="0"/>
+              </a:rPr>
+              <a:t>Management-</a:t>
+            </a:r>
+            <a:r>
+              <a:rPr lang="en-US" sz="2000" dirty="0" err="1">
+                <a:latin typeface="UT Sans" pitchFamily="50" charset="0"/>
+              </a:rPr>
+              <a:t>ul</a:t>
+            </a:r>
+            <a:r>
+              <a:rPr lang="en-US" sz="2000" dirty="0">
+                <a:latin typeface="UT Sans" pitchFamily="50" charset="0"/>
+              </a:rPr>
+              <a:t> </a:t>
+            </a:r>
+            <a:r>
+              <a:rPr lang="en-US" sz="2000" dirty="0" err="1">
+                <a:latin typeface="UT Sans" pitchFamily="50" charset="0"/>
+              </a:rPr>
+              <a:t>Echipei</a:t>
+            </a:r>
+            <a:endParaRPr lang="en-US" sz="2000" dirty="0">
+              <a:latin typeface="UT Sans" pitchFamily="50" charset="0"/>
+            </a:endParaRPr>
+          </a:p>
+        </p:txBody>
+      </p:sp>
+      <p:pic>
+        <p:nvPicPr>
+          <p:cNvPr id="2" name="Picture 1"/>
+          <p:cNvPicPr>
+            <a:picLocks noChangeAspect="1"/>
+          </p:cNvPicPr>
+          <p:nvPr/>
+        </p:nvPicPr>
+        <p:blipFill>
+          <a:blip r:embed="rId3" cstate="print">
+            <a:extLst>
+              <a:ext uri="{28A0092B-C50C-407E-A947-70E740481C1C}">
+                <a14:useLocalDpi xmlns:a14="http://schemas.microsoft.com/office/drawing/2010/main" val="0"/>
+              </a:ext>
+            </a:extLst>
+          </a:blip>
+          <a:stretch>
+            <a:fillRect/>
+          </a:stretch>
+        </p:blipFill>
+        <p:spPr>
+          <a:xfrm>
+            <a:off x="359532" y="341671"/>
+            <a:ext cx="1944216" cy="531045"/>
+          </a:xfrm>
+          <a:prstGeom prst="rect">
+            <a:avLst/>
+          </a:prstGeom>
+        </p:spPr>
+      </p:pic>
+      <p:sp>
+        <p:nvSpPr>
+          <p:cNvPr id="9" name="TextBox 8">
+            <a:extLst>
+              <a:ext uri="{FF2B5EF4-FFF2-40B4-BE49-F238E27FC236}">
+                <a16:creationId xmlns:a16="http://schemas.microsoft.com/office/drawing/2014/main" id="{DC363959-13A1-CE03-400E-75094C052845}"/>
+              </a:ext>
+            </a:extLst>
+          </p:cNvPr>
+          <p:cNvSpPr txBox="1"/>
+          <p:nvPr/>
+        </p:nvSpPr>
+        <p:spPr>
+          <a:xfrm>
+            <a:off x="647563" y="759325"/>
+            <a:ext cx="7848872" cy="658835"/>
+          </a:xfrm>
+          <a:prstGeom prst="rect">
+            <a:avLst/>
+          </a:prstGeom>
+          <a:noFill/>
+        </p:spPr>
+        <p:txBody>
+          <a:bodyPr wrap="square" rtlCol="0">
+            <a:spAutoFit/>
+          </a:bodyPr>
+          <a:lstStyle/>
+          <a:p>
+            <a:pPr marR="0" lvl="0" algn="ctr">
+              <a:lnSpc>
+                <a:spcPct val="107000"/>
+              </a:lnSpc>
+              <a:spcBef>
+                <a:spcPts val="1200"/>
+              </a:spcBef>
+              <a:spcAft>
+                <a:spcPts val="0"/>
+              </a:spcAft>
+            </a:pPr>
+            <a:r>
+              <a:rPr lang="en-US" sz="3600" i="1" kern="0" dirty="0" err="1">
+                <a:effectLst/>
+                <a:latin typeface="UT Sans"/>
+                <a:ea typeface="Times New Roman" panose="02020603050405020304" pitchFamily="18" charset="0"/>
+                <a:cs typeface="Calibri" panose="020F0502020204030204" pitchFamily="34" charset="0"/>
+              </a:rPr>
+              <a:t>Arhitectura</a:t>
+            </a:r>
+            <a:r>
+              <a:rPr lang="en-US" sz="3600" i="1" kern="0" dirty="0">
+                <a:effectLst/>
+                <a:latin typeface="UT Sans"/>
+                <a:ea typeface="Times New Roman" panose="02020603050405020304" pitchFamily="18" charset="0"/>
+                <a:cs typeface="Calibri" panose="020F0502020204030204" pitchFamily="34" charset="0"/>
+              </a:rPr>
+              <a:t> </a:t>
+            </a:r>
+            <a:r>
+              <a:rPr lang="en-US" sz="3600" i="1" kern="0" dirty="0" err="1">
+                <a:effectLst/>
+                <a:latin typeface="UT Sans"/>
+                <a:ea typeface="Times New Roman" panose="02020603050405020304" pitchFamily="18" charset="0"/>
+                <a:cs typeface="Calibri" panose="020F0502020204030204" pitchFamily="34" charset="0"/>
+              </a:rPr>
+              <a:t>Aplicației</a:t>
+            </a:r>
+            <a:endParaRPr lang="en-US" sz="3600" i="1" kern="0" dirty="0">
+              <a:effectLst/>
+              <a:latin typeface="Calibri Light" panose="020F0302020204030204" pitchFamily="34" charset="0"/>
+              <a:ea typeface="Times New Roman" panose="02020603050405020304" pitchFamily="18" charset="0"/>
+              <a:cs typeface="Times New Roman" panose="02020603050405020304" pitchFamily="18" charset="0"/>
+            </a:endParaRPr>
+          </a:p>
+        </p:txBody>
+      </p:sp>
+      <p:sp>
+        <p:nvSpPr>
+          <p:cNvPr id="8" name="TextBox 7">
+            <a:extLst>
+              <a:ext uri="{FF2B5EF4-FFF2-40B4-BE49-F238E27FC236}">
+                <a16:creationId xmlns:a16="http://schemas.microsoft.com/office/drawing/2014/main" id="{C1578C47-728C-5292-9BCE-BF53DA02CC03}"/>
+              </a:ext>
+            </a:extLst>
+          </p:cNvPr>
+          <p:cNvSpPr txBox="1"/>
+          <p:nvPr/>
+        </p:nvSpPr>
+        <p:spPr>
+          <a:xfrm>
+            <a:off x="647564" y="1883485"/>
+            <a:ext cx="8064872" cy="584775"/>
+          </a:xfrm>
+          <a:prstGeom prst="rect">
+            <a:avLst/>
+          </a:prstGeom>
+          <a:noFill/>
+        </p:spPr>
+        <p:txBody>
+          <a:bodyPr wrap="square">
+            <a:spAutoFit/>
+          </a:bodyPr>
+          <a:lstStyle/>
+          <a:p>
+            <a:pPr algn="just"/>
+            <a:r>
+              <a:rPr lang="en-US" sz="1600" dirty="0" err="1">
+                <a:effectLst/>
+                <a:latin typeface="UT Sans"/>
+                <a:ea typeface="Calibri" panose="020F0502020204030204" pitchFamily="34" charset="0"/>
+                <a:cs typeface="Calibri" panose="020F0502020204030204" pitchFamily="34" charset="0"/>
+              </a:rPr>
+              <a:t>Pentru</a:t>
+            </a:r>
+            <a:r>
+              <a:rPr lang="en-US" sz="1600" dirty="0">
+                <a:effectLst/>
+                <a:latin typeface="UT Sans"/>
+                <a:ea typeface="Calibri" panose="020F0502020204030204" pitchFamily="34" charset="0"/>
+                <a:cs typeface="Calibri" panose="020F0502020204030204" pitchFamily="34" charset="0"/>
+              </a:rPr>
+              <a:t> management-</a:t>
+            </a:r>
+            <a:r>
+              <a:rPr lang="en-US" sz="1600" dirty="0" err="1">
+                <a:effectLst/>
+                <a:latin typeface="UT Sans"/>
+                <a:ea typeface="Calibri" panose="020F0502020204030204" pitchFamily="34" charset="0"/>
+                <a:cs typeface="Calibri" panose="020F0502020204030204" pitchFamily="34" charset="0"/>
+              </a:rPr>
+              <a:t>ul</a:t>
+            </a:r>
+            <a:r>
+              <a:rPr lang="en-US" sz="1600" dirty="0">
+                <a:effectLst/>
+                <a:latin typeface="UT Sans"/>
+                <a:ea typeface="Calibri" panose="020F0502020204030204" pitchFamily="34" charset="0"/>
+                <a:cs typeface="Calibri" panose="020F0502020204030204" pitchFamily="34" charset="0"/>
+              </a:rPr>
+              <a:t> </a:t>
+            </a:r>
+            <a:r>
+              <a:rPr lang="en-US" sz="1600" dirty="0" err="1">
+                <a:effectLst/>
+                <a:latin typeface="UT Sans"/>
+                <a:ea typeface="Calibri" panose="020F0502020204030204" pitchFamily="34" charset="0"/>
+                <a:cs typeface="Calibri" panose="020F0502020204030204" pitchFamily="34" charset="0"/>
+              </a:rPr>
+              <a:t>echipei</a:t>
+            </a:r>
+            <a:r>
+              <a:rPr lang="en-US" sz="1600" dirty="0">
+                <a:effectLst/>
+                <a:latin typeface="UT Sans"/>
+                <a:ea typeface="Calibri" panose="020F0502020204030204" pitchFamily="34" charset="0"/>
+                <a:cs typeface="Calibri" panose="020F0502020204030204" pitchFamily="34" charset="0"/>
+              </a:rPr>
+              <a:t> am </a:t>
+            </a:r>
+            <a:r>
+              <a:rPr lang="en-US" sz="1600" dirty="0" err="1">
+                <a:effectLst/>
+                <a:latin typeface="UT Sans"/>
+                <a:ea typeface="Calibri" panose="020F0502020204030204" pitchFamily="34" charset="0"/>
+                <a:cs typeface="Calibri" panose="020F0502020204030204" pitchFamily="34" charset="0"/>
+              </a:rPr>
+              <a:t>utilizat</a:t>
+            </a:r>
+            <a:r>
+              <a:rPr lang="en-US" sz="1600" dirty="0">
+                <a:effectLst/>
+                <a:latin typeface="UT Sans"/>
+                <a:ea typeface="Calibri" panose="020F0502020204030204" pitchFamily="34" charset="0"/>
+                <a:cs typeface="Calibri" panose="020F0502020204030204" pitchFamily="34" charset="0"/>
+              </a:rPr>
+              <a:t> ca </a:t>
+            </a:r>
+            <a:r>
+              <a:rPr lang="en-US" sz="1600" dirty="0" err="1">
+                <a:effectLst/>
+                <a:latin typeface="UT Sans"/>
+                <a:ea typeface="Calibri" panose="020F0502020204030204" pitchFamily="34" charset="0"/>
+                <a:cs typeface="Calibri" panose="020F0502020204030204" pitchFamily="34" charset="0"/>
+              </a:rPr>
+              <a:t>și</a:t>
+            </a:r>
+            <a:r>
+              <a:rPr lang="en-US" sz="1600" dirty="0">
+                <a:effectLst/>
+                <a:latin typeface="UT Sans"/>
+                <a:ea typeface="Calibri" panose="020F0502020204030204" pitchFamily="34" charset="0"/>
+                <a:cs typeface="Calibri" panose="020F0502020204030204" pitchFamily="34" charset="0"/>
+              </a:rPr>
+              <a:t> board </a:t>
+            </a:r>
+            <a:r>
+              <a:rPr lang="en-US" sz="1600" dirty="0" err="1">
+                <a:effectLst/>
+                <a:latin typeface="UT Sans"/>
+                <a:ea typeface="Calibri" panose="020F0502020204030204" pitchFamily="34" charset="0"/>
+                <a:cs typeface="Calibri" panose="020F0502020204030204" pitchFamily="34" charset="0"/>
+              </a:rPr>
+              <a:t>pentru</a:t>
+            </a:r>
+            <a:r>
+              <a:rPr lang="en-US" sz="1600" dirty="0">
+                <a:effectLst/>
+                <a:latin typeface="UT Sans"/>
+                <a:ea typeface="Calibri" panose="020F0502020204030204" pitchFamily="34" charset="0"/>
+                <a:cs typeface="Calibri" panose="020F0502020204030204" pitchFamily="34" charset="0"/>
+              </a:rPr>
+              <a:t> task-</a:t>
+            </a:r>
+            <a:r>
+              <a:rPr lang="en-US" sz="1600" dirty="0" err="1">
+                <a:effectLst/>
+                <a:latin typeface="UT Sans"/>
+                <a:ea typeface="Calibri" panose="020F0502020204030204" pitchFamily="34" charset="0"/>
+                <a:cs typeface="Calibri" panose="020F0502020204030204" pitchFamily="34" charset="0"/>
+              </a:rPr>
+              <a:t>uri</a:t>
+            </a:r>
+            <a:r>
+              <a:rPr lang="en-US" sz="1600" dirty="0">
+                <a:effectLst/>
+                <a:latin typeface="UT Sans"/>
+                <a:ea typeface="Calibri" panose="020F0502020204030204" pitchFamily="34" charset="0"/>
+                <a:cs typeface="Calibri" panose="020F0502020204030204" pitchFamily="34" charset="0"/>
+              </a:rPr>
+              <a:t>, </a:t>
+            </a:r>
+            <a:r>
+              <a:rPr lang="en-US" sz="1600" dirty="0" err="1">
+                <a:effectLst/>
+                <a:latin typeface="UT Sans"/>
+                <a:ea typeface="Calibri" panose="020F0502020204030204" pitchFamily="34" charset="0"/>
+                <a:cs typeface="Calibri" panose="020F0502020204030204" pitchFamily="34" charset="0"/>
+              </a:rPr>
+              <a:t>aplicația</a:t>
+            </a:r>
+            <a:r>
+              <a:rPr lang="en-US" sz="1600" dirty="0">
+                <a:effectLst/>
+                <a:latin typeface="UT Sans"/>
+                <a:ea typeface="Calibri" panose="020F0502020204030204" pitchFamily="34" charset="0"/>
+                <a:cs typeface="Calibri" panose="020F0502020204030204" pitchFamily="34" charset="0"/>
+              </a:rPr>
+              <a:t> </a:t>
+            </a:r>
+            <a:r>
+              <a:rPr lang="en-US" sz="1600" b="1" i="1" dirty="0" err="1">
+                <a:effectLst/>
+                <a:latin typeface="UT Sans"/>
+                <a:ea typeface="Calibri" panose="020F0502020204030204" pitchFamily="34" charset="0"/>
+                <a:cs typeface="Calibri" panose="020F0502020204030204" pitchFamily="34" charset="0"/>
+              </a:rPr>
+              <a:t>meistertask</a:t>
+            </a:r>
+            <a:r>
+              <a:rPr lang="en-US" sz="1600" dirty="0">
+                <a:latin typeface="UT Sans"/>
+                <a:ea typeface="Calibri" panose="020F0502020204030204" pitchFamily="34" charset="0"/>
+                <a:cs typeface="Calibri" panose="020F0502020204030204" pitchFamily="34" charset="0"/>
+              </a:rPr>
+              <a:t>, imp</a:t>
+            </a:r>
+            <a:r>
+              <a:rPr lang="ro-RO" sz="1600" dirty="0">
+                <a:latin typeface="UT Sans"/>
+                <a:ea typeface="Calibri" panose="020F0502020204030204" pitchFamily="34" charset="0"/>
+                <a:cs typeface="Calibri" panose="020F0502020204030204" pitchFamily="34" charset="0"/>
+              </a:rPr>
+              <a:t>ărțind intre noi, fiecare ce lucrează și statusul implementării respective.</a:t>
+            </a:r>
+            <a:endParaRPr lang="en-US" sz="1600" dirty="0">
+              <a:effectLst/>
+              <a:latin typeface="Calibri" panose="020F0502020204030204" pitchFamily="34" charset="0"/>
+              <a:ea typeface="Calibri" panose="020F0502020204030204" pitchFamily="34" charset="0"/>
+              <a:cs typeface="Times New Roman" panose="02020603050405020304" pitchFamily="18" charset="0"/>
+            </a:endParaRPr>
+          </a:p>
+        </p:txBody>
+      </p:sp>
+      <p:pic>
+        <p:nvPicPr>
+          <p:cNvPr id="12" name="Picture 11">
+            <a:extLst>
+              <a:ext uri="{FF2B5EF4-FFF2-40B4-BE49-F238E27FC236}">
+                <a16:creationId xmlns:a16="http://schemas.microsoft.com/office/drawing/2014/main" id="{67F8B0AF-69CD-8D15-7BF2-D2B2F37D1CDE}"/>
+              </a:ext>
+            </a:extLst>
+          </p:cNvPr>
+          <p:cNvPicPr>
+            <a:picLocks noChangeAspect="1"/>
+          </p:cNvPicPr>
+          <p:nvPr/>
+        </p:nvPicPr>
+        <p:blipFill rotWithShape="1">
+          <a:blip r:embed="rId4" cstate="print">
+            <a:extLst>
+              <a:ext uri="{28A0092B-C50C-407E-A947-70E740481C1C}">
+                <a14:useLocalDpi xmlns:a14="http://schemas.microsoft.com/office/drawing/2010/main" val="0"/>
+              </a:ext>
+            </a:extLst>
+          </a:blip>
+          <a:srcRect l="1" r="413"/>
+          <a:stretch/>
+        </p:blipFill>
+        <p:spPr bwMode="auto">
+          <a:xfrm>
+            <a:off x="340199" y="2576311"/>
+            <a:ext cx="8463601" cy="3589555"/>
+          </a:xfrm>
+          <a:prstGeom prst="rect">
+            <a:avLst/>
+          </a:prstGeom>
+          <a:ln>
+            <a:noFill/>
+          </a:ln>
+          <a:extLst>
+            <a:ext uri="{53640926-AAD7-44D8-BBD7-CCE9431645EC}">
+              <a14:shadowObscured xmlns:a14="http://schemas.microsoft.com/office/drawing/2010/main"/>
+            </a:ext>
+          </a:extLst>
+        </p:spPr>
+      </p:pic>
+      <p:sp>
+        <p:nvSpPr>
+          <p:cNvPr id="3" name="Slide Number Placeholder 2">
+            <a:extLst>
+              <a:ext uri="{FF2B5EF4-FFF2-40B4-BE49-F238E27FC236}">
+                <a16:creationId xmlns:a16="http://schemas.microsoft.com/office/drawing/2014/main" id="{99C6DE0E-FEF1-B13E-83AF-B57576FAE3D3}"/>
+              </a:ext>
+            </a:extLst>
+          </p:cNvPr>
+          <p:cNvSpPr>
+            <a:spLocks noGrp="1"/>
+          </p:cNvSpPr>
+          <p:nvPr>
+            <p:ph type="sldNum" sz="quarter" idx="12"/>
+          </p:nvPr>
+        </p:nvSpPr>
+        <p:spPr/>
+        <p:txBody>
+          <a:bodyPr/>
+          <a:lstStyle/>
+          <a:p>
+            <a:fld id="{735A3DBB-FBA3-4A4C-B7D7-E60F12564F18}" type="slidenum">
+              <a:rPr lang="en-US" smtClean="0"/>
+              <a:t>7</a:t>
+            </a:fld>
+            <a:endParaRPr lang="en-US"/>
+          </a:p>
+        </p:txBody>
+      </p:sp>
+    </p:spTree>
+    <p:extLst>
+      <p:ext uri="{BB962C8B-B14F-4D97-AF65-F5344CB8AC3E}">
+        <p14:creationId xmlns:p14="http://schemas.microsoft.com/office/powerpoint/2010/main" val="942022684"/>
+      </p:ext>
+    </p:extLst>
+  </p:cSld>
+  <p:clrMapOvr>
+    <a:masterClrMapping/>
+  </p:clrMapOvr>
+</p:sld>
+</file>
+
+<file path=ppt/slides/slide8.xml><?xml version="1.0" encoding="utf-8"?>
+<p:sld xmlns:a="http://schemas.openxmlformats.org/drawingml/2006/main" xmlns:r="http://schemas.openxmlformats.org/officeDocument/2006/relationships" xmlns:p="http://schemas.openxmlformats.org/presentationml/2006/main">
+  <p:cSld>
+    <p:spTree>
+      <p:nvGrpSpPr>
+        <p:cNvPr id="1" name=""/>
+        <p:cNvGrpSpPr/>
+        <p:nvPr/>
+      </p:nvGrpSpPr>
+      <p:grpSpPr>
+        <a:xfrm>
+          <a:off x="0" y="0"/>
+          <a:ext cx="0" cy="0"/>
+          <a:chOff x="0" y="0"/>
+          <a:chExt cx="0" cy="0"/>
+        </a:xfrm>
+      </p:grpSpPr>
+      <p:grpSp>
+        <p:nvGrpSpPr>
+          <p:cNvPr id="4" name="Group 3"/>
+          <p:cNvGrpSpPr/>
+          <p:nvPr/>
+        </p:nvGrpSpPr>
+        <p:grpSpPr>
+          <a:xfrm>
+            <a:off x="8460432" y="6237312"/>
+            <a:ext cx="216000" cy="216000"/>
+            <a:chOff x="2772000" y="1932221"/>
+            <a:chExt cx="2340000" cy="2340000"/>
+          </a:xfrm>
+        </p:grpSpPr>
+        <p:sp>
+          <p:nvSpPr>
+            <p:cNvPr id="5" name="Rectangle 4"/>
+            <p:cNvSpPr/>
+            <p:nvPr/>
+          </p:nvSpPr>
+          <p:spPr>
+            <a:xfrm>
+              <a:off x="2772000" y="1932221"/>
+              <a:ext cx="2340000" cy="2340000"/>
+            </a:xfrm>
+            <a:prstGeom prst="rect">
+              <a:avLst/>
+            </a:prstGeom>
+            <a:solidFill>
+              <a:schemeClr val="bg1">
+                <a:lumMod val="75000"/>
+              </a:schemeClr>
+            </a:solidFill>
+            <a:ln>
+              <a:noFill/>
+            </a:ln>
+          </p:spPr>
+          <p:style>
+            <a:lnRef idx="2">
+              <a:schemeClr val="accent1">
+                <a:shade val="50000"/>
+              </a:schemeClr>
+            </a:lnRef>
+            <a:fillRef idx="1">
+              <a:schemeClr val="accent1"/>
+            </a:fillRef>
+            <a:effectRef idx="0">
+              <a:schemeClr val="accent1"/>
+            </a:effectRef>
+            <a:fontRef idx="minor">
+              <a:schemeClr val="lt1"/>
+            </a:fontRef>
+          </p:style>
+          <p:txBody>
+            <a:bodyPr rtlCol="0" anchor="ctr"/>
+            <a:lstStyle/>
+            <a:p>
+              <a:pPr algn="ctr"/>
+              <a:endParaRPr lang="en-US">
+                <a:ln>
+                  <a:solidFill>
+                    <a:schemeClr val="bg2">
+                      <a:lumMod val="75000"/>
+                    </a:schemeClr>
+                  </a:solidFill>
+                </a:ln>
+                <a:solidFill>
+                  <a:schemeClr val="tx1"/>
+                </a:solidFill>
+              </a:endParaRPr>
+            </a:p>
+          </p:txBody>
+        </p:sp>
+        <p:sp>
+          <p:nvSpPr>
+            <p:cNvPr id="6" name="Rectangle 5"/>
+            <p:cNvSpPr/>
+            <p:nvPr/>
+          </p:nvSpPr>
+          <p:spPr>
+            <a:xfrm>
+              <a:off x="3546000" y="2706221"/>
+              <a:ext cx="792000" cy="792000"/>
+            </a:xfrm>
+            <a:prstGeom prst="rect">
+              <a:avLst/>
+            </a:prstGeom>
+            <a:solidFill>
+              <a:schemeClr val="bg1"/>
+            </a:solidFill>
+            <a:ln>
+              <a:noFill/>
+            </a:ln>
+          </p:spPr>
+          <p:style>
+            <a:lnRef idx="2">
+              <a:schemeClr val="accent1">
+                <a:shade val="50000"/>
+              </a:schemeClr>
+            </a:lnRef>
+            <a:fillRef idx="1">
+              <a:schemeClr val="accent1"/>
+            </a:fillRef>
+            <a:effectRef idx="0">
+              <a:schemeClr val="accent1"/>
+            </a:effectRef>
+            <a:fontRef idx="minor">
+              <a:schemeClr val="lt1"/>
+            </a:fontRef>
+          </p:style>
+          <p:txBody>
+            <a:bodyPr rtlCol="0" anchor="ctr"/>
+            <a:lstStyle/>
+            <a:p>
+              <a:pPr algn="ctr"/>
+              <a:endParaRPr lang="en-US">
+                <a:ln>
+                  <a:solidFill>
+                    <a:schemeClr val="bg2">
+                      <a:lumMod val="75000"/>
+                    </a:schemeClr>
+                  </a:solidFill>
+                </a:ln>
+                <a:solidFill>
+                  <a:schemeClr val="tx1"/>
+                </a:solidFill>
+              </a:endParaRPr>
+            </a:p>
+          </p:txBody>
+        </p:sp>
+      </p:grpSp>
+      <p:sp>
+        <p:nvSpPr>
+          <p:cNvPr id="7" name="TextBox 6"/>
+          <p:cNvSpPr txBox="1"/>
+          <p:nvPr/>
+        </p:nvSpPr>
+        <p:spPr>
+          <a:xfrm>
+            <a:off x="611379" y="1499650"/>
+            <a:ext cx="7848872" cy="400110"/>
+          </a:xfrm>
+          <a:prstGeom prst="rect">
+            <a:avLst/>
+          </a:prstGeom>
+          <a:noFill/>
+        </p:spPr>
+        <p:txBody>
+          <a:bodyPr wrap="square" rtlCol="0">
+            <a:spAutoFit/>
+          </a:bodyPr>
+          <a:lstStyle/>
+          <a:p>
+            <a:pPr marL="342900" indent="-342900" algn="just">
+              <a:buBlip>
+                <a:blip r:embed="rId2"/>
+              </a:buBlip>
+            </a:pPr>
+            <a:r>
+              <a:rPr lang="en-US" sz="2000" dirty="0" err="1">
+                <a:latin typeface="UT Sans" pitchFamily="50" charset="0"/>
+              </a:rPr>
+              <a:t>Versionarea</a:t>
+            </a:r>
+            <a:r>
+              <a:rPr lang="en-US" sz="2000" dirty="0">
+                <a:latin typeface="UT Sans" pitchFamily="50" charset="0"/>
+              </a:rPr>
+              <a:t> </a:t>
+            </a:r>
+            <a:r>
+              <a:rPr lang="en-US" sz="2000" dirty="0" err="1">
+                <a:latin typeface="UT Sans" pitchFamily="50" charset="0"/>
+              </a:rPr>
+              <a:t>Codului</a:t>
+            </a:r>
+            <a:endParaRPr lang="en-US" sz="2000" dirty="0">
+              <a:latin typeface="UT Sans" pitchFamily="50" charset="0"/>
+            </a:endParaRPr>
+          </a:p>
+        </p:txBody>
+      </p:sp>
+      <p:pic>
+        <p:nvPicPr>
+          <p:cNvPr id="2" name="Picture 1"/>
+          <p:cNvPicPr>
+            <a:picLocks noChangeAspect="1"/>
+          </p:cNvPicPr>
+          <p:nvPr/>
+        </p:nvPicPr>
+        <p:blipFill>
+          <a:blip r:embed="rId3" cstate="print">
+            <a:extLst>
+              <a:ext uri="{28A0092B-C50C-407E-A947-70E740481C1C}">
+                <a14:useLocalDpi xmlns:a14="http://schemas.microsoft.com/office/drawing/2010/main" val="0"/>
+              </a:ext>
+            </a:extLst>
+          </a:blip>
+          <a:stretch>
+            <a:fillRect/>
+          </a:stretch>
+        </p:blipFill>
+        <p:spPr>
+          <a:xfrm>
+            <a:off x="359532" y="341671"/>
+            <a:ext cx="1944216" cy="531045"/>
+          </a:xfrm>
+          <a:prstGeom prst="rect">
+            <a:avLst/>
+          </a:prstGeom>
+        </p:spPr>
+      </p:pic>
+      <p:sp>
+        <p:nvSpPr>
+          <p:cNvPr id="9" name="TextBox 8">
+            <a:extLst>
+              <a:ext uri="{FF2B5EF4-FFF2-40B4-BE49-F238E27FC236}">
+                <a16:creationId xmlns:a16="http://schemas.microsoft.com/office/drawing/2014/main" id="{DC363959-13A1-CE03-400E-75094C052845}"/>
+              </a:ext>
+            </a:extLst>
+          </p:cNvPr>
+          <p:cNvSpPr txBox="1"/>
+          <p:nvPr/>
+        </p:nvSpPr>
+        <p:spPr>
+          <a:xfrm>
+            <a:off x="647564" y="781295"/>
+            <a:ext cx="7848872" cy="658835"/>
+          </a:xfrm>
+          <a:prstGeom prst="rect">
+            <a:avLst/>
+          </a:prstGeom>
+          <a:noFill/>
+        </p:spPr>
+        <p:txBody>
+          <a:bodyPr wrap="square" rtlCol="0">
+            <a:spAutoFit/>
+          </a:bodyPr>
+          <a:lstStyle/>
+          <a:p>
+            <a:pPr marR="0" lvl="0" algn="ctr">
+              <a:lnSpc>
+                <a:spcPct val="107000"/>
+              </a:lnSpc>
+              <a:spcBef>
+                <a:spcPts val="1200"/>
+              </a:spcBef>
+              <a:spcAft>
+                <a:spcPts val="0"/>
+              </a:spcAft>
+            </a:pPr>
+            <a:r>
+              <a:rPr lang="en-US" sz="3600" i="1" kern="0" dirty="0" err="1">
+                <a:effectLst/>
+                <a:latin typeface="UT Sans"/>
+                <a:ea typeface="Times New Roman" panose="02020603050405020304" pitchFamily="18" charset="0"/>
+                <a:cs typeface="Calibri" panose="020F0502020204030204" pitchFamily="34" charset="0"/>
+              </a:rPr>
+              <a:t>Arhitectura</a:t>
+            </a:r>
+            <a:r>
+              <a:rPr lang="en-US" sz="3600" i="1" kern="0" dirty="0">
+                <a:effectLst/>
+                <a:latin typeface="UT Sans"/>
+                <a:ea typeface="Times New Roman" panose="02020603050405020304" pitchFamily="18" charset="0"/>
+                <a:cs typeface="Calibri" panose="020F0502020204030204" pitchFamily="34" charset="0"/>
+              </a:rPr>
+              <a:t> </a:t>
+            </a:r>
+            <a:r>
+              <a:rPr lang="en-US" sz="3600" i="1" kern="0" dirty="0" err="1">
+                <a:effectLst/>
+                <a:latin typeface="UT Sans"/>
+                <a:ea typeface="Times New Roman" panose="02020603050405020304" pitchFamily="18" charset="0"/>
+                <a:cs typeface="Calibri" panose="020F0502020204030204" pitchFamily="34" charset="0"/>
+              </a:rPr>
+              <a:t>Aplicației</a:t>
+            </a:r>
+            <a:endParaRPr lang="en-US" sz="3600" i="1" kern="0" dirty="0">
+              <a:effectLst/>
+              <a:latin typeface="Calibri Light" panose="020F0302020204030204" pitchFamily="34" charset="0"/>
+              <a:ea typeface="Times New Roman" panose="02020603050405020304" pitchFamily="18" charset="0"/>
+              <a:cs typeface="Times New Roman" panose="02020603050405020304" pitchFamily="18" charset="0"/>
+            </a:endParaRPr>
+          </a:p>
+        </p:txBody>
+      </p:sp>
+      <p:sp>
+        <p:nvSpPr>
+          <p:cNvPr id="8" name="TextBox 7">
+            <a:extLst>
+              <a:ext uri="{FF2B5EF4-FFF2-40B4-BE49-F238E27FC236}">
+                <a16:creationId xmlns:a16="http://schemas.microsoft.com/office/drawing/2014/main" id="{C1578C47-728C-5292-9BCE-BF53DA02CC03}"/>
+              </a:ext>
+            </a:extLst>
+          </p:cNvPr>
+          <p:cNvSpPr txBox="1"/>
+          <p:nvPr/>
+        </p:nvSpPr>
+        <p:spPr>
+          <a:xfrm>
+            <a:off x="611560" y="1899760"/>
+            <a:ext cx="8064872" cy="871008"/>
+          </a:xfrm>
+          <a:prstGeom prst="rect">
+            <a:avLst/>
+          </a:prstGeom>
+          <a:noFill/>
+        </p:spPr>
+        <p:txBody>
+          <a:bodyPr wrap="square">
+            <a:spAutoFit/>
+          </a:bodyPr>
+          <a:lstStyle/>
+          <a:p>
+            <a:pPr marL="0" marR="0" indent="228600" algn="just">
+              <a:lnSpc>
+                <a:spcPct val="107000"/>
+              </a:lnSpc>
+              <a:spcBef>
+                <a:spcPts val="0"/>
+              </a:spcBef>
+              <a:spcAft>
+                <a:spcPts val="800"/>
+              </a:spcAft>
+            </a:pPr>
+            <a:r>
+              <a:rPr lang="en-US" sz="1600" dirty="0" err="1">
+                <a:effectLst/>
+                <a:latin typeface="UT Sans"/>
+                <a:ea typeface="Calibri" panose="020F0502020204030204" pitchFamily="34" charset="0"/>
+                <a:cs typeface="Times New Roman" panose="02020603050405020304" pitchFamily="18" charset="0"/>
+              </a:rPr>
+              <a:t>Pentru</a:t>
+            </a:r>
+            <a:r>
+              <a:rPr lang="en-US" sz="1600" dirty="0">
+                <a:effectLst/>
+                <a:latin typeface="UT Sans"/>
+                <a:ea typeface="Calibri" panose="020F0502020204030204" pitchFamily="34" charset="0"/>
+                <a:cs typeface="Times New Roman" panose="02020603050405020304" pitchFamily="18" charset="0"/>
+              </a:rPr>
+              <a:t> </a:t>
+            </a:r>
+            <a:r>
+              <a:rPr lang="en-US" sz="1600" dirty="0" err="1">
+                <a:effectLst/>
+                <a:latin typeface="UT Sans"/>
+                <a:ea typeface="Calibri" panose="020F0502020204030204" pitchFamily="34" charset="0"/>
+                <a:cs typeface="Times New Roman" panose="02020603050405020304" pitchFamily="18" charset="0"/>
+              </a:rPr>
+              <a:t>versionarea</a:t>
+            </a:r>
+            <a:r>
+              <a:rPr lang="en-US" sz="1600" dirty="0">
+                <a:effectLst/>
+                <a:latin typeface="UT Sans"/>
+                <a:ea typeface="Calibri" panose="020F0502020204030204" pitchFamily="34" charset="0"/>
+                <a:cs typeface="Times New Roman" panose="02020603050405020304" pitchFamily="18" charset="0"/>
+              </a:rPr>
+              <a:t> </a:t>
+            </a:r>
+            <a:r>
+              <a:rPr lang="en-US" sz="1600" dirty="0" err="1">
+                <a:effectLst/>
+                <a:latin typeface="UT Sans"/>
+                <a:ea typeface="Calibri" panose="020F0502020204030204" pitchFamily="34" charset="0"/>
+                <a:cs typeface="Times New Roman" panose="02020603050405020304" pitchFamily="18" charset="0"/>
+              </a:rPr>
+              <a:t>codului</a:t>
+            </a:r>
+            <a:r>
+              <a:rPr lang="en-US" sz="1600" dirty="0">
+                <a:effectLst/>
+                <a:latin typeface="UT Sans"/>
+                <a:ea typeface="Calibri" panose="020F0502020204030204" pitchFamily="34" charset="0"/>
+                <a:cs typeface="Times New Roman" panose="02020603050405020304" pitchFamily="18" charset="0"/>
+              </a:rPr>
+              <a:t> am </a:t>
+            </a:r>
+            <a:r>
+              <a:rPr lang="en-US" sz="1600" dirty="0" err="1">
+                <a:effectLst/>
+                <a:latin typeface="UT Sans"/>
+                <a:ea typeface="Calibri" panose="020F0502020204030204" pitchFamily="34" charset="0"/>
+                <a:cs typeface="Times New Roman" panose="02020603050405020304" pitchFamily="18" charset="0"/>
+              </a:rPr>
+              <a:t>utilizat</a:t>
+            </a:r>
+            <a:r>
+              <a:rPr lang="en-US" sz="1600" dirty="0">
+                <a:effectLst/>
+                <a:latin typeface="UT Sans"/>
+                <a:ea typeface="Calibri" panose="020F0502020204030204" pitchFamily="34" charset="0"/>
+                <a:cs typeface="Times New Roman" panose="02020603050405020304" pitchFamily="18" charset="0"/>
+              </a:rPr>
+              <a:t> GitHub, </a:t>
+            </a:r>
+            <a:r>
+              <a:rPr lang="en-US" sz="1600" dirty="0" err="1">
+                <a:effectLst/>
+                <a:latin typeface="UT Sans"/>
+                <a:ea typeface="Calibri" panose="020F0502020204030204" pitchFamily="34" charset="0"/>
+                <a:cs typeface="Times New Roman" panose="02020603050405020304" pitchFamily="18" charset="0"/>
+              </a:rPr>
+              <a:t>mediu</a:t>
+            </a:r>
+            <a:r>
+              <a:rPr lang="en-US" sz="1600" dirty="0">
+                <a:effectLst/>
+                <a:latin typeface="UT Sans"/>
+                <a:ea typeface="Calibri" panose="020F0502020204030204" pitchFamily="34" charset="0"/>
+                <a:cs typeface="Times New Roman" panose="02020603050405020304" pitchFamily="18" charset="0"/>
+              </a:rPr>
+              <a:t> </a:t>
+            </a:r>
+            <a:r>
+              <a:rPr lang="en-US" sz="1600" dirty="0" err="1">
+                <a:effectLst/>
+                <a:latin typeface="UT Sans"/>
+                <a:ea typeface="Calibri" panose="020F0502020204030204" pitchFamily="34" charset="0"/>
+                <a:cs typeface="Times New Roman" panose="02020603050405020304" pitchFamily="18" charset="0"/>
+              </a:rPr>
+              <a:t>în</a:t>
+            </a:r>
+            <a:r>
+              <a:rPr lang="en-US" sz="1600" dirty="0">
+                <a:effectLst/>
+                <a:latin typeface="UT Sans"/>
+                <a:ea typeface="Calibri" panose="020F0502020204030204" pitchFamily="34" charset="0"/>
+                <a:cs typeface="Times New Roman" panose="02020603050405020304" pitchFamily="18" charset="0"/>
+              </a:rPr>
+              <a:t> care am </a:t>
+            </a:r>
+            <a:r>
+              <a:rPr lang="en-US" sz="1600" dirty="0" err="1">
+                <a:effectLst/>
+                <a:latin typeface="UT Sans"/>
+                <a:ea typeface="Calibri" panose="020F0502020204030204" pitchFamily="34" charset="0"/>
+                <a:cs typeface="Times New Roman" panose="02020603050405020304" pitchFamily="18" charset="0"/>
+              </a:rPr>
+              <a:t>creat</a:t>
+            </a:r>
+            <a:r>
+              <a:rPr lang="en-US" sz="1600" dirty="0">
+                <a:effectLst/>
+                <a:latin typeface="UT Sans"/>
+                <a:ea typeface="Calibri" panose="020F0502020204030204" pitchFamily="34" charset="0"/>
+                <a:cs typeface="Times New Roman" panose="02020603050405020304" pitchFamily="18" charset="0"/>
+              </a:rPr>
+              <a:t> branch-</a:t>
+            </a:r>
+            <a:r>
+              <a:rPr lang="en-US" sz="1600" dirty="0" err="1">
+                <a:effectLst/>
+                <a:latin typeface="UT Sans"/>
+                <a:ea typeface="Calibri" panose="020F0502020204030204" pitchFamily="34" charset="0"/>
+                <a:cs typeface="Times New Roman" panose="02020603050405020304" pitchFamily="18" charset="0"/>
+              </a:rPr>
+              <a:t>uri</a:t>
+            </a:r>
+            <a:r>
+              <a:rPr lang="en-US" sz="1600" dirty="0">
+                <a:effectLst/>
+                <a:latin typeface="UT Sans"/>
+                <a:ea typeface="Calibri" panose="020F0502020204030204" pitchFamily="34" charset="0"/>
+                <a:cs typeface="Times New Roman" panose="02020603050405020304" pitchFamily="18" charset="0"/>
+              </a:rPr>
+              <a:t> de </a:t>
+            </a:r>
+            <a:r>
+              <a:rPr lang="en-US" sz="1600" dirty="0" err="1">
+                <a:effectLst/>
+                <a:latin typeface="UT Sans"/>
+                <a:ea typeface="Calibri" panose="020F0502020204030204" pitchFamily="34" charset="0"/>
+                <a:cs typeface="Times New Roman" panose="02020603050405020304" pitchFamily="18" charset="0"/>
+              </a:rPr>
+              <a:t>dezvoltare</a:t>
+            </a:r>
+            <a:r>
+              <a:rPr lang="en-US" sz="1600" dirty="0">
+                <a:effectLst/>
+                <a:latin typeface="UT Sans"/>
+                <a:ea typeface="Calibri" panose="020F0502020204030204" pitchFamily="34" charset="0"/>
+                <a:cs typeface="Times New Roman" panose="02020603050405020304" pitchFamily="18" charset="0"/>
+              </a:rPr>
+              <a:t> </a:t>
+            </a:r>
+            <a:r>
+              <a:rPr lang="en-US" sz="1600" dirty="0" err="1">
+                <a:effectLst/>
+                <a:latin typeface="UT Sans"/>
+                <a:ea typeface="Calibri" panose="020F0502020204030204" pitchFamily="34" charset="0"/>
+                <a:cs typeface="Times New Roman" panose="02020603050405020304" pitchFamily="18" charset="0"/>
+              </a:rPr>
+              <a:t>pentru</a:t>
+            </a:r>
+            <a:r>
+              <a:rPr lang="en-US" sz="1600" dirty="0">
+                <a:effectLst/>
+                <a:latin typeface="UT Sans"/>
+                <a:ea typeface="Calibri" panose="020F0502020204030204" pitchFamily="34" charset="0"/>
+                <a:cs typeface="Times New Roman" panose="02020603050405020304" pitchFamily="18" charset="0"/>
+              </a:rPr>
+              <a:t> </a:t>
+            </a:r>
+            <a:r>
+              <a:rPr lang="en-US" sz="1600" dirty="0" err="1">
+                <a:effectLst/>
+                <a:latin typeface="UT Sans"/>
+                <a:ea typeface="Calibri" panose="020F0502020204030204" pitchFamily="34" charset="0"/>
+                <a:cs typeface="Times New Roman" panose="02020603050405020304" pitchFamily="18" charset="0"/>
+              </a:rPr>
+              <a:t>diferinte</a:t>
+            </a:r>
+            <a:r>
+              <a:rPr lang="en-US" sz="1600" dirty="0">
+                <a:effectLst/>
+                <a:latin typeface="UT Sans"/>
+                <a:ea typeface="Calibri" panose="020F0502020204030204" pitchFamily="34" charset="0"/>
+                <a:cs typeface="Times New Roman" panose="02020603050405020304" pitchFamily="18" charset="0"/>
+              </a:rPr>
+              <a:t> </a:t>
+            </a:r>
+            <a:r>
+              <a:rPr lang="en-US" sz="1600" dirty="0" err="1">
+                <a:effectLst/>
+                <a:latin typeface="UT Sans"/>
+                <a:ea typeface="Calibri" panose="020F0502020204030204" pitchFamily="34" charset="0"/>
+                <a:cs typeface="Times New Roman" panose="02020603050405020304" pitchFamily="18" charset="0"/>
+              </a:rPr>
+              <a:t>etape</a:t>
+            </a:r>
+            <a:r>
+              <a:rPr lang="en-US" sz="1600" dirty="0">
+                <a:effectLst/>
+                <a:latin typeface="UT Sans"/>
+                <a:ea typeface="Calibri" panose="020F0502020204030204" pitchFamily="34" charset="0"/>
+                <a:cs typeface="Times New Roman" panose="02020603050405020304" pitchFamily="18" charset="0"/>
+              </a:rPr>
+              <a:t> ale </a:t>
+            </a:r>
+            <a:r>
+              <a:rPr lang="en-US" sz="1600" dirty="0" err="1">
+                <a:effectLst/>
+                <a:latin typeface="UT Sans"/>
+                <a:ea typeface="Calibri" panose="020F0502020204030204" pitchFamily="34" charset="0"/>
+                <a:cs typeface="Times New Roman" panose="02020603050405020304" pitchFamily="18" charset="0"/>
+              </a:rPr>
+              <a:t>proiectului</a:t>
+            </a:r>
+            <a:r>
+              <a:rPr lang="en-US" sz="1600" dirty="0">
+                <a:effectLst/>
+                <a:latin typeface="UT Sans"/>
+                <a:ea typeface="Calibri" panose="020F0502020204030204" pitchFamily="34" charset="0"/>
+                <a:cs typeface="Times New Roman" panose="02020603050405020304" pitchFamily="18" charset="0"/>
+              </a:rPr>
+              <a:t>.</a:t>
+            </a:r>
+            <a:r>
+              <a:rPr lang="ro-RO" sz="1600" dirty="0">
+                <a:latin typeface="UT Sans"/>
+                <a:ea typeface="Calibri" panose="020F0502020204030204" pitchFamily="34" charset="0"/>
+                <a:cs typeface="Times New Roman" panose="02020603050405020304" pitchFamily="18" charset="0"/>
+              </a:rPr>
+              <a:t> Fiecare membru din echipă a lucrat pe un branch separat pentru ca apoi să fie merge-uit în proiectul final.</a:t>
+            </a:r>
+            <a:endParaRPr lang="en-US" sz="1600" dirty="0">
+              <a:effectLst/>
+              <a:latin typeface="Calibri" panose="020F0502020204030204" pitchFamily="34" charset="0"/>
+              <a:ea typeface="Calibri" panose="020F0502020204030204" pitchFamily="34" charset="0"/>
+              <a:cs typeface="Times New Roman" panose="02020603050405020304" pitchFamily="18" charset="0"/>
+            </a:endParaRPr>
+          </a:p>
+        </p:txBody>
+      </p:sp>
+      <p:pic>
+        <p:nvPicPr>
+          <p:cNvPr id="3" name="Picture 2">
+            <a:extLst>
+              <a:ext uri="{FF2B5EF4-FFF2-40B4-BE49-F238E27FC236}">
+                <a16:creationId xmlns:a16="http://schemas.microsoft.com/office/drawing/2014/main" id="{DB184E8C-CE2D-78AE-3697-B1F24595EA11}"/>
+              </a:ext>
+            </a:extLst>
+          </p:cNvPr>
+          <p:cNvPicPr>
+            <a:picLocks noChangeAspect="1"/>
+          </p:cNvPicPr>
+          <p:nvPr/>
+        </p:nvPicPr>
+        <p:blipFill>
+          <a:blip r:embed="rId4"/>
+          <a:stretch>
+            <a:fillRect/>
+          </a:stretch>
+        </p:blipFill>
+        <p:spPr>
+          <a:xfrm>
+            <a:off x="1997533" y="2770768"/>
+            <a:ext cx="5076564" cy="3760237"/>
+          </a:xfrm>
+          <a:prstGeom prst="rect">
+            <a:avLst/>
+          </a:prstGeom>
+        </p:spPr>
+      </p:pic>
+      <p:sp>
+        <p:nvSpPr>
+          <p:cNvPr id="10" name="Slide Number Placeholder 9">
+            <a:extLst>
+              <a:ext uri="{FF2B5EF4-FFF2-40B4-BE49-F238E27FC236}">
+                <a16:creationId xmlns:a16="http://schemas.microsoft.com/office/drawing/2014/main" id="{2B6AB743-1768-E539-1D62-CD7922839D65}"/>
+              </a:ext>
+            </a:extLst>
+          </p:cNvPr>
+          <p:cNvSpPr>
+            <a:spLocks noGrp="1"/>
+          </p:cNvSpPr>
+          <p:nvPr>
+            <p:ph type="sldNum" sz="quarter" idx="12"/>
+          </p:nvPr>
+        </p:nvSpPr>
+        <p:spPr/>
+        <p:txBody>
+          <a:bodyPr/>
+          <a:lstStyle/>
+          <a:p>
+            <a:fld id="{735A3DBB-FBA3-4A4C-B7D7-E60F12564F18}" type="slidenum">
+              <a:rPr lang="en-US" smtClean="0"/>
+              <a:t>8</a:t>
+            </a:fld>
+            <a:endParaRPr lang="en-US"/>
+          </a:p>
+        </p:txBody>
+      </p:sp>
+    </p:spTree>
+    <p:extLst>
+      <p:ext uri="{BB962C8B-B14F-4D97-AF65-F5344CB8AC3E}">
+        <p14:creationId xmlns:p14="http://schemas.microsoft.com/office/powerpoint/2010/main" val="4097935701"/>
+      </p:ext>
+    </p:extLst>
+  </p:cSld>
+  <p:clrMapOvr>
+    <a:masterClrMapping/>
+  </p:clrMapOvr>
+</p:sld>
+</file>
+
+<file path=ppt/slides/slide9.xml><?xml version="1.0" encoding="utf-8"?>
 <p:sld xmlns:a="http://schemas.openxmlformats.org/drawingml/2006/main" xmlns:r="http://schemas.openxmlformats.org/officeDocument/2006/relationships" xmlns:p="http://schemas.openxmlformats.org/presentationml/2006/main">
   <p:cSld>
     <p:spTree>
@@ -12364,7 +13337,7 @@
         </p:nvSpPr>
         <p:spPr>
           <a:xfrm>
-            <a:off x="611560" y="998730"/>
+            <a:off x="647564" y="995911"/>
             <a:ext cx="7848872" cy="658835"/>
           </a:xfrm>
           <a:prstGeom prst="rect">
@@ -12391,37 +13364,83 @@
             </a:pPr>
             <a:r>
               <a:rPr lang="ro-RO" sz="3600" i="1" dirty="0">
-                <a:latin typeface="UT Sans"/>
-                <a:ea typeface="Times New Roman" panose="02020603050405020304" pitchFamily="18" charset="0"/>
+                <a:latin typeface="Calibri" panose="020F0502020204030204" pitchFamily="34" charset="0"/>
+                <a:ea typeface="Calibri" panose="020F0502020204030204" pitchFamily="34" charset="0"/>
                 <a:cs typeface="Calibri" panose="020F0502020204030204" pitchFamily="34" charset="0"/>
               </a:rPr>
-              <a:t>Biblioteci</a:t>
+              <a:t>Diagramă </a:t>
             </a:r>
             <a:r>
               <a:rPr lang="en-US" sz="3600" i="1" dirty="0">
-                <a:effectLst/>
-                <a:latin typeface="UT Sans"/>
-                <a:ea typeface="Times New Roman" panose="02020603050405020304" pitchFamily="18" charset="0"/>
+                <a:latin typeface="Calibri" panose="020F0502020204030204" pitchFamily="34" charset="0"/>
+                <a:ea typeface="Calibri" panose="020F0502020204030204" pitchFamily="34" charset="0"/>
                 <a:cs typeface="Calibri" panose="020F0502020204030204" pitchFamily="34" charset="0"/>
               </a:rPr>
+              <a:t>F</a:t>
+            </a:r>
+            <a:r>
+              <a:rPr lang="ro-RO" sz="3600" i="1" dirty="0">
+                <a:latin typeface="Calibri" panose="020F0502020204030204" pitchFamily="34" charset="0"/>
+                <a:ea typeface="Calibri" panose="020F0502020204030204" pitchFamily="34" charset="0"/>
+                <a:cs typeface="Calibri" panose="020F0502020204030204" pitchFamily="34" charset="0"/>
+              </a:rPr>
+              <a:t>un</a:t>
+            </a:r>
+            <a:r>
+              <a:rPr lang="en-US" sz="3600" i="1" dirty="0">
+                <a:latin typeface="Calibri" panose="020F0502020204030204" pitchFamily="34" charset="0"/>
+                <a:ea typeface="Calibri" panose="020F0502020204030204" pitchFamily="34" charset="0"/>
+                <a:cs typeface="Calibri" panose="020F0502020204030204" pitchFamily="34" charset="0"/>
+              </a:rPr>
+              <a:t>c</a:t>
+            </a:r>
+            <a:r>
+              <a:rPr lang="ro-RO" sz="3600" i="1" dirty="0">
+                <a:latin typeface="Calibri" panose="020F0502020204030204" pitchFamily="34" charset="0"/>
+                <a:ea typeface="Calibri" panose="020F0502020204030204" pitchFamily="34" charset="0"/>
+                <a:cs typeface="Calibri" panose="020F0502020204030204" pitchFamily="34" charset="0"/>
+              </a:rPr>
+              <a:t>ționalităț</a:t>
+            </a:r>
+            <a:r>
+              <a:rPr lang="en-US" sz="3600" i="1" dirty="0">
+                <a:latin typeface="Calibri" panose="020F0502020204030204" pitchFamily="34" charset="0"/>
+                <a:ea typeface="Calibri" panose="020F0502020204030204" pitchFamily="34" charset="0"/>
+                <a:cs typeface="Calibri" panose="020F0502020204030204" pitchFamily="34" charset="0"/>
+              </a:rPr>
+              <a:t>ii</a:t>
+            </a:r>
+            <a:r>
+              <a:rPr lang="ro-RO" sz="3600" i="1" dirty="0">
+                <a:latin typeface="Calibri" panose="020F0502020204030204" pitchFamily="34" charset="0"/>
+                <a:ea typeface="Calibri" panose="020F0502020204030204" pitchFamily="34" charset="0"/>
+                <a:cs typeface="Calibri" panose="020F0502020204030204" pitchFamily="34" charset="0"/>
+              </a:rPr>
               <a:t> </a:t>
             </a:r>
             <a:r>
+              <a:rPr lang="en-US" sz="3600" i="1" dirty="0">
+                <a:latin typeface="Calibri" panose="020F0502020204030204" pitchFamily="34" charset="0"/>
+                <a:ea typeface="Calibri" panose="020F0502020204030204" pitchFamily="34" charset="0"/>
+                <a:cs typeface="Calibri" panose="020F0502020204030204" pitchFamily="34" charset="0"/>
+              </a:rPr>
+              <a:t>A</a:t>
+            </a:r>
+            <a:r>
               <a:rPr lang="ro-RO" sz="3600" i="1" dirty="0">
-                <a:latin typeface="UT Sans"/>
-                <a:ea typeface="Times New Roman" panose="02020603050405020304" pitchFamily="18" charset="0"/>
+                <a:latin typeface="Calibri" panose="020F0502020204030204" pitchFamily="34" charset="0"/>
+                <a:ea typeface="Calibri" panose="020F0502020204030204" pitchFamily="34" charset="0"/>
                 <a:cs typeface="Calibri" panose="020F0502020204030204" pitchFamily="34" charset="0"/>
               </a:rPr>
-              <a:t>f</a:t>
+              <a:t>plicație</a:t>
             </a:r>
             <a:r>
               <a:rPr lang="en-US" sz="3600" i="1" dirty="0" err="1">
-                <a:effectLst/>
-                <a:latin typeface="UT Sans"/>
-                <a:ea typeface="Times New Roman" panose="02020603050405020304" pitchFamily="18" charset="0"/>
+                <a:latin typeface="Calibri" panose="020F0502020204030204" pitchFamily="34" charset="0"/>
+                <a:ea typeface="Calibri" panose="020F0502020204030204" pitchFamily="34" charset="0"/>
                 <a:cs typeface="Calibri" panose="020F0502020204030204" pitchFamily="34" charset="0"/>
               </a:rPr>
-              <a:t>olosite</a:t>
+              <a:t>i</a:t>
             </a:r>
             <a:endParaRPr lang="en-US" sz="3600" i="1" dirty="0">
               <a:effectLst/>
@@ -12432,1227 +13451,48 @@
           </a:p>
         </p:txBody>
       </p:sp>
-      <p:sp>
-        <p:nvSpPr>
-          <p:cNvPr id="11" name="TextBox 10">
+      <p:pic>
+        <p:nvPicPr>
+          <p:cNvPr id="7" name="Picture 6">
             <a:extLst>
               <a:ext uri="{FF2B5EF4-FFF2-40B4-BE49-F238E27FC236}">
-                <a16:creationId xmlns:a16="http://schemas.microsoft.com/office/drawing/2014/main" id="{E51ABD50-F7A1-E7C4-E45F-7E08957D50E9}"/>
+                <a16:creationId xmlns:a16="http://schemas.microsoft.com/office/drawing/2014/main" id="{D7AA729A-74BD-23A1-D64D-468338C78361}"/>
               </a:ext>
             </a:extLst>
           </p:cNvPr>
-          <p:cNvSpPr txBox="1"/>
+          <p:cNvPicPr>
+            <a:picLocks noChangeAspect="1"/>
+          </p:cNvPicPr>
           <p:nvPr/>
-        </p:nvSpPr>
+        </p:nvPicPr>
+        <p:blipFill>
+          <a:blip r:embed="rId3">
+            <a:extLst>
+              <a:ext uri="{28A0092B-C50C-407E-A947-70E740481C1C}">
+                <a14:useLocalDpi xmlns:a14="http://schemas.microsoft.com/office/drawing/2010/main" val="0"/>
+              </a:ext>
+            </a:extLst>
+          </a:blip>
+          <a:stretch>
+            <a:fillRect/>
+          </a:stretch>
+        </p:blipFill>
         <p:spPr>
           <a:xfrm>
-            <a:off x="611560" y="1783579"/>
-            <a:ext cx="7412542" cy="2746457"/>
+            <a:off x="495763" y="2436570"/>
+            <a:ext cx="7964669" cy="3156085"/>
           </a:xfrm>
           <a:prstGeom prst="rect">
             <a:avLst/>
           </a:prstGeom>
-          <a:noFill/>
         </p:spPr>
-        <p:txBody>
-          <a:bodyPr wrap="square" rtlCol="0">
-            <a:spAutoFit/>
-          </a:bodyPr>
-          <a:lstStyle/>
-          <a:p>
-            <a:pPr marL="342900" marR="0" lvl="0" indent="-342900" algn="just">
-              <a:lnSpc>
-                <a:spcPct val="107000"/>
-              </a:lnSpc>
-              <a:spcBef>
-                <a:spcPts val="0"/>
-              </a:spcBef>
-              <a:spcAft>
-                <a:spcPts val="0"/>
-              </a:spcAft>
-              <a:buFont typeface="Wingdings" panose="05000000000000000000" pitchFamily="2" charset="2"/>
-              <a:buChar char=""/>
-            </a:pPr>
-            <a:r>
-              <a:rPr lang="en-US" sz="1800" dirty="0">
-                <a:effectLst/>
-                <a:latin typeface="UT Sans"/>
-                <a:ea typeface="Times New Roman" panose="02020603050405020304" pitchFamily="18" charset="0"/>
-                <a:cs typeface="Calibri" panose="020F0502020204030204" pitchFamily="34" charset="0"/>
-              </a:rPr>
-              <a:t>Bcrypt-4.0.1  - </a:t>
-            </a:r>
-            <a:r>
-              <a:rPr lang="en-US" sz="1800" dirty="0" err="1">
-                <a:effectLst/>
-                <a:latin typeface="UT Sans"/>
-                <a:ea typeface="Times New Roman" panose="02020603050405020304" pitchFamily="18" charset="0"/>
-                <a:cs typeface="Calibri" panose="020F0502020204030204" pitchFamily="34" charset="0"/>
-              </a:rPr>
-              <a:t>Soluție</a:t>
-            </a:r>
-            <a:r>
-              <a:rPr lang="en-US" sz="1800" dirty="0">
-                <a:effectLst/>
-                <a:latin typeface="UT Sans"/>
-                <a:ea typeface="Times New Roman" panose="02020603050405020304" pitchFamily="18" charset="0"/>
-                <a:cs typeface="Calibri" panose="020F0502020204030204" pitchFamily="34" charset="0"/>
-              </a:rPr>
-              <a:t> </a:t>
-            </a:r>
-            <a:r>
-              <a:rPr lang="en-US" sz="1800" dirty="0" err="1">
-                <a:effectLst/>
-                <a:latin typeface="UT Sans"/>
-                <a:ea typeface="Times New Roman" panose="02020603050405020304" pitchFamily="18" charset="0"/>
-                <a:cs typeface="Calibri" panose="020F0502020204030204" pitchFamily="34" charset="0"/>
-              </a:rPr>
-              <a:t>pentru</a:t>
-            </a:r>
-            <a:r>
-              <a:rPr lang="en-US" sz="1800" dirty="0">
-                <a:effectLst/>
-                <a:latin typeface="UT Sans"/>
-                <a:ea typeface="Times New Roman" panose="02020603050405020304" pitchFamily="18" charset="0"/>
-                <a:cs typeface="Calibri" panose="020F0502020204030204" pitchFamily="34" charset="0"/>
-              </a:rPr>
-              <a:t> </a:t>
-            </a:r>
-            <a:r>
-              <a:rPr lang="en-US" sz="1800" dirty="0" err="1">
-                <a:effectLst/>
-                <a:latin typeface="UT Sans"/>
-                <a:ea typeface="Times New Roman" panose="02020603050405020304" pitchFamily="18" charset="0"/>
-                <a:cs typeface="Calibri" panose="020F0502020204030204" pitchFamily="34" charset="0"/>
-              </a:rPr>
-              <a:t>criptarea</a:t>
-            </a:r>
-            <a:r>
-              <a:rPr lang="en-US" sz="1800" dirty="0">
-                <a:effectLst/>
-                <a:latin typeface="UT Sans"/>
-                <a:ea typeface="Times New Roman" panose="02020603050405020304" pitchFamily="18" charset="0"/>
-                <a:cs typeface="Calibri" panose="020F0502020204030204" pitchFamily="34" charset="0"/>
-              </a:rPr>
-              <a:t> </a:t>
-            </a:r>
-            <a:r>
-              <a:rPr lang="en-US" sz="1800" dirty="0" err="1">
-                <a:effectLst/>
-                <a:latin typeface="UT Sans"/>
-                <a:ea typeface="Times New Roman" panose="02020603050405020304" pitchFamily="18" charset="0"/>
-                <a:cs typeface="Calibri" panose="020F0502020204030204" pitchFamily="34" charset="0"/>
-              </a:rPr>
-              <a:t>parolelor</a:t>
-            </a:r>
-            <a:r>
-              <a:rPr lang="en-US" sz="1800" dirty="0">
-                <a:effectLst/>
-                <a:latin typeface="UT Sans"/>
-                <a:ea typeface="Times New Roman" panose="02020603050405020304" pitchFamily="18" charset="0"/>
-                <a:cs typeface="Calibri" panose="020F0502020204030204" pitchFamily="34" charset="0"/>
-              </a:rPr>
-              <a:t> </a:t>
-            </a:r>
-            <a:r>
-              <a:rPr lang="en-US" sz="1800" dirty="0" err="1">
-                <a:effectLst/>
-                <a:latin typeface="UT Sans"/>
-                <a:ea typeface="Times New Roman" panose="02020603050405020304" pitchFamily="18" charset="0"/>
-                <a:cs typeface="Calibri" panose="020F0502020204030204" pitchFamily="34" charset="0"/>
-              </a:rPr>
-              <a:t>și</a:t>
-            </a:r>
-            <a:r>
-              <a:rPr lang="en-US" sz="1800" dirty="0">
-                <a:effectLst/>
-                <a:latin typeface="UT Sans"/>
-                <a:ea typeface="Times New Roman" panose="02020603050405020304" pitchFamily="18" charset="0"/>
-                <a:cs typeface="Calibri" panose="020F0502020204030204" pitchFamily="34" charset="0"/>
-              </a:rPr>
-              <a:t> a </a:t>
-            </a:r>
-            <a:r>
-              <a:rPr lang="en-US" sz="1800" dirty="0" err="1">
-                <a:effectLst/>
-                <a:latin typeface="UT Sans"/>
-                <a:ea typeface="Times New Roman" panose="02020603050405020304" pitchFamily="18" charset="0"/>
-                <a:cs typeface="Calibri" panose="020F0502020204030204" pitchFamily="34" charset="0"/>
-              </a:rPr>
-              <a:t>informațiilor</a:t>
-            </a:r>
-            <a:endParaRPr lang="en-US" sz="1800" dirty="0">
-              <a:effectLst/>
-              <a:latin typeface="Calibri" panose="020F0502020204030204" pitchFamily="34" charset="0"/>
-              <a:ea typeface="Calibri" panose="020F0502020204030204" pitchFamily="34" charset="0"/>
-              <a:cs typeface="Times New Roman" panose="02020603050405020304" pitchFamily="18" charset="0"/>
-            </a:endParaRPr>
-          </a:p>
-          <a:p>
-            <a:pPr marL="342900" marR="0" lvl="0" indent="-342900" algn="just">
-              <a:lnSpc>
-                <a:spcPct val="107000"/>
-              </a:lnSpc>
-              <a:spcBef>
-                <a:spcPts val="0"/>
-              </a:spcBef>
-              <a:spcAft>
-                <a:spcPts val="0"/>
-              </a:spcAft>
-              <a:buFont typeface="Wingdings" panose="05000000000000000000" pitchFamily="2" charset="2"/>
-              <a:buChar char=""/>
-            </a:pPr>
-            <a:r>
-              <a:rPr lang="en-US" sz="1800" dirty="0">
-                <a:effectLst/>
-                <a:latin typeface="UT Sans"/>
-                <a:ea typeface="Times New Roman" panose="02020603050405020304" pitchFamily="18" charset="0"/>
-                <a:cs typeface="Calibri" panose="020F0502020204030204" pitchFamily="34" charset="0"/>
-              </a:rPr>
-              <a:t>Click-8.1.3 – </a:t>
-            </a:r>
-            <a:r>
-              <a:rPr lang="en-US" sz="1800" dirty="0" err="1">
-                <a:effectLst/>
-                <a:latin typeface="UT Sans"/>
-                <a:ea typeface="Times New Roman" panose="02020603050405020304" pitchFamily="18" charset="0"/>
-                <a:cs typeface="Calibri" panose="020F0502020204030204" pitchFamily="34" charset="0"/>
-              </a:rPr>
-              <a:t>Librărie</a:t>
-            </a:r>
-            <a:r>
-              <a:rPr lang="en-US" sz="1800" dirty="0">
-                <a:effectLst/>
-                <a:latin typeface="UT Sans"/>
-                <a:ea typeface="Times New Roman" panose="02020603050405020304" pitchFamily="18" charset="0"/>
-                <a:cs typeface="Calibri" panose="020F0502020204030204" pitchFamily="34" charset="0"/>
-              </a:rPr>
-              <a:t> </a:t>
-            </a:r>
-            <a:r>
-              <a:rPr lang="en-US" sz="1800" dirty="0" err="1">
-                <a:effectLst/>
-                <a:latin typeface="UT Sans"/>
-                <a:ea typeface="Times New Roman" panose="02020603050405020304" pitchFamily="18" charset="0"/>
-                <a:cs typeface="Calibri" panose="020F0502020204030204" pitchFamily="34" charset="0"/>
-              </a:rPr>
-              <a:t>în</a:t>
-            </a:r>
-            <a:r>
-              <a:rPr lang="en-US" sz="1800" dirty="0">
-                <a:effectLst/>
-                <a:latin typeface="UT Sans"/>
-                <a:ea typeface="Times New Roman" panose="02020603050405020304" pitchFamily="18" charset="0"/>
-                <a:cs typeface="Calibri" panose="020F0502020204030204" pitchFamily="34" charset="0"/>
-              </a:rPr>
-              <a:t> Python </a:t>
-            </a:r>
-            <a:r>
-              <a:rPr lang="en-US" sz="1800" dirty="0" err="1">
-                <a:effectLst/>
-                <a:latin typeface="UT Sans"/>
-                <a:ea typeface="Times New Roman" panose="02020603050405020304" pitchFamily="18" charset="0"/>
-                <a:cs typeface="Calibri" panose="020F0502020204030204" pitchFamily="34" charset="0"/>
-              </a:rPr>
-              <a:t>pentru</a:t>
-            </a:r>
-            <a:r>
-              <a:rPr lang="en-US" sz="1800" dirty="0">
-                <a:effectLst/>
-                <a:latin typeface="UT Sans"/>
-                <a:ea typeface="Times New Roman" panose="02020603050405020304" pitchFamily="18" charset="0"/>
-                <a:cs typeface="Calibri" panose="020F0502020204030204" pitchFamily="34" charset="0"/>
-              </a:rPr>
-              <a:t> </a:t>
-            </a:r>
-            <a:r>
-              <a:rPr lang="en-US" sz="1800" dirty="0" err="1">
-                <a:effectLst/>
-                <a:latin typeface="UT Sans"/>
-                <a:ea typeface="Times New Roman" panose="02020603050405020304" pitchFamily="18" charset="0"/>
-                <a:cs typeface="Calibri" panose="020F0502020204030204" pitchFamily="34" charset="0"/>
-              </a:rPr>
-              <a:t>generarea</a:t>
-            </a:r>
-            <a:r>
-              <a:rPr lang="en-US" sz="1800" dirty="0">
-                <a:effectLst/>
-                <a:latin typeface="UT Sans"/>
-                <a:ea typeface="Times New Roman" panose="02020603050405020304" pitchFamily="18" charset="0"/>
-                <a:cs typeface="Calibri" panose="020F0502020204030204" pitchFamily="34" charset="0"/>
-              </a:rPr>
-              <a:t> </a:t>
-            </a:r>
-            <a:r>
-              <a:rPr lang="en-US" sz="1800" dirty="0" err="1">
-                <a:effectLst/>
-                <a:latin typeface="UT Sans"/>
-                <a:ea typeface="Times New Roman" panose="02020603050405020304" pitchFamily="18" charset="0"/>
-                <a:cs typeface="Calibri" panose="020F0502020204030204" pitchFamily="34" charset="0"/>
-              </a:rPr>
-              <a:t>automată</a:t>
-            </a:r>
-            <a:r>
-              <a:rPr lang="en-US" sz="1800" dirty="0">
-                <a:effectLst/>
-                <a:latin typeface="UT Sans"/>
-                <a:ea typeface="Times New Roman" panose="02020603050405020304" pitchFamily="18" charset="0"/>
-                <a:cs typeface="Calibri" panose="020F0502020204030204" pitchFamily="34" charset="0"/>
-              </a:rPr>
-              <a:t> de </a:t>
-            </a:r>
-            <a:r>
-              <a:rPr lang="en-US" sz="1800" dirty="0" err="1">
-                <a:effectLst/>
-                <a:latin typeface="UT Sans"/>
-                <a:ea typeface="Times New Roman" panose="02020603050405020304" pitchFamily="18" charset="0"/>
-                <a:cs typeface="Calibri" panose="020F0502020204030204" pitchFamily="34" charset="0"/>
-              </a:rPr>
-              <a:t>pagini</a:t>
-            </a:r>
-            <a:endParaRPr lang="en-US" sz="1800" dirty="0">
-              <a:effectLst/>
-              <a:latin typeface="Calibri" panose="020F0502020204030204" pitchFamily="34" charset="0"/>
-              <a:ea typeface="Calibri" panose="020F0502020204030204" pitchFamily="34" charset="0"/>
-              <a:cs typeface="Times New Roman" panose="02020603050405020304" pitchFamily="18" charset="0"/>
-            </a:endParaRPr>
-          </a:p>
-          <a:p>
-            <a:pPr marL="342900" marR="0" lvl="0" indent="-342900" algn="just">
-              <a:lnSpc>
-                <a:spcPct val="107000"/>
-              </a:lnSpc>
-              <a:spcBef>
-                <a:spcPts val="0"/>
-              </a:spcBef>
-              <a:spcAft>
-                <a:spcPts val="0"/>
-              </a:spcAft>
-              <a:buFont typeface="Wingdings" panose="05000000000000000000" pitchFamily="2" charset="2"/>
-              <a:buChar char=""/>
-            </a:pPr>
-            <a:r>
-              <a:rPr lang="en-US" sz="1800" dirty="0">
-                <a:effectLst/>
-                <a:latin typeface="UT Sans"/>
-                <a:ea typeface="Times New Roman" panose="02020603050405020304" pitchFamily="18" charset="0"/>
-                <a:cs typeface="Calibri" panose="020F0502020204030204" pitchFamily="34" charset="0"/>
-              </a:rPr>
-              <a:t>Dnspython-2.2.1 – </a:t>
-            </a:r>
-            <a:r>
-              <a:rPr lang="en-US" sz="1800" dirty="0" err="1">
-                <a:effectLst/>
-                <a:latin typeface="UT Sans"/>
-                <a:ea typeface="Times New Roman" panose="02020603050405020304" pitchFamily="18" charset="0"/>
-                <a:cs typeface="Calibri" panose="020F0502020204030204" pitchFamily="34" charset="0"/>
-              </a:rPr>
-              <a:t>Folosită</a:t>
-            </a:r>
-            <a:r>
-              <a:rPr lang="en-US" sz="1800" dirty="0">
-                <a:effectLst/>
-                <a:latin typeface="UT Sans"/>
-                <a:ea typeface="Times New Roman" panose="02020603050405020304" pitchFamily="18" charset="0"/>
-                <a:cs typeface="Calibri" panose="020F0502020204030204" pitchFamily="34" charset="0"/>
-              </a:rPr>
-              <a:t> </a:t>
-            </a:r>
-            <a:r>
-              <a:rPr lang="en-US" sz="1800" dirty="0" err="1">
-                <a:effectLst/>
-                <a:latin typeface="UT Sans"/>
-                <a:ea typeface="Times New Roman" panose="02020603050405020304" pitchFamily="18" charset="0"/>
-                <a:cs typeface="Calibri" panose="020F0502020204030204" pitchFamily="34" charset="0"/>
-              </a:rPr>
-              <a:t>pentru</a:t>
-            </a:r>
-            <a:r>
-              <a:rPr lang="en-US" sz="1800" dirty="0">
-                <a:effectLst/>
-                <a:latin typeface="UT Sans"/>
-                <a:ea typeface="Times New Roman" panose="02020603050405020304" pitchFamily="18" charset="0"/>
-                <a:cs typeface="Calibri" panose="020F0502020204030204" pitchFamily="34" charset="0"/>
-              </a:rPr>
-              <a:t> </a:t>
-            </a:r>
-            <a:r>
-              <a:rPr lang="en-US" sz="1800" dirty="0" err="1">
-                <a:effectLst/>
-                <a:latin typeface="UT Sans"/>
-                <a:ea typeface="Times New Roman" panose="02020603050405020304" pitchFamily="18" charset="0"/>
-                <a:cs typeface="Calibri" panose="020F0502020204030204" pitchFamily="34" charset="0"/>
-              </a:rPr>
-              <a:t>actualizări</a:t>
-            </a:r>
-            <a:r>
-              <a:rPr lang="en-US" sz="1800" dirty="0">
-                <a:effectLst/>
-                <a:latin typeface="UT Sans"/>
-                <a:ea typeface="Times New Roman" panose="02020603050405020304" pitchFamily="18" charset="0"/>
-                <a:cs typeface="Calibri" panose="020F0502020204030204" pitchFamily="34" charset="0"/>
-              </a:rPr>
-              <a:t> </a:t>
-            </a:r>
-            <a:r>
-              <a:rPr lang="en-US" sz="1800" dirty="0" err="1">
-                <a:effectLst/>
-                <a:latin typeface="UT Sans"/>
-                <a:ea typeface="Times New Roman" panose="02020603050405020304" pitchFamily="18" charset="0"/>
-                <a:cs typeface="Calibri" panose="020F0502020204030204" pitchFamily="34" charset="0"/>
-              </a:rPr>
-              <a:t>dinamice</a:t>
-            </a:r>
-            <a:endParaRPr lang="en-US" sz="1800" dirty="0">
-              <a:effectLst/>
-              <a:latin typeface="Calibri" panose="020F0502020204030204" pitchFamily="34" charset="0"/>
-              <a:ea typeface="Calibri" panose="020F0502020204030204" pitchFamily="34" charset="0"/>
-              <a:cs typeface="Times New Roman" panose="02020603050405020304" pitchFamily="18" charset="0"/>
-            </a:endParaRPr>
-          </a:p>
-          <a:p>
-            <a:pPr marL="342900" marR="0" lvl="0" indent="-342900" algn="just">
-              <a:lnSpc>
-                <a:spcPct val="107000"/>
-              </a:lnSpc>
-              <a:spcBef>
-                <a:spcPts val="0"/>
-              </a:spcBef>
-              <a:spcAft>
-                <a:spcPts val="0"/>
-              </a:spcAft>
-              <a:buFont typeface="Wingdings" panose="05000000000000000000" pitchFamily="2" charset="2"/>
-              <a:buChar char=""/>
-            </a:pPr>
-            <a:r>
-              <a:rPr lang="en-US" sz="1800" dirty="0">
-                <a:effectLst/>
-                <a:latin typeface="UT Sans"/>
-                <a:ea typeface="Times New Roman" panose="02020603050405020304" pitchFamily="18" charset="0"/>
-                <a:cs typeface="Calibri" panose="020F0502020204030204" pitchFamily="34" charset="0"/>
-              </a:rPr>
-              <a:t>email-validator-1.3.0 – </a:t>
-            </a:r>
-            <a:r>
-              <a:rPr lang="en-US" sz="1800" dirty="0" err="1">
-                <a:effectLst/>
-                <a:latin typeface="UT Sans"/>
-                <a:ea typeface="Times New Roman" panose="02020603050405020304" pitchFamily="18" charset="0"/>
-                <a:cs typeface="Calibri" panose="020F0502020204030204" pitchFamily="34" charset="0"/>
-              </a:rPr>
-              <a:t>Librării</a:t>
-            </a:r>
-            <a:r>
-              <a:rPr lang="en-US" sz="1800" dirty="0">
-                <a:effectLst/>
-                <a:latin typeface="UT Sans"/>
-                <a:ea typeface="Times New Roman" panose="02020603050405020304" pitchFamily="18" charset="0"/>
-                <a:cs typeface="Calibri" panose="020F0502020204030204" pitchFamily="34" charset="0"/>
-              </a:rPr>
-              <a:t> </a:t>
-            </a:r>
-            <a:r>
-              <a:rPr lang="en-US" sz="1800" dirty="0" err="1">
-                <a:effectLst/>
-                <a:latin typeface="UT Sans"/>
-                <a:ea typeface="Times New Roman" panose="02020603050405020304" pitchFamily="18" charset="0"/>
-                <a:cs typeface="Calibri" panose="020F0502020204030204" pitchFamily="34" charset="0"/>
-              </a:rPr>
-              <a:t>pentru</a:t>
-            </a:r>
-            <a:r>
-              <a:rPr lang="en-US" sz="1800" dirty="0">
-                <a:effectLst/>
-                <a:latin typeface="UT Sans"/>
-                <a:ea typeface="Times New Roman" panose="02020603050405020304" pitchFamily="18" charset="0"/>
-                <a:cs typeface="Calibri" panose="020F0502020204030204" pitchFamily="34" charset="0"/>
-              </a:rPr>
-              <a:t> </a:t>
-            </a:r>
-            <a:r>
-              <a:rPr lang="en-US" sz="1800" dirty="0" err="1">
-                <a:effectLst/>
-                <a:latin typeface="UT Sans"/>
-                <a:ea typeface="Times New Roman" panose="02020603050405020304" pitchFamily="18" charset="0"/>
-                <a:cs typeface="Calibri" panose="020F0502020204030204" pitchFamily="34" charset="0"/>
-              </a:rPr>
-              <a:t>validarea</a:t>
-            </a:r>
-            <a:r>
-              <a:rPr lang="en-US" sz="1800" dirty="0">
-                <a:effectLst/>
-                <a:latin typeface="UT Sans"/>
-                <a:ea typeface="Times New Roman" panose="02020603050405020304" pitchFamily="18" charset="0"/>
-                <a:cs typeface="Calibri" panose="020F0502020204030204" pitchFamily="34" charset="0"/>
-              </a:rPr>
-              <a:t> mail-</a:t>
-            </a:r>
-            <a:r>
-              <a:rPr lang="en-US" sz="1800" dirty="0" err="1">
-                <a:effectLst/>
-                <a:latin typeface="UT Sans"/>
-                <a:ea typeface="Times New Roman" panose="02020603050405020304" pitchFamily="18" charset="0"/>
-                <a:cs typeface="Calibri" panose="020F0502020204030204" pitchFamily="34" charset="0"/>
-              </a:rPr>
-              <a:t>ului</a:t>
-            </a:r>
-            <a:endParaRPr lang="en-US" sz="1800" dirty="0">
-              <a:effectLst/>
-              <a:latin typeface="Calibri" panose="020F0502020204030204" pitchFamily="34" charset="0"/>
-              <a:ea typeface="Calibri" panose="020F0502020204030204" pitchFamily="34" charset="0"/>
-              <a:cs typeface="Times New Roman" panose="02020603050405020304" pitchFamily="18" charset="0"/>
-            </a:endParaRPr>
-          </a:p>
-          <a:p>
-            <a:pPr marL="342900" marR="0" lvl="0" indent="-342900" algn="just">
-              <a:lnSpc>
-                <a:spcPct val="107000"/>
-              </a:lnSpc>
-              <a:spcBef>
-                <a:spcPts val="0"/>
-              </a:spcBef>
-              <a:spcAft>
-                <a:spcPts val="0"/>
-              </a:spcAft>
-              <a:buFont typeface="Wingdings" panose="05000000000000000000" pitchFamily="2" charset="2"/>
-              <a:buChar char=""/>
-            </a:pPr>
-            <a:r>
-              <a:rPr lang="en-US" sz="1800" dirty="0">
-                <a:effectLst/>
-                <a:latin typeface="UT Sans"/>
-                <a:ea typeface="Times New Roman" panose="02020603050405020304" pitchFamily="18" charset="0"/>
-                <a:cs typeface="Calibri" panose="020F0502020204030204" pitchFamily="34" charset="0"/>
-              </a:rPr>
-              <a:t>Flask-2.2.2 – </a:t>
-            </a:r>
-            <a:r>
-              <a:rPr lang="en-US" sz="1800" dirty="0" err="1">
-                <a:effectLst/>
-                <a:latin typeface="UT Sans"/>
-                <a:ea typeface="Times New Roman" panose="02020603050405020304" pitchFamily="18" charset="0"/>
-                <a:cs typeface="Calibri" panose="020F0502020204030204" pitchFamily="34" charset="0"/>
-              </a:rPr>
-              <a:t>Utilizată</a:t>
-            </a:r>
-            <a:r>
-              <a:rPr lang="en-US" sz="1800" dirty="0">
-                <a:effectLst/>
-                <a:latin typeface="UT Sans"/>
-                <a:ea typeface="Times New Roman" panose="02020603050405020304" pitchFamily="18" charset="0"/>
-                <a:cs typeface="Calibri" panose="020F0502020204030204" pitchFamily="34" charset="0"/>
-              </a:rPr>
-              <a:t> </a:t>
-            </a:r>
-            <a:r>
-              <a:rPr lang="en-US" sz="1800" dirty="0" err="1">
-                <a:effectLst/>
-                <a:latin typeface="UT Sans"/>
-                <a:ea typeface="Times New Roman" panose="02020603050405020304" pitchFamily="18" charset="0"/>
-                <a:cs typeface="Calibri" panose="020F0502020204030204" pitchFamily="34" charset="0"/>
-              </a:rPr>
-              <a:t>pentru</a:t>
-            </a:r>
-            <a:r>
-              <a:rPr lang="en-US" sz="1800" dirty="0">
-                <a:effectLst/>
-                <a:latin typeface="UT Sans"/>
-                <a:ea typeface="Times New Roman" panose="02020603050405020304" pitchFamily="18" charset="0"/>
-                <a:cs typeface="Calibri" panose="020F0502020204030204" pitchFamily="34" charset="0"/>
-              </a:rPr>
-              <a:t> </a:t>
-            </a:r>
-            <a:r>
-              <a:rPr lang="en-US" sz="1800" dirty="0" err="1">
-                <a:effectLst/>
-                <a:latin typeface="UT Sans"/>
-                <a:ea typeface="Times New Roman" panose="02020603050405020304" pitchFamily="18" charset="0"/>
-                <a:cs typeface="Calibri" panose="020F0502020204030204" pitchFamily="34" charset="0"/>
-              </a:rPr>
-              <a:t>dezvoltarea</a:t>
-            </a:r>
-            <a:r>
-              <a:rPr lang="en-US" sz="1800" dirty="0">
-                <a:effectLst/>
-                <a:latin typeface="UT Sans"/>
-                <a:ea typeface="Times New Roman" panose="02020603050405020304" pitchFamily="18" charset="0"/>
-                <a:cs typeface="Calibri" panose="020F0502020204030204" pitchFamily="34" charset="0"/>
-              </a:rPr>
-              <a:t> </a:t>
-            </a:r>
-            <a:r>
-              <a:rPr lang="en-US" sz="1800" dirty="0" err="1">
-                <a:effectLst/>
-                <a:latin typeface="UT Sans"/>
-                <a:ea typeface="Times New Roman" panose="02020603050405020304" pitchFamily="18" charset="0"/>
-                <a:cs typeface="Calibri" panose="020F0502020204030204" pitchFamily="34" charset="0"/>
-              </a:rPr>
-              <a:t>aplica</a:t>
-            </a:r>
-            <a:r>
-              <a:rPr lang="ro-RO" sz="1800" dirty="0">
-                <a:effectLst/>
-                <a:latin typeface="UT Sans"/>
-                <a:ea typeface="Times New Roman" panose="02020603050405020304" pitchFamily="18" charset="0"/>
-                <a:cs typeface="Calibri" panose="020F0502020204030204" pitchFamily="34" charset="0"/>
-              </a:rPr>
-              <a:t>țiilor web</a:t>
-            </a:r>
-            <a:endParaRPr lang="en-US" sz="1800" dirty="0">
-              <a:effectLst/>
-              <a:latin typeface="Calibri" panose="020F0502020204030204" pitchFamily="34" charset="0"/>
-              <a:ea typeface="Calibri" panose="020F0502020204030204" pitchFamily="34" charset="0"/>
-              <a:cs typeface="Times New Roman" panose="02020603050405020304" pitchFamily="18" charset="0"/>
-            </a:endParaRPr>
-          </a:p>
-          <a:p>
-            <a:pPr marL="342900" marR="0" lvl="0" indent="-342900" algn="just">
-              <a:lnSpc>
-                <a:spcPct val="107000"/>
-              </a:lnSpc>
-              <a:spcBef>
-                <a:spcPts val="0"/>
-              </a:spcBef>
-              <a:spcAft>
-                <a:spcPts val="0"/>
-              </a:spcAft>
-              <a:buFont typeface="Wingdings" panose="05000000000000000000" pitchFamily="2" charset="2"/>
-              <a:buChar char=""/>
-            </a:pPr>
-            <a:r>
-              <a:rPr lang="en-US" sz="1800" dirty="0">
-                <a:effectLst/>
-                <a:latin typeface="UT Sans"/>
-                <a:ea typeface="Times New Roman" panose="02020603050405020304" pitchFamily="18" charset="0"/>
-                <a:cs typeface="Calibri" panose="020F0502020204030204" pitchFamily="34" charset="0"/>
-              </a:rPr>
-              <a:t>Flask-Bcrypt-1.0.1 – </a:t>
-            </a:r>
-            <a:r>
-              <a:rPr lang="en-US" sz="1800" dirty="0" err="1">
-                <a:effectLst/>
-                <a:latin typeface="UT Sans"/>
-                <a:ea typeface="Times New Roman" panose="02020603050405020304" pitchFamily="18" charset="0"/>
-                <a:cs typeface="Calibri" panose="020F0502020204030204" pitchFamily="34" charset="0"/>
-              </a:rPr>
-              <a:t>Extensie</a:t>
-            </a:r>
-            <a:r>
-              <a:rPr lang="en-US" sz="1800" dirty="0">
-                <a:effectLst/>
-                <a:latin typeface="UT Sans"/>
-                <a:ea typeface="Times New Roman" panose="02020603050405020304" pitchFamily="18" charset="0"/>
-                <a:cs typeface="Calibri" panose="020F0502020204030204" pitchFamily="34" charset="0"/>
-              </a:rPr>
-              <a:t> Flask</a:t>
-            </a:r>
-            <a:endParaRPr lang="en-US" sz="1800" dirty="0">
-              <a:effectLst/>
-              <a:latin typeface="Calibri" panose="020F0502020204030204" pitchFamily="34" charset="0"/>
-              <a:ea typeface="Calibri" panose="020F0502020204030204" pitchFamily="34" charset="0"/>
-              <a:cs typeface="Times New Roman" panose="02020603050405020304" pitchFamily="18" charset="0"/>
-            </a:endParaRPr>
-          </a:p>
-          <a:p>
-            <a:pPr marL="342900" marR="0" lvl="0" indent="-342900" algn="just">
-              <a:lnSpc>
-                <a:spcPct val="107000"/>
-              </a:lnSpc>
-              <a:spcBef>
-                <a:spcPts val="0"/>
-              </a:spcBef>
-              <a:spcAft>
-                <a:spcPts val="0"/>
-              </a:spcAft>
-              <a:buFont typeface="Wingdings" panose="05000000000000000000" pitchFamily="2" charset="2"/>
-              <a:buChar char=""/>
-            </a:pPr>
-            <a:r>
-              <a:rPr lang="en-US" sz="1800" dirty="0">
-                <a:effectLst/>
-                <a:latin typeface="UT Sans"/>
-                <a:ea typeface="Times New Roman" panose="02020603050405020304" pitchFamily="18" charset="0"/>
-                <a:cs typeface="Calibri" panose="020F0502020204030204" pitchFamily="34" charset="0"/>
-              </a:rPr>
-              <a:t>Flask-Login-0.6.2 – </a:t>
-            </a:r>
-            <a:r>
-              <a:rPr lang="en-US" sz="1800" dirty="0" err="1">
-                <a:effectLst/>
-                <a:latin typeface="UT Sans"/>
-                <a:ea typeface="Times New Roman" panose="02020603050405020304" pitchFamily="18" charset="0"/>
-                <a:cs typeface="Calibri" panose="020F0502020204030204" pitchFamily="34" charset="0"/>
-              </a:rPr>
-              <a:t>Folositor</a:t>
-            </a:r>
-            <a:r>
-              <a:rPr lang="en-US" sz="1800" dirty="0">
-                <a:effectLst/>
-                <a:latin typeface="UT Sans"/>
-                <a:ea typeface="Times New Roman" panose="02020603050405020304" pitchFamily="18" charset="0"/>
-                <a:cs typeface="Calibri" panose="020F0502020204030204" pitchFamily="34" charset="0"/>
-              </a:rPr>
-              <a:t> </a:t>
-            </a:r>
-            <a:r>
-              <a:rPr lang="en-US" sz="1800" dirty="0" err="1">
-                <a:effectLst/>
-                <a:latin typeface="UT Sans"/>
-                <a:ea typeface="Times New Roman" panose="02020603050405020304" pitchFamily="18" charset="0"/>
-                <a:cs typeface="Calibri" panose="020F0502020204030204" pitchFamily="34" charset="0"/>
-              </a:rPr>
-              <a:t>pentru</a:t>
-            </a:r>
-            <a:r>
-              <a:rPr lang="en-US" sz="1800" dirty="0">
-                <a:effectLst/>
-                <a:latin typeface="UT Sans"/>
-                <a:ea typeface="Times New Roman" panose="02020603050405020304" pitchFamily="18" charset="0"/>
-                <a:cs typeface="Calibri" panose="020F0502020204030204" pitchFamily="34" charset="0"/>
-              </a:rPr>
-              <a:t> </a:t>
-            </a:r>
-            <a:r>
-              <a:rPr lang="en-US" sz="1800" dirty="0" err="1">
-                <a:effectLst/>
-                <a:latin typeface="UT Sans"/>
-                <a:ea typeface="Times New Roman" panose="02020603050405020304" pitchFamily="18" charset="0"/>
-                <a:cs typeface="Calibri" panose="020F0502020204030204" pitchFamily="34" charset="0"/>
-              </a:rPr>
-              <a:t>managementul</a:t>
-            </a:r>
-            <a:r>
-              <a:rPr lang="en-US" sz="1800" dirty="0">
-                <a:effectLst/>
-                <a:latin typeface="UT Sans"/>
-                <a:ea typeface="Times New Roman" panose="02020603050405020304" pitchFamily="18" charset="0"/>
-                <a:cs typeface="Calibri" panose="020F0502020204030204" pitchFamily="34" charset="0"/>
-              </a:rPr>
-              <a:t> user-</a:t>
-            </a:r>
-            <a:r>
-              <a:rPr lang="en-US" sz="1800" dirty="0" err="1">
-                <a:effectLst/>
-                <a:latin typeface="UT Sans"/>
-                <a:ea typeface="Times New Roman" panose="02020603050405020304" pitchFamily="18" charset="0"/>
-                <a:cs typeface="Calibri" panose="020F0502020204030204" pitchFamily="34" charset="0"/>
-              </a:rPr>
-              <a:t>ilor</a:t>
-            </a:r>
-            <a:r>
-              <a:rPr lang="en-US" sz="1800" dirty="0">
-                <a:effectLst/>
-                <a:latin typeface="UT Sans"/>
-                <a:ea typeface="Times New Roman" panose="02020603050405020304" pitchFamily="18" charset="0"/>
-                <a:cs typeface="Calibri" panose="020F0502020204030204" pitchFamily="34" charset="0"/>
-              </a:rPr>
-              <a:t> </a:t>
-            </a:r>
-            <a:r>
-              <a:rPr lang="en-US" sz="1800" dirty="0" err="1">
-                <a:effectLst/>
-                <a:latin typeface="UT Sans"/>
-                <a:ea typeface="Times New Roman" panose="02020603050405020304" pitchFamily="18" charset="0"/>
-                <a:cs typeface="Calibri" panose="020F0502020204030204" pitchFamily="34" charset="0"/>
-              </a:rPr>
-              <a:t>aplicației</a:t>
-            </a:r>
-            <a:endParaRPr lang="en-US" sz="1800" dirty="0">
-              <a:effectLst/>
-              <a:latin typeface="Calibri" panose="020F0502020204030204" pitchFamily="34" charset="0"/>
-              <a:ea typeface="Calibri" panose="020F0502020204030204" pitchFamily="34" charset="0"/>
-              <a:cs typeface="Times New Roman" panose="02020603050405020304" pitchFamily="18" charset="0"/>
-            </a:endParaRPr>
-          </a:p>
-          <a:p>
-            <a:pPr marL="342900" marR="0" lvl="0" indent="-342900" algn="just">
-              <a:lnSpc>
-                <a:spcPct val="107000"/>
-              </a:lnSpc>
-              <a:spcBef>
-                <a:spcPts val="0"/>
-              </a:spcBef>
-              <a:spcAft>
-                <a:spcPts val="0"/>
-              </a:spcAft>
-              <a:buFont typeface="Wingdings" panose="05000000000000000000" pitchFamily="2" charset="2"/>
-              <a:buChar char=""/>
-            </a:pPr>
-            <a:r>
-              <a:rPr lang="en-US" sz="1800" dirty="0">
-                <a:effectLst/>
-                <a:latin typeface="UT Sans"/>
-                <a:ea typeface="Times New Roman" panose="02020603050405020304" pitchFamily="18" charset="0"/>
-                <a:cs typeface="Calibri" panose="020F0502020204030204" pitchFamily="34" charset="0"/>
-              </a:rPr>
-              <a:t>Flask-SQLAlchemy-3.0.2 – </a:t>
-            </a:r>
-            <a:r>
-              <a:rPr lang="en-US" sz="1800" dirty="0" err="1">
-                <a:effectLst/>
-                <a:latin typeface="UT Sans"/>
-                <a:ea typeface="Times New Roman" panose="02020603050405020304" pitchFamily="18" charset="0"/>
-                <a:cs typeface="Calibri" panose="020F0502020204030204" pitchFamily="34" charset="0"/>
-              </a:rPr>
-              <a:t>Suport</a:t>
-            </a:r>
-            <a:r>
-              <a:rPr lang="en-US" sz="1800" dirty="0">
-                <a:effectLst/>
-                <a:latin typeface="UT Sans"/>
-                <a:ea typeface="Times New Roman" panose="02020603050405020304" pitchFamily="18" charset="0"/>
-                <a:cs typeface="Calibri" panose="020F0502020204030204" pitchFamily="34" charset="0"/>
-              </a:rPr>
-              <a:t> </a:t>
-            </a:r>
-            <a:r>
-              <a:rPr lang="en-US" sz="1800" dirty="0" err="1">
-                <a:effectLst/>
-                <a:latin typeface="UT Sans"/>
-                <a:ea typeface="Times New Roman" panose="02020603050405020304" pitchFamily="18" charset="0"/>
-                <a:cs typeface="Calibri" panose="020F0502020204030204" pitchFamily="34" charset="0"/>
-              </a:rPr>
-              <a:t>pentru</a:t>
-            </a:r>
-            <a:r>
-              <a:rPr lang="en-US" sz="1800" dirty="0">
-                <a:effectLst/>
-                <a:latin typeface="UT Sans"/>
-                <a:ea typeface="Times New Roman" panose="02020603050405020304" pitchFamily="18" charset="0"/>
-                <a:cs typeface="Calibri" panose="020F0502020204030204" pitchFamily="34" charset="0"/>
-              </a:rPr>
-              <a:t> SQL Alchemy</a:t>
-            </a:r>
-            <a:endParaRPr lang="en-US" sz="1800" dirty="0">
-              <a:effectLst/>
-              <a:latin typeface="Calibri" panose="020F0502020204030204" pitchFamily="34" charset="0"/>
-              <a:ea typeface="Calibri" panose="020F0502020204030204" pitchFamily="34" charset="0"/>
-              <a:cs typeface="Times New Roman" panose="02020603050405020304" pitchFamily="18" charset="0"/>
-            </a:endParaRPr>
-          </a:p>
-          <a:p>
-            <a:pPr marL="342900" marR="0" lvl="0" indent="-342900" algn="just">
-              <a:lnSpc>
-                <a:spcPct val="107000"/>
-              </a:lnSpc>
-              <a:spcBef>
-                <a:spcPts val="0"/>
-              </a:spcBef>
-              <a:spcAft>
-                <a:spcPts val="0"/>
-              </a:spcAft>
-              <a:buFont typeface="Wingdings" panose="05000000000000000000" pitchFamily="2" charset="2"/>
-              <a:buChar char=""/>
-            </a:pPr>
-            <a:r>
-              <a:rPr lang="en-US" sz="1800" dirty="0">
-                <a:effectLst/>
-                <a:latin typeface="UT Sans"/>
-                <a:ea typeface="Times New Roman" panose="02020603050405020304" pitchFamily="18" charset="0"/>
-                <a:cs typeface="Calibri" panose="020F0502020204030204" pitchFamily="34" charset="0"/>
-              </a:rPr>
-              <a:t>Flask-WTF-1.0.1 – Include </a:t>
-            </a:r>
-            <a:r>
-              <a:rPr lang="en-US" sz="1800" dirty="0" err="1">
-                <a:effectLst/>
-                <a:latin typeface="UT Sans"/>
-                <a:ea typeface="Times New Roman" panose="02020603050405020304" pitchFamily="18" charset="0"/>
-                <a:cs typeface="Calibri" panose="020F0502020204030204" pitchFamily="34" charset="0"/>
-              </a:rPr>
-              <a:t>încărcarea</a:t>
-            </a:r>
-            <a:r>
-              <a:rPr lang="en-US" sz="1800" dirty="0">
-                <a:effectLst/>
-                <a:latin typeface="UT Sans"/>
-                <a:ea typeface="Times New Roman" panose="02020603050405020304" pitchFamily="18" charset="0"/>
-                <a:cs typeface="Calibri" panose="020F0502020204030204" pitchFamily="34" charset="0"/>
-              </a:rPr>
-              <a:t> de </a:t>
-            </a:r>
-            <a:r>
-              <a:rPr lang="en-US" sz="1800" dirty="0" err="1">
-                <a:effectLst/>
-                <a:latin typeface="UT Sans"/>
-                <a:ea typeface="Times New Roman" panose="02020603050405020304" pitchFamily="18" charset="0"/>
-                <a:cs typeface="Calibri" panose="020F0502020204030204" pitchFamily="34" charset="0"/>
-              </a:rPr>
-              <a:t>fișiere</a:t>
-            </a:r>
-            <a:endParaRPr lang="en-US" sz="1800" dirty="0">
-              <a:effectLst/>
-              <a:latin typeface="Calibri" panose="020F0502020204030204" pitchFamily="34" charset="0"/>
-              <a:ea typeface="Calibri" panose="020F0502020204030204" pitchFamily="34" charset="0"/>
-              <a:cs typeface="Times New Roman" panose="02020603050405020304" pitchFamily="18" charset="0"/>
-            </a:endParaRPr>
-          </a:p>
-        </p:txBody>
-      </p:sp>
+      </p:pic>
       <p:sp>
         <p:nvSpPr>
-          <p:cNvPr id="13" name="TextBox 12">
+          <p:cNvPr id="8" name="Slide Number Placeholder 7">
             <a:extLst>
               <a:ext uri="{FF2B5EF4-FFF2-40B4-BE49-F238E27FC236}">
-                <a16:creationId xmlns:a16="http://schemas.microsoft.com/office/drawing/2014/main" id="{72D01398-7389-3A88-20C2-66B6468636A9}"/>
-              </a:ext>
-            </a:extLst>
-          </p:cNvPr>
-          <p:cNvSpPr txBox="1"/>
-          <p:nvPr/>
-        </p:nvSpPr>
-        <p:spPr>
-          <a:xfrm>
-            <a:off x="611560" y="4408368"/>
-            <a:ext cx="3231976" cy="1561005"/>
-          </a:xfrm>
-          <a:prstGeom prst="rect">
-            <a:avLst/>
-          </a:prstGeom>
-          <a:noFill/>
-        </p:spPr>
-        <p:txBody>
-          <a:bodyPr wrap="square" rtlCol="0">
-            <a:spAutoFit/>
-          </a:bodyPr>
-          <a:lstStyle/>
-          <a:p>
-            <a:pPr marL="342900" marR="0" lvl="0" indent="-342900" algn="just">
-              <a:lnSpc>
-                <a:spcPct val="107000"/>
-              </a:lnSpc>
-              <a:spcBef>
-                <a:spcPts val="0"/>
-              </a:spcBef>
-              <a:spcAft>
-                <a:spcPts val="0"/>
-              </a:spcAft>
-              <a:buFont typeface="Wingdings" panose="05000000000000000000" pitchFamily="2" charset="2"/>
-              <a:buChar char=""/>
-            </a:pPr>
-            <a:r>
-              <a:rPr lang="en-US" sz="1800" dirty="0">
-                <a:effectLst/>
-                <a:latin typeface="UT Sans"/>
-                <a:ea typeface="Times New Roman" panose="02020603050405020304" pitchFamily="18" charset="0"/>
-                <a:cs typeface="Calibri" panose="020F0502020204030204" pitchFamily="34" charset="0"/>
-              </a:rPr>
-              <a:t>greenlet-2.0.1</a:t>
-            </a:r>
-            <a:endParaRPr lang="en-US" sz="1800" dirty="0">
-              <a:effectLst/>
-              <a:latin typeface="Calibri" panose="020F0502020204030204" pitchFamily="34" charset="0"/>
-              <a:ea typeface="Calibri" panose="020F0502020204030204" pitchFamily="34" charset="0"/>
-              <a:cs typeface="Times New Roman" panose="02020603050405020304" pitchFamily="18" charset="0"/>
-            </a:endParaRPr>
-          </a:p>
-          <a:p>
-            <a:pPr marL="342900" marR="0" lvl="0" indent="-342900" algn="just">
-              <a:lnSpc>
-                <a:spcPct val="107000"/>
-              </a:lnSpc>
-              <a:spcBef>
-                <a:spcPts val="0"/>
-              </a:spcBef>
-              <a:spcAft>
-                <a:spcPts val="0"/>
-              </a:spcAft>
-              <a:buFont typeface="Wingdings" panose="05000000000000000000" pitchFamily="2" charset="2"/>
-              <a:buChar char=""/>
-            </a:pPr>
-            <a:r>
-              <a:rPr lang="en-US" sz="1800" dirty="0">
-                <a:effectLst/>
-                <a:latin typeface="UT Sans"/>
-                <a:ea typeface="Times New Roman" panose="02020603050405020304" pitchFamily="18" charset="0"/>
-                <a:cs typeface="Calibri" panose="020F0502020204030204" pitchFamily="34" charset="0"/>
-              </a:rPr>
-              <a:t>idna-3.4</a:t>
-            </a:r>
-            <a:endParaRPr lang="en-US" sz="1800" dirty="0">
-              <a:effectLst/>
-              <a:latin typeface="Calibri" panose="020F0502020204030204" pitchFamily="34" charset="0"/>
-              <a:ea typeface="Calibri" panose="020F0502020204030204" pitchFamily="34" charset="0"/>
-              <a:cs typeface="Times New Roman" panose="02020603050405020304" pitchFamily="18" charset="0"/>
-            </a:endParaRPr>
-          </a:p>
-          <a:p>
-            <a:pPr marL="342900" marR="0" lvl="0" indent="-342900" algn="just">
-              <a:lnSpc>
-                <a:spcPct val="107000"/>
-              </a:lnSpc>
-              <a:spcBef>
-                <a:spcPts val="0"/>
-              </a:spcBef>
-              <a:spcAft>
-                <a:spcPts val="0"/>
-              </a:spcAft>
-              <a:buFont typeface="Wingdings" panose="05000000000000000000" pitchFamily="2" charset="2"/>
-              <a:buChar char=""/>
-            </a:pPr>
-            <a:r>
-              <a:rPr lang="en-US" sz="1800" dirty="0">
-                <a:effectLst/>
-                <a:latin typeface="UT Sans"/>
-                <a:ea typeface="Times New Roman" panose="02020603050405020304" pitchFamily="18" charset="0"/>
-                <a:cs typeface="Calibri" panose="020F0502020204030204" pitchFamily="34" charset="0"/>
-              </a:rPr>
-              <a:t>importlib-metadata-5.0.0</a:t>
-            </a:r>
-            <a:endParaRPr lang="en-US" sz="1800" dirty="0">
-              <a:effectLst/>
-              <a:latin typeface="Calibri" panose="020F0502020204030204" pitchFamily="34" charset="0"/>
-              <a:ea typeface="Calibri" panose="020F0502020204030204" pitchFamily="34" charset="0"/>
-              <a:cs typeface="Times New Roman" panose="02020603050405020304" pitchFamily="18" charset="0"/>
-            </a:endParaRPr>
-          </a:p>
-          <a:p>
-            <a:pPr marL="342900" marR="0" lvl="0" indent="-342900" algn="just">
-              <a:lnSpc>
-                <a:spcPct val="107000"/>
-              </a:lnSpc>
-              <a:spcBef>
-                <a:spcPts val="0"/>
-              </a:spcBef>
-              <a:spcAft>
-                <a:spcPts val="0"/>
-              </a:spcAft>
-              <a:buFont typeface="Wingdings" panose="05000000000000000000" pitchFamily="2" charset="2"/>
-              <a:buChar char=""/>
-            </a:pPr>
-            <a:r>
-              <a:rPr lang="en-US" sz="1800" dirty="0">
-                <a:effectLst/>
-                <a:latin typeface="UT Sans"/>
-                <a:ea typeface="Times New Roman" panose="02020603050405020304" pitchFamily="18" charset="0"/>
-                <a:cs typeface="Calibri" panose="020F0502020204030204" pitchFamily="34" charset="0"/>
-              </a:rPr>
-              <a:t>itsdangerous-2.1.2</a:t>
-            </a:r>
-            <a:endParaRPr lang="en-US" sz="1800" dirty="0">
-              <a:effectLst/>
-              <a:latin typeface="Calibri" panose="020F0502020204030204" pitchFamily="34" charset="0"/>
-              <a:ea typeface="Calibri" panose="020F0502020204030204" pitchFamily="34" charset="0"/>
-              <a:cs typeface="Times New Roman" panose="02020603050405020304" pitchFamily="18" charset="0"/>
-            </a:endParaRPr>
-          </a:p>
-          <a:p>
-            <a:pPr marL="342900" marR="0" lvl="0" indent="-342900" algn="just">
-              <a:lnSpc>
-                <a:spcPct val="107000"/>
-              </a:lnSpc>
-              <a:spcBef>
-                <a:spcPts val="0"/>
-              </a:spcBef>
-              <a:spcAft>
-                <a:spcPts val="0"/>
-              </a:spcAft>
-              <a:buFont typeface="Wingdings" panose="05000000000000000000" pitchFamily="2" charset="2"/>
-              <a:buChar char=""/>
-            </a:pPr>
-            <a:r>
-              <a:rPr lang="en-US" sz="1800" dirty="0">
-                <a:effectLst/>
-                <a:latin typeface="UT Sans"/>
-                <a:ea typeface="Times New Roman" panose="02020603050405020304" pitchFamily="18" charset="0"/>
-                <a:cs typeface="Calibri" panose="020F0502020204030204" pitchFamily="34" charset="0"/>
-              </a:rPr>
-              <a:t>Jinja2-3.1.2</a:t>
-            </a:r>
-            <a:endParaRPr lang="en-US" sz="1800" dirty="0">
-              <a:effectLst/>
-              <a:latin typeface="Calibri" panose="020F0502020204030204" pitchFamily="34" charset="0"/>
-              <a:ea typeface="Calibri" panose="020F0502020204030204" pitchFamily="34" charset="0"/>
-              <a:cs typeface="Times New Roman" panose="02020603050405020304" pitchFamily="18" charset="0"/>
-            </a:endParaRPr>
-          </a:p>
-        </p:txBody>
-      </p:sp>
-      <p:sp>
-        <p:nvSpPr>
-          <p:cNvPr id="14" name="TextBox 13">
-            <a:extLst>
-              <a:ext uri="{FF2B5EF4-FFF2-40B4-BE49-F238E27FC236}">
-                <a16:creationId xmlns:a16="http://schemas.microsoft.com/office/drawing/2014/main" id="{F8629789-940E-60DA-A7E8-1253D781D77B}"/>
-              </a:ext>
-            </a:extLst>
-          </p:cNvPr>
-          <p:cNvSpPr txBox="1"/>
-          <p:nvPr/>
-        </p:nvSpPr>
-        <p:spPr>
-          <a:xfrm>
-            <a:off x="4317831" y="4408368"/>
-            <a:ext cx="3231976" cy="1561005"/>
-          </a:xfrm>
-          <a:prstGeom prst="rect">
-            <a:avLst/>
-          </a:prstGeom>
-          <a:noFill/>
-        </p:spPr>
-        <p:txBody>
-          <a:bodyPr wrap="square" rtlCol="0">
-            <a:spAutoFit/>
-          </a:bodyPr>
-          <a:lstStyle/>
-          <a:p>
-            <a:pPr marL="342900" marR="0" lvl="0" indent="-342900" algn="just">
-              <a:lnSpc>
-                <a:spcPct val="107000"/>
-              </a:lnSpc>
-              <a:spcBef>
-                <a:spcPts val="0"/>
-              </a:spcBef>
-              <a:spcAft>
-                <a:spcPts val="0"/>
-              </a:spcAft>
-              <a:buFont typeface="Wingdings" panose="05000000000000000000" pitchFamily="2" charset="2"/>
-              <a:buChar char=""/>
-            </a:pPr>
-            <a:r>
-              <a:rPr lang="en-US" sz="1800" dirty="0">
-                <a:effectLst/>
-                <a:latin typeface="UT Sans"/>
-                <a:ea typeface="Times New Roman" panose="02020603050405020304" pitchFamily="18" charset="0"/>
-                <a:cs typeface="Calibri" panose="020F0502020204030204" pitchFamily="34" charset="0"/>
-              </a:rPr>
-              <a:t>MarkupSafe-2.1.1</a:t>
-            </a:r>
-            <a:endParaRPr lang="en-US" sz="1800" dirty="0">
-              <a:effectLst/>
-              <a:latin typeface="Calibri" panose="020F0502020204030204" pitchFamily="34" charset="0"/>
-              <a:ea typeface="Calibri" panose="020F0502020204030204" pitchFamily="34" charset="0"/>
-              <a:cs typeface="Times New Roman" panose="02020603050405020304" pitchFamily="18" charset="0"/>
-            </a:endParaRPr>
-          </a:p>
-          <a:p>
-            <a:pPr marL="342900" marR="0" lvl="0" indent="-342900" algn="just">
-              <a:lnSpc>
-                <a:spcPct val="107000"/>
-              </a:lnSpc>
-              <a:spcBef>
-                <a:spcPts val="0"/>
-              </a:spcBef>
-              <a:spcAft>
-                <a:spcPts val="0"/>
-              </a:spcAft>
-              <a:buFont typeface="Wingdings" panose="05000000000000000000" pitchFamily="2" charset="2"/>
-              <a:buChar char=""/>
-            </a:pPr>
-            <a:r>
-              <a:rPr lang="en-US" sz="1800" dirty="0">
-                <a:effectLst/>
-                <a:latin typeface="UT Sans"/>
-                <a:ea typeface="Times New Roman" panose="02020603050405020304" pitchFamily="18" charset="0"/>
-                <a:cs typeface="Calibri" panose="020F0502020204030204" pitchFamily="34" charset="0"/>
-              </a:rPr>
-              <a:t>SQLAlchemy-1.4.44</a:t>
-            </a:r>
-            <a:endParaRPr lang="en-US" sz="1800" dirty="0">
-              <a:effectLst/>
-              <a:latin typeface="Calibri" panose="020F0502020204030204" pitchFamily="34" charset="0"/>
-              <a:ea typeface="Calibri" panose="020F0502020204030204" pitchFamily="34" charset="0"/>
-              <a:cs typeface="Times New Roman" panose="02020603050405020304" pitchFamily="18" charset="0"/>
-            </a:endParaRPr>
-          </a:p>
-          <a:p>
-            <a:pPr marL="342900" marR="0" lvl="0" indent="-342900" algn="just">
-              <a:lnSpc>
-                <a:spcPct val="107000"/>
-              </a:lnSpc>
-              <a:spcBef>
-                <a:spcPts val="0"/>
-              </a:spcBef>
-              <a:spcAft>
-                <a:spcPts val="0"/>
-              </a:spcAft>
-              <a:buFont typeface="Wingdings" panose="05000000000000000000" pitchFamily="2" charset="2"/>
-              <a:buChar char=""/>
-            </a:pPr>
-            <a:r>
-              <a:rPr lang="en-US" sz="1800" dirty="0">
-                <a:effectLst/>
-                <a:latin typeface="UT Sans"/>
-                <a:ea typeface="Times New Roman" panose="02020603050405020304" pitchFamily="18" charset="0"/>
-                <a:cs typeface="Calibri" panose="020F0502020204030204" pitchFamily="34" charset="0"/>
-              </a:rPr>
-              <a:t>Werkzeug-2.2.2</a:t>
-            </a:r>
-            <a:endParaRPr lang="en-US" sz="1800" dirty="0">
-              <a:effectLst/>
-              <a:latin typeface="Calibri" panose="020F0502020204030204" pitchFamily="34" charset="0"/>
-              <a:ea typeface="Calibri" panose="020F0502020204030204" pitchFamily="34" charset="0"/>
-              <a:cs typeface="Times New Roman" panose="02020603050405020304" pitchFamily="18" charset="0"/>
-            </a:endParaRPr>
-          </a:p>
-          <a:p>
-            <a:pPr marL="342900" marR="0" lvl="0" indent="-342900" algn="just">
-              <a:lnSpc>
-                <a:spcPct val="107000"/>
-              </a:lnSpc>
-              <a:spcBef>
-                <a:spcPts val="0"/>
-              </a:spcBef>
-              <a:spcAft>
-                <a:spcPts val="0"/>
-              </a:spcAft>
-              <a:buFont typeface="Wingdings" panose="05000000000000000000" pitchFamily="2" charset="2"/>
-              <a:buChar char=""/>
-            </a:pPr>
-            <a:r>
-              <a:rPr lang="en-US" sz="1800" dirty="0">
-                <a:effectLst/>
-                <a:latin typeface="UT Sans"/>
-                <a:ea typeface="Times New Roman" panose="02020603050405020304" pitchFamily="18" charset="0"/>
-                <a:cs typeface="Calibri" panose="020F0502020204030204" pitchFamily="34" charset="0"/>
-              </a:rPr>
-              <a:t>WTForms-3.0.1</a:t>
-            </a:r>
-            <a:endParaRPr lang="en-US" sz="1800" dirty="0">
-              <a:effectLst/>
-              <a:latin typeface="Calibri" panose="020F0502020204030204" pitchFamily="34" charset="0"/>
-              <a:ea typeface="Calibri" panose="020F0502020204030204" pitchFamily="34" charset="0"/>
-              <a:cs typeface="Times New Roman" panose="02020603050405020304" pitchFamily="18" charset="0"/>
-            </a:endParaRPr>
-          </a:p>
-          <a:p>
-            <a:pPr marL="342900" marR="0" lvl="0" indent="-342900" algn="just">
-              <a:lnSpc>
-                <a:spcPct val="107000"/>
-              </a:lnSpc>
-              <a:spcBef>
-                <a:spcPts val="0"/>
-              </a:spcBef>
-              <a:spcAft>
-                <a:spcPts val="0"/>
-              </a:spcAft>
-              <a:buFont typeface="Wingdings" panose="05000000000000000000" pitchFamily="2" charset="2"/>
-              <a:buChar char=""/>
-            </a:pPr>
-            <a:r>
-              <a:rPr lang="en-US" sz="1800" dirty="0">
-                <a:effectLst/>
-                <a:latin typeface="UT Sans"/>
-                <a:ea typeface="Times New Roman" panose="02020603050405020304" pitchFamily="18" charset="0"/>
-                <a:cs typeface="Calibri" panose="020F0502020204030204" pitchFamily="34" charset="0"/>
-              </a:rPr>
-              <a:t>Zipp-3.10.0</a:t>
-            </a:r>
-            <a:endParaRPr lang="en-US" sz="1800" dirty="0">
-              <a:effectLst/>
-              <a:latin typeface="Calibri" panose="020F0502020204030204" pitchFamily="34" charset="0"/>
-              <a:ea typeface="Calibri" panose="020F0502020204030204" pitchFamily="34" charset="0"/>
-              <a:cs typeface="Times New Roman" panose="02020603050405020304" pitchFamily="18" charset="0"/>
-            </a:endParaRPr>
-          </a:p>
-        </p:txBody>
-      </p:sp>
-      <p:sp>
-        <p:nvSpPr>
-          <p:cNvPr id="3" name="Slide Number Placeholder 2">
-            <a:extLst>
-              <a:ext uri="{FF2B5EF4-FFF2-40B4-BE49-F238E27FC236}">
-                <a16:creationId xmlns:a16="http://schemas.microsoft.com/office/drawing/2014/main" id="{4DFF00AB-A804-1F13-9C58-A52FB28086DA}"/>
+                <a16:creationId xmlns:a16="http://schemas.microsoft.com/office/drawing/2014/main" id="{BC4E663C-3DD0-EBA5-E3A5-20E0C5462DE4}"/>
               </a:ext>
             </a:extLst>
           </p:cNvPr>
@@ -13670,7 +13510,7 @@
           <a:p>
             <a:fld id="{735A3DBB-FBA3-4A4C-B7D7-E60F12564F18}" type="slidenum">
               <a:rPr lang="en-US" smtClean="0"/>
-              <a:t>7</a:t>
+              <a:t>9</a:t>
             </a:fld>
             <a:endParaRPr lang="en-US"/>
           </a:p>
@@ -13679,1275 +13519,7 @@
     </p:spTree>
     <p:extLst>
       <p:ext uri="{BB962C8B-B14F-4D97-AF65-F5344CB8AC3E}">
-        <p14:creationId xmlns:p14="http://schemas.microsoft.com/office/powerpoint/2010/main" val="3515128532"/>
-      </p:ext>
-    </p:extLst>
-  </p:cSld>
-  <p:clrMapOvr>
-    <a:masterClrMapping/>
-  </p:clrMapOvr>
-</p:sld>
-</file>
-
-<file path=ppt/slides/slide8.xml><?xml version="1.0" encoding="utf-8"?>
-<p:sld xmlns:a="http://schemas.openxmlformats.org/drawingml/2006/main" xmlns:r="http://schemas.openxmlformats.org/officeDocument/2006/relationships" xmlns:p="http://schemas.openxmlformats.org/presentationml/2006/main">
-  <p:cSld>
-    <p:spTree>
-      <p:nvGrpSpPr>
-        <p:cNvPr id="1" name=""/>
-        <p:cNvGrpSpPr/>
-        <p:nvPr/>
-      </p:nvGrpSpPr>
-      <p:grpSpPr>
-        <a:xfrm>
-          <a:off x="0" y="0"/>
-          <a:ext cx="0" cy="0"/>
-          <a:chOff x="0" y="0"/>
-          <a:chExt cx="0" cy="0"/>
-        </a:xfrm>
-      </p:grpSpPr>
-      <p:grpSp>
-        <p:nvGrpSpPr>
-          <p:cNvPr id="4" name="Group 3"/>
-          <p:cNvGrpSpPr/>
-          <p:nvPr/>
-        </p:nvGrpSpPr>
-        <p:grpSpPr>
-          <a:xfrm>
-            <a:off x="8460432" y="6237312"/>
-            <a:ext cx="216000" cy="216000"/>
-            <a:chOff x="2772000" y="1932221"/>
-            <a:chExt cx="2340000" cy="2340000"/>
-          </a:xfrm>
-        </p:grpSpPr>
-        <p:sp>
-          <p:nvSpPr>
-            <p:cNvPr id="5" name="Rectangle 4"/>
-            <p:cNvSpPr/>
-            <p:nvPr/>
-          </p:nvSpPr>
-          <p:spPr>
-            <a:xfrm>
-              <a:off x="2772000" y="1932221"/>
-              <a:ext cx="2340000" cy="2340000"/>
-            </a:xfrm>
-            <a:prstGeom prst="rect">
-              <a:avLst/>
-            </a:prstGeom>
-            <a:solidFill>
-              <a:schemeClr val="bg1">
-                <a:lumMod val="75000"/>
-              </a:schemeClr>
-            </a:solidFill>
-            <a:ln>
-              <a:noFill/>
-            </a:ln>
-          </p:spPr>
-          <p:style>
-            <a:lnRef idx="2">
-              <a:schemeClr val="accent1">
-                <a:shade val="50000"/>
-              </a:schemeClr>
-            </a:lnRef>
-            <a:fillRef idx="1">
-              <a:schemeClr val="accent1"/>
-            </a:fillRef>
-            <a:effectRef idx="0">
-              <a:schemeClr val="accent1"/>
-            </a:effectRef>
-            <a:fontRef idx="minor">
-              <a:schemeClr val="lt1"/>
-            </a:fontRef>
-          </p:style>
-          <p:txBody>
-            <a:bodyPr rtlCol="0" anchor="ctr"/>
-            <a:lstStyle/>
-            <a:p>
-              <a:pPr algn="ctr"/>
-              <a:endParaRPr lang="en-US">
-                <a:ln>
-                  <a:solidFill>
-                    <a:schemeClr val="bg2">
-                      <a:lumMod val="75000"/>
-                    </a:schemeClr>
-                  </a:solidFill>
-                </a:ln>
-                <a:solidFill>
-                  <a:schemeClr val="tx1"/>
-                </a:solidFill>
-              </a:endParaRPr>
-            </a:p>
-          </p:txBody>
-        </p:sp>
-        <p:sp>
-          <p:nvSpPr>
-            <p:cNvPr id="6" name="Rectangle 5"/>
-            <p:cNvSpPr/>
-            <p:nvPr/>
-          </p:nvSpPr>
-          <p:spPr>
-            <a:xfrm>
-              <a:off x="3546000" y="2706221"/>
-              <a:ext cx="792000" cy="792000"/>
-            </a:xfrm>
-            <a:prstGeom prst="rect">
-              <a:avLst/>
-            </a:prstGeom>
-            <a:solidFill>
-              <a:schemeClr val="bg1"/>
-            </a:solidFill>
-            <a:ln>
-              <a:noFill/>
-            </a:ln>
-          </p:spPr>
-          <p:style>
-            <a:lnRef idx="2">
-              <a:schemeClr val="accent1">
-                <a:shade val="50000"/>
-              </a:schemeClr>
-            </a:lnRef>
-            <a:fillRef idx="1">
-              <a:schemeClr val="accent1"/>
-            </a:fillRef>
-            <a:effectRef idx="0">
-              <a:schemeClr val="accent1"/>
-            </a:effectRef>
-            <a:fontRef idx="minor">
-              <a:schemeClr val="lt1"/>
-            </a:fontRef>
-          </p:style>
-          <p:txBody>
-            <a:bodyPr rtlCol="0" anchor="ctr"/>
-            <a:lstStyle/>
-            <a:p>
-              <a:pPr algn="ctr"/>
-              <a:endParaRPr lang="en-US">
-                <a:ln>
-                  <a:solidFill>
-                    <a:schemeClr val="bg2">
-                      <a:lumMod val="75000"/>
-                    </a:schemeClr>
-                  </a:solidFill>
-                </a:ln>
-                <a:solidFill>
-                  <a:schemeClr val="tx1"/>
-                </a:solidFill>
-              </a:endParaRPr>
-            </a:p>
-          </p:txBody>
-        </p:sp>
-      </p:grpSp>
-      <p:sp>
-        <p:nvSpPr>
-          <p:cNvPr id="7" name="TextBox 6"/>
-          <p:cNvSpPr txBox="1"/>
-          <p:nvPr/>
-        </p:nvSpPr>
-        <p:spPr>
-          <a:xfrm>
-            <a:off x="647564" y="1418160"/>
-            <a:ext cx="7848872" cy="400110"/>
-          </a:xfrm>
-          <a:prstGeom prst="rect">
-            <a:avLst/>
-          </a:prstGeom>
-          <a:noFill/>
-        </p:spPr>
-        <p:txBody>
-          <a:bodyPr wrap="square" rtlCol="0">
-            <a:spAutoFit/>
-          </a:bodyPr>
-          <a:lstStyle/>
-          <a:p>
-            <a:pPr marL="342900" indent="-342900" algn="just">
-              <a:buBlip>
-                <a:blip r:embed="rId2"/>
-              </a:buBlip>
-            </a:pPr>
-            <a:r>
-              <a:rPr lang="en-US" sz="2000" dirty="0">
-                <a:latin typeface="UT Sans" pitchFamily="50" charset="0"/>
-              </a:rPr>
-              <a:t>Management-</a:t>
-            </a:r>
-            <a:r>
-              <a:rPr lang="en-US" sz="2000" dirty="0" err="1">
-                <a:latin typeface="UT Sans" pitchFamily="50" charset="0"/>
-              </a:rPr>
-              <a:t>ul</a:t>
-            </a:r>
-            <a:r>
-              <a:rPr lang="en-US" sz="2000" dirty="0">
-                <a:latin typeface="UT Sans" pitchFamily="50" charset="0"/>
-              </a:rPr>
-              <a:t> </a:t>
-            </a:r>
-            <a:r>
-              <a:rPr lang="en-US" sz="2000" dirty="0" err="1">
-                <a:latin typeface="UT Sans" pitchFamily="50" charset="0"/>
-              </a:rPr>
-              <a:t>Echipei</a:t>
-            </a:r>
-            <a:endParaRPr lang="en-US" sz="2000" dirty="0">
-              <a:latin typeface="UT Sans" pitchFamily="50" charset="0"/>
-            </a:endParaRPr>
-          </a:p>
-        </p:txBody>
-      </p:sp>
-      <p:pic>
-        <p:nvPicPr>
-          <p:cNvPr id="2" name="Picture 1"/>
-          <p:cNvPicPr>
-            <a:picLocks noChangeAspect="1"/>
-          </p:cNvPicPr>
-          <p:nvPr/>
-        </p:nvPicPr>
-        <p:blipFill>
-          <a:blip r:embed="rId3" cstate="print">
-            <a:extLst>
-              <a:ext uri="{28A0092B-C50C-407E-A947-70E740481C1C}">
-                <a14:useLocalDpi xmlns:a14="http://schemas.microsoft.com/office/drawing/2010/main" val="0"/>
-              </a:ext>
-            </a:extLst>
-          </a:blip>
-          <a:stretch>
-            <a:fillRect/>
-          </a:stretch>
-        </p:blipFill>
-        <p:spPr>
-          <a:xfrm>
-            <a:off x="359532" y="341671"/>
-            <a:ext cx="1944216" cy="531045"/>
-          </a:xfrm>
-          <a:prstGeom prst="rect">
-            <a:avLst/>
-          </a:prstGeom>
-        </p:spPr>
-      </p:pic>
-      <p:sp>
-        <p:nvSpPr>
-          <p:cNvPr id="9" name="TextBox 8">
-            <a:extLst>
-              <a:ext uri="{FF2B5EF4-FFF2-40B4-BE49-F238E27FC236}">
-                <a16:creationId xmlns:a16="http://schemas.microsoft.com/office/drawing/2014/main" id="{DC363959-13A1-CE03-400E-75094C052845}"/>
-              </a:ext>
-            </a:extLst>
-          </p:cNvPr>
-          <p:cNvSpPr txBox="1"/>
-          <p:nvPr/>
-        </p:nvSpPr>
-        <p:spPr>
-          <a:xfrm>
-            <a:off x="728461" y="799073"/>
-            <a:ext cx="7848872" cy="658835"/>
-          </a:xfrm>
-          <a:prstGeom prst="rect">
-            <a:avLst/>
-          </a:prstGeom>
-          <a:noFill/>
-        </p:spPr>
-        <p:txBody>
-          <a:bodyPr wrap="square" rtlCol="0">
-            <a:spAutoFit/>
-          </a:bodyPr>
-          <a:lstStyle/>
-          <a:p>
-            <a:pPr marR="0" lvl="0" algn="ctr">
-              <a:lnSpc>
-                <a:spcPct val="107000"/>
-              </a:lnSpc>
-              <a:spcBef>
-                <a:spcPts val="1200"/>
-              </a:spcBef>
-              <a:spcAft>
-                <a:spcPts val="0"/>
-              </a:spcAft>
-            </a:pPr>
-            <a:r>
-              <a:rPr lang="en-US" sz="3600" i="1" kern="0" dirty="0" err="1">
-                <a:effectLst/>
-                <a:latin typeface="UT Sans"/>
-                <a:ea typeface="Times New Roman" panose="02020603050405020304" pitchFamily="18" charset="0"/>
-                <a:cs typeface="Calibri" panose="020F0502020204030204" pitchFamily="34" charset="0"/>
-              </a:rPr>
-              <a:t>Arhitectura</a:t>
-            </a:r>
-            <a:r>
-              <a:rPr lang="en-US" sz="3600" i="1" kern="0" dirty="0">
-                <a:effectLst/>
-                <a:latin typeface="UT Sans"/>
-                <a:ea typeface="Times New Roman" panose="02020603050405020304" pitchFamily="18" charset="0"/>
-                <a:cs typeface="Calibri" panose="020F0502020204030204" pitchFamily="34" charset="0"/>
-              </a:rPr>
-              <a:t> </a:t>
-            </a:r>
-            <a:r>
-              <a:rPr lang="en-US" sz="3600" i="1" kern="0" dirty="0" err="1">
-                <a:effectLst/>
-                <a:latin typeface="UT Sans"/>
-                <a:ea typeface="Times New Roman" panose="02020603050405020304" pitchFamily="18" charset="0"/>
-                <a:cs typeface="Calibri" panose="020F0502020204030204" pitchFamily="34" charset="0"/>
-              </a:rPr>
-              <a:t>Aplicației</a:t>
-            </a:r>
-            <a:endParaRPr lang="en-US" sz="3600" i="1" kern="0" dirty="0">
-              <a:effectLst/>
-              <a:latin typeface="Calibri Light" panose="020F0302020204030204" pitchFamily="34" charset="0"/>
-              <a:ea typeface="Times New Roman" panose="02020603050405020304" pitchFamily="18" charset="0"/>
-              <a:cs typeface="Times New Roman" panose="02020603050405020304" pitchFamily="18" charset="0"/>
-            </a:endParaRPr>
-          </a:p>
-        </p:txBody>
-      </p:sp>
-      <p:sp>
-        <p:nvSpPr>
-          <p:cNvPr id="8" name="TextBox 7">
-            <a:extLst>
-              <a:ext uri="{FF2B5EF4-FFF2-40B4-BE49-F238E27FC236}">
-                <a16:creationId xmlns:a16="http://schemas.microsoft.com/office/drawing/2014/main" id="{C1578C47-728C-5292-9BCE-BF53DA02CC03}"/>
-              </a:ext>
-            </a:extLst>
-          </p:cNvPr>
-          <p:cNvSpPr txBox="1"/>
-          <p:nvPr/>
-        </p:nvSpPr>
-        <p:spPr>
-          <a:xfrm>
-            <a:off x="647564" y="1883485"/>
-            <a:ext cx="8064872" cy="584775"/>
-          </a:xfrm>
-          <a:prstGeom prst="rect">
-            <a:avLst/>
-          </a:prstGeom>
-          <a:noFill/>
-        </p:spPr>
-        <p:txBody>
-          <a:bodyPr wrap="square">
-            <a:spAutoFit/>
-          </a:bodyPr>
-          <a:lstStyle/>
-          <a:p>
-            <a:pPr algn="just"/>
-            <a:r>
-              <a:rPr lang="en-US" sz="1600" dirty="0" err="1">
-                <a:effectLst/>
-                <a:latin typeface="UT Sans"/>
-                <a:ea typeface="Calibri" panose="020F0502020204030204" pitchFamily="34" charset="0"/>
-                <a:cs typeface="Calibri" panose="020F0502020204030204" pitchFamily="34" charset="0"/>
-              </a:rPr>
-              <a:t>Pentru</a:t>
-            </a:r>
-            <a:r>
-              <a:rPr lang="en-US" sz="1600" dirty="0">
-                <a:effectLst/>
-                <a:latin typeface="UT Sans"/>
-                <a:ea typeface="Calibri" panose="020F0502020204030204" pitchFamily="34" charset="0"/>
-                <a:cs typeface="Calibri" panose="020F0502020204030204" pitchFamily="34" charset="0"/>
-              </a:rPr>
-              <a:t> management-</a:t>
-            </a:r>
-            <a:r>
-              <a:rPr lang="en-US" sz="1600" dirty="0" err="1">
-                <a:effectLst/>
-                <a:latin typeface="UT Sans"/>
-                <a:ea typeface="Calibri" panose="020F0502020204030204" pitchFamily="34" charset="0"/>
-                <a:cs typeface="Calibri" panose="020F0502020204030204" pitchFamily="34" charset="0"/>
-              </a:rPr>
-              <a:t>ul</a:t>
-            </a:r>
-            <a:r>
-              <a:rPr lang="en-US" sz="1600" dirty="0">
-                <a:effectLst/>
-                <a:latin typeface="UT Sans"/>
-                <a:ea typeface="Calibri" panose="020F0502020204030204" pitchFamily="34" charset="0"/>
-                <a:cs typeface="Calibri" panose="020F0502020204030204" pitchFamily="34" charset="0"/>
-              </a:rPr>
-              <a:t> </a:t>
-            </a:r>
-            <a:r>
-              <a:rPr lang="en-US" sz="1600" dirty="0" err="1">
-                <a:effectLst/>
-                <a:latin typeface="UT Sans"/>
-                <a:ea typeface="Calibri" panose="020F0502020204030204" pitchFamily="34" charset="0"/>
-                <a:cs typeface="Calibri" panose="020F0502020204030204" pitchFamily="34" charset="0"/>
-              </a:rPr>
-              <a:t>echipei</a:t>
-            </a:r>
-            <a:r>
-              <a:rPr lang="en-US" sz="1600" dirty="0">
-                <a:effectLst/>
-                <a:latin typeface="UT Sans"/>
-                <a:ea typeface="Calibri" panose="020F0502020204030204" pitchFamily="34" charset="0"/>
-                <a:cs typeface="Calibri" panose="020F0502020204030204" pitchFamily="34" charset="0"/>
-              </a:rPr>
-              <a:t> am </a:t>
-            </a:r>
-            <a:r>
-              <a:rPr lang="en-US" sz="1600" dirty="0" err="1">
-                <a:effectLst/>
-                <a:latin typeface="UT Sans"/>
-                <a:ea typeface="Calibri" panose="020F0502020204030204" pitchFamily="34" charset="0"/>
-                <a:cs typeface="Calibri" panose="020F0502020204030204" pitchFamily="34" charset="0"/>
-              </a:rPr>
-              <a:t>utilizat</a:t>
-            </a:r>
-            <a:r>
-              <a:rPr lang="en-US" sz="1600" dirty="0">
-                <a:effectLst/>
-                <a:latin typeface="UT Sans"/>
-                <a:ea typeface="Calibri" panose="020F0502020204030204" pitchFamily="34" charset="0"/>
-                <a:cs typeface="Calibri" panose="020F0502020204030204" pitchFamily="34" charset="0"/>
-              </a:rPr>
-              <a:t> ca </a:t>
-            </a:r>
-            <a:r>
-              <a:rPr lang="en-US" sz="1600" dirty="0" err="1">
-                <a:effectLst/>
-                <a:latin typeface="UT Sans"/>
-                <a:ea typeface="Calibri" panose="020F0502020204030204" pitchFamily="34" charset="0"/>
-                <a:cs typeface="Calibri" panose="020F0502020204030204" pitchFamily="34" charset="0"/>
-              </a:rPr>
-              <a:t>și</a:t>
-            </a:r>
-            <a:r>
-              <a:rPr lang="en-US" sz="1600" dirty="0">
-                <a:effectLst/>
-                <a:latin typeface="UT Sans"/>
-                <a:ea typeface="Calibri" panose="020F0502020204030204" pitchFamily="34" charset="0"/>
-                <a:cs typeface="Calibri" panose="020F0502020204030204" pitchFamily="34" charset="0"/>
-              </a:rPr>
-              <a:t> board </a:t>
-            </a:r>
-            <a:r>
-              <a:rPr lang="en-US" sz="1600" dirty="0" err="1">
-                <a:effectLst/>
-                <a:latin typeface="UT Sans"/>
-                <a:ea typeface="Calibri" panose="020F0502020204030204" pitchFamily="34" charset="0"/>
-                <a:cs typeface="Calibri" panose="020F0502020204030204" pitchFamily="34" charset="0"/>
-              </a:rPr>
-              <a:t>pentru</a:t>
-            </a:r>
-            <a:r>
-              <a:rPr lang="en-US" sz="1600" dirty="0">
-                <a:effectLst/>
-                <a:latin typeface="UT Sans"/>
-                <a:ea typeface="Calibri" panose="020F0502020204030204" pitchFamily="34" charset="0"/>
-                <a:cs typeface="Calibri" panose="020F0502020204030204" pitchFamily="34" charset="0"/>
-              </a:rPr>
-              <a:t> task-</a:t>
-            </a:r>
-            <a:r>
-              <a:rPr lang="en-US" sz="1600" dirty="0" err="1">
-                <a:effectLst/>
-                <a:latin typeface="UT Sans"/>
-                <a:ea typeface="Calibri" panose="020F0502020204030204" pitchFamily="34" charset="0"/>
-                <a:cs typeface="Calibri" panose="020F0502020204030204" pitchFamily="34" charset="0"/>
-              </a:rPr>
-              <a:t>uri</a:t>
-            </a:r>
-            <a:r>
-              <a:rPr lang="en-US" sz="1600" dirty="0">
-                <a:effectLst/>
-                <a:latin typeface="UT Sans"/>
-                <a:ea typeface="Calibri" panose="020F0502020204030204" pitchFamily="34" charset="0"/>
-                <a:cs typeface="Calibri" panose="020F0502020204030204" pitchFamily="34" charset="0"/>
-              </a:rPr>
-              <a:t>, </a:t>
-            </a:r>
-            <a:r>
-              <a:rPr lang="en-US" sz="1600" dirty="0" err="1">
-                <a:effectLst/>
-                <a:latin typeface="UT Sans"/>
-                <a:ea typeface="Calibri" panose="020F0502020204030204" pitchFamily="34" charset="0"/>
-                <a:cs typeface="Calibri" panose="020F0502020204030204" pitchFamily="34" charset="0"/>
-              </a:rPr>
-              <a:t>aplicația</a:t>
-            </a:r>
-            <a:r>
-              <a:rPr lang="en-US" sz="1600" dirty="0">
-                <a:effectLst/>
-                <a:latin typeface="UT Sans"/>
-                <a:ea typeface="Calibri" panose="020F0502020204030204" pitchFamily="34" charset="0"/>
-                <a:cs typeface="Calibri" panose="020F0502020204030204" pitchFamily="34" charset="0"/>
-              </a:rPr>
-              <a:t> </a:t>
-            </a:r>
-            <a:r>
-              <a:rPr lang="en-US" sz="1600" b="1" i="1" dirty="0" err="1">
-                <a:effectLst/>
-                <a:latin typeface="UT Sans"/>
-                <a:ea typeface="Calibri" panose="020F0502020204030204" pitchFamily="34" charset="0"/>
-                <a:cs typeface="Calibri" panose="020F0502020204030204" pitchFamily="34" charset="0"/>
-              </a:rPr>
-              <a:t>meistertask</a:t>
-            </a:r>
-            <a:r>
-              <a:rPr lang="en-US" sz="1600" dirty="0">
-                <a:latin typeface="UT Sans"/>
-                <a:ea typeface="Calibri" panose="020F0502020204030204" pitchFamily="34" charset="0"/>
-                <a:cs typeface="Calibri" panose="020F0502020204030204" pitchFamily="34" charset="0"/>
-              </a:rPr>
-              <a:t>, imp</a:t>
-            </a:r>
-            <a:r>
-              <a:rPr lang="ro-RO" sz="1600" dirty="0">
-                <a:latin typeface="UT Sans"/>
-                <a:ea typeface="Calibri" panose="020F0502020204030204" pitchFamily="34" charset="0"/>
-                <a:cs typeface="Calibri" panose="020F0502020204030204" pitchFamily="34" charset="0"/>
-              </a:rPr>
-              <a:t>ărțind intre noi, fiecare ce lucrează și statusul implementării respective.</a:t>
-            </a:r>
-            <a:endParaRPr lang="en-US" sz="1600" dirty="0">
-              <a:effectLst/>
-              <a:latin typeface="Calibri" panose="020F0502020204030204" pitchFamily="34" charset="0"/>
-              <a:ea typeface="Calibri" panose="020F0502020204030204" pitchFamily="34" charset="0"/>
-              <a:cs typeface="Times New Roman" panose="02020603050405020304" pitchFamily="18" charset="0"/>
-            </a:endParaRPr>
-          </a:p>
-        </p:txBody>
-      </p:sp>
-      <p:pic>
-        <p:nvPicPr>
-          <p:cNvPr id="12" name="Picture 11">
-            <a:extLst>
-              <a:ext uri="{FF2B5EF4-FFF2-40B4-BE49-F238E27FC236}">
-                <a16:creationId xmlns:a16="http://schemas.microsoft.com/office/drawing/2014/main" id="{67F8B0AF-69CD-8D15-7BF2-D2B2F37D1CDE}"/>
-              </a:ext>
-            </a:extLst>
-          </p:cNvPr>
-          <p:cNvPicPr>
-            <a:picLocks noChangeAspect="1"/>
-          </p:cNvPicPr>
-          <p:nvPr/>
-        </p:nvPicPr>
-        <p:blipFill rotWithShape="1">
-          <a:blip r:embed="rId4" cstate="print">
-            <a:extLst>
-              <a:ext uri="{28A0092B-C50C-407E-A947-70E740481C1C}">
-                <a14:useLocalDpi xmlns:a14="http://schemas.microsoft.com/office/drawing/2010/main" val="0"/>
-              </a:ext>
-            </a:extLst>
-          </a:blip>
-          <a:srcRect l="1" r="413"/>
-          <a:stretch/>
-        </p:blipFill>
-        <p:spPr bwMode="auto">
-          <a:xfrm>
-            <a:off x="340199" y="2576311"/>
-            <a:ext cx="8463601" cy="3589555"/>
-          </a:xfrm>
-          <a:prstGeom prst="rect">
-            <a:avLst/>
-          </a:prstGeom>
-          <a:ln>
-            <a:noFill/>
-          </a:ln>
-          <a:extLst>
-            <a:ext uri="{53640926-AAD7-44D8-BBD7-CCE9431645EC}">
-              <a14:shadowObscured xmlns:a14="http://schemas.microsoft.com/office/drawing/2010/main"/>
-            </a:ext>
-          </a:extLst>
-        </p:spPr>
-      </p:pic>
-      <p:sp>
-        <p:nvSpPr>
-          <p:cNvPr id="3" name="Slide Number Placeholder 2">
-            <a:extLst>
-              <a:ext uri="{FF2B5EF4-FFF2-40B4-BE49-F238E27FC236}">
-                <a16:creationId xmlns:a16="http://schemas.microsoft.com/office/drawing/2014/main" id="{99C6DE0E-FEF1-B13E-83AF-B57576FAE3D3}"/>
-              </a:ext>
-            </a:extLst>
-          </p:cNvPr>
-          <p:cNvSpPr>
-            <a:spLocks noGrp="1"/>
-          </p:cNvSpPr>
-          <p:nvPr>
-            <p:ph type="sldNum" sz="quarter" idx="12"/>
-          </p:nvPr>
-        </p:nvSpPr>
-        <p:spPr/>
-        <p:txBody>
-          <a:bodyPr/>
-          <a:lstStyle/>
-          <a:p>
-            <a:fld id="{735A3DBB-FBA3-4A4C-B7D7-E60F12564F18}" type="slidenum">
-              <a:rPr lang="en-US" smtClean="0"/>
-              <a:t>8</a:t>
-            </a:fld>
-            <a:endParaRPr lang="en-US"/>
-          </a:p>
-        </p:txBody>
-      </p:sp>
-    </p:spTree>
-    <p:extLst>
-      <p:ext uri="{BB962C8B-B14F-4D97-AF65-F5344CB8AC3E}">
-        <p14:creationId xmlns:p14="http://schemas.microsoft.com/office/powerpoint/2010/main" val="942022684"/>
-      </p:ext>
-    </p:extLst>
-  </p:cSld>
-  <p:clrMapOvr>
-    <a:masterClrMapping/>
-  </p:clrMapOvr>
-</p:sld>
-</file>
-
-<file path=ppt/slides/slide9.xml><?xml version="1.0" encoding="utf-8"?>
-<p:sld xmlns:a="http://schemas.openxmlformats.org/drawingml/2006/main" xmlns:r="http://schemas.openxmlformats.org/officeDocument/2006/relationships" xmlns:p="http://schemas.openxmlformats.org/presentationml/2006/main">
-  <p:cSld>
-    <p:spTree>
-      <p:nvGrpSpPr>
-        <p:cNvPr id="1" name=""/>
-        <p:cNvGrpSpPr/>
-        <p:nvPr/>
-      </p:nvGrpSpPr>
-      <p:grpSpPr>
-        <a:xfrm>
-          <a:off x="0" y="0"/>
-          <a:ext cx="0" cy="0"/>
-          <a:chOff x="0" y="0"/>
-          <a:chExt cx="0" cy="0"/>
-        </a:xfrm>
-      </p:grpSpPr>
-      <p:grpSp>
-        <p:nvGrpSpPr>
-          <p:cNvPr id="4" name="Group 3"/>
-          <p:cNvGrpSpPr/>
-          <p:nvPr/>
-        </p:nvGrpSpPr>
-        <p:grpSpPr>
-          <a:xfrm>
-            <a:off x="8460432" y="6237312"/>
-            <a:ext cx="216000" cy="216000"/>
-            <a:chOff x="2772000" y="1932221"/>
-            <a:chExt cx="2340000" cy="2340000"/>
-          </a:xfrm>
-        </p:grpSpPr>
-        <p:sp>
-          <p:nvSpPr>
-            <p:cNvPr id="5" name="Rectangle 4"/>
-            <p:cNvSpPr/>
-            <p:nvPr/>
-          </p:nvSpPr>
-          <p:spPr>
-            <a:xfrm>
-              <a:off x="2772000" y="1932221"/>
-              <a:ext cx="2340000" cy="2340000"/>
-            </a:xfrm>
-            <a:prstGeom prst="rect">
-              <a:avLst/>
-            </a:prstGeom>
-            <a:solidFill>
-              <a:schemeClr val="bg1">
-                <a:lumMod val="75000"/>
-              </a:schemeClr>
-            </a:solidFill>
-            <a:ln>
-              <a:noFill/>
-            </a:ln>
-          </p:spPr>
-          <p:style>
-            <a:lnRef idx="2">
-              <a:schemeClr val="accent1">
-                <a:shade val="50000"/>
-              </a:schemeClr>
-            </a:lnRef>
-            <a:fillRef idx="1">
-              <a:schemeClr val="accent1"/>
-            </a:fillRef>
-            <a:effectRef idx="0">
-              <a:schemeClr val="accent1"/>
-            </a:effectRef>
-            <a:fontRef idx="minor">
-              <a:schemeClr val="lt1"/>
-            </a:fontRef>
-          </p:style>
-          <p:txBody>
-            <a:bodyPr rtlCol="0" anchor="ctr"/>
-            <a:lstStyle/>
-            <a:p>
-              <a:pPr algn="ctr"/>
-              <a:endParaRPr lang="en-US">
-                <a:ln>
-                  <a:solidFill>
-                    <a:schemeClr val="bg2">
-                      <a:lumMod val="75000"/>
-                    </a:schemeClr>
-                  </a:solidFill>
-                </a:ln>
-                <a:solidFill>
-                  <a:schemeClr val="tx1"/>
-                </a:solidFill>
-              </a:endParaRPr>
-            </a:p>
-          </p:txBody>
-        </p:sp>
-        <p:sp>
-          <p:nvSpPr>
-            <p:cNvPr id="6" name="Rectangle 5"/>
-            <p:cNvSpPr/>
-            <p:nvPr/>
-          </p:nvSpPr>
-          <p:spPr>
-            <a:xfrm>
-              <a:off x="3546000" y="2706221"/>
-              <a:ext cx="792000" cy="792000"/>
-            </a:xfrm>
-            <a:prstGeom prst="rect">
-              <a:avLst/>
-            </a:prstGeom>
-            <a:solidFill>
-              <a:schemeClr val="bg1"/>
-            </a:solidFill>
-            <a:ln>
-              <a:noFill/>
-            </a:ln>
-          </p:spPr>
-          <p:style>
-            <a:lnRef idx="2">
-              <a:schemeClr val="accent1">
-                <a:shade val="50000"/>
-              </a:schemeClr>
-            </a:lnRef>
-            <a:fillRef idx="1">
-              <a:schemeClr val="accent1"/>
-            </a:fillRef>
-            <a:effectRef idx="0">
-              <a:schemeClr val="accent1"/>
-            </a:effectRef>
-            <a:fontRef idx="minor">
-              <a:schemeClr val="lt1"/>
-            </a:fontRef>
-          </p:style>
-          <p:txBody>
-            <a:bodyPr rtlCol="0" anchor="ctr"/>
-            <a:lstStyle/>
-            <a:p>
-              <a:pPr algn="ctr"/>
-              <a:endParaRPr lang="en-US">
-                <a:ln>
-                  <a:solidFill>
-                    <a:schemeClr val="bg2">
-                      <a:lumMod val="75000"/>
-                    </a:schemeClr>
-                  </a:solidFill>
-                </a:ln>
-                <a:solidFill>
-                  <a:schemeClr val="tx1"/>
-                </a:solidFill>
-              </a:endParaRPr>
-            </a:p>
-          </p:txBody>
-        </p:sp>
-      </p:grpSp>
-      <p:sp>
-        <p:nvSpPr>
-          <p:cNvPr id="7" name="TextBox 6"/>
-          <p:cNvSpPr txBox="1"/>
-          <p:nvPr/>
-        </p:nvSpPr>
-        <p:spPr>
-          <a:xfrm>
-            <a:off x="611379" y="1499650"/>
-            <a:ext cx="7848872" cy="400110"/>
-          </a:xfrm>
-          <a:prstGeom prst="rect">
-            <a:avLst/>
-          </a:prstGeom>
-          <a:noFill/>
-        </p:spPr>
-        <p:txBody>
-          <a:bodyPr wrap="square" rtlCol="0">
-            <a:spAutoFit/>
-          </a:bodyPr>
-          <a:lstStyle/>
-          <a:p>
-            <a:pPr marL="342900" indent="-342900" algn="just">
-              <a:buBlip>
-                <a:blip r:embed="rId2"/>
-              </a:buBlip>
-            </a:pPr>
-            <a:r>
-              <a:rPr lang="en-US" sz="2000" dirty="0" err="1">
-                <a:latin typeface="UT Sans" pitchFamily="50" charset="0"/>
-              </a:rPr>
-              <a:t>Versionarea</a:t>
-            </a:r>
-            <a:r>
-              <a:rPr lang="en-US" sz="2000" dirty="0">
-                <a:latin typeface="UT Sans" pitchFamily="50" charset="0"/>
-              </a:rPr>
-              <a:t> </a:t>
-            </a:r>
-            <a:r>
-              <a:rPr lang="en-US" sz="2000" dirty="0" err="1">
-                <a:latin typeface="UT Sans" pitchFamily="50" charset="0"/>
-              </a:rPr>
-              <a:t>Codului</a:t>
-            </a:r>
-            <a:endParaRPr lang="en-US" sz="2000" dirty="0">
-              <a:latin typeface="UT Sans" pitchFamily="50" charset="0"/>
-            </a:endParaRPr>
-          </a:p>
-        </p:txBody>
-      </p:sp>
-      <p:pic>
-        <p:nvPicPr>
-          <p:cNvPr id="2" name="Picture 1"/>
-          <p:cNvPicPr>
-            <a:picLocks noChangeAspect="1"/>
-          </p:cNvPicPr>
-          <p:nvPr/>
-        </p:nvPicPr>
-        <p:blipFill>
-          <a:blip r:embed="rId3" cstate="print">
-            <a:extLst>
-              <a:ext uri="{28A0092B-C50C-407E-A947-70E740481C1C}">
-                <a14:useLocalDpi xmlns:a14="http://schemas.microsoft.com/office/drawing/2010/main" val="0"/>
-              </a:ext>
-            </a:extLst>
-          </a:blip>
-          <a:stretch>
-            <a:fillRect/>
-          </a:stretch>
-        </p:blipFill>
-        <p:spPr>
-          <a:xfrm>
-            <a:off x="359532" y="341671"/>
-            <a:ext cx="1944216" cy="531045"/>
-          </a:xfrm>
-          <a:prstGeom prst="rect">
-            <a:avLst/>
-          </a:prstGeom>
-        </p:spPr>
-      </p:pic>
-      <p:sp>
-        <p:nvSpPr>
-          <p:cNvPr id="9" name="TextBox 8">
-            <a:extLst>
-              <a:ext uri="{FF2B5EF4-FFF2-40B4-BE49-F238E27FC236}">
-                <a16:creationId xmlns:a16="http://schemas.microsoft.com/office/drawing/2014/main" id="{DC363959-13A1-CE03-400E-75094C052845}"/>
-              </a:ext>
-            </a:extLst>
-          </p:cNvPr>
-          <p:cNvSpPr txBox="1"/>
-          <p:nvPr/>
-        </p:nvSpPr>
-        <p:spPr>
-          <a:xfrm>
-            <a:off x="615344" y="791298"/>
-            <a:ext cx="7848872" cy="658835"/>
-          </a:xfrm>
-          <a:prstGeom prst="rect">
-            <a:avLst/>
-          </a:prstGeom>
-          <a:noFill/>
-        </p:spPr>
-        <p:txBody>
-          <a:bodyPr wrap="square" rtlCol="0">
-            <a:spAutoFit/>
-          </a:bodyPr>
-          <a:lstStyle/>
-          <a:p>
-            <a:pPr marR="0" lvl="0" algn="ctr">
-              <a:lnSpc>
-                <a:spcPct val="107000"/>
-              </a:lnSpc>
-              <a:spcBef>
-                <a:spcPts val="1200"/>
-              </a:spcBef>
-              <a:spcAft>
-                <a:spcPts val="0"/>
-              </a:spcAft>
-            </a:pPr>
-            <a:r>
-              <a:rPr lang="en-US" sz="3600" i="1" kern="0" dirty="0" err="1">
-                <a:effectLst/>
-                <a:latin typeface="UT Sans"/>
-                <a:ea typeface="Times New Roman" panose="02020603050405020304" pitchFamily="18" charset="0"/>
-                <a:cs typeface="Calibri" panose="020F0502020204030204" pitchFamily="34" charset="0"/>
-              </a:rPr>
-              <a:t>Arhitectura</a:t>
-            </a:r>
-            <a:r>
-              <a:rPr lang="en-US" sz="3600" i="1" kern="0" dirty="0">
-                <a:effectLst/>
-                <a:latin typeface="UT Sans"/>
-                <a:ea typeface="Times New Roman" panose="02020603050405020304" pitchFamily="18" charset="0"/>
-                <a:cs typeface="Calibri" panose="020F0502020204030204" pitchFamily="34" charset="0"/>
-              </a:rPr>
-              <a:t> </a:t>
-            </a:r>
-            <a:r>
-              <a:rPr lang="en-US" sz="3600" i="1" kern="0" dirty="0" err="1">
-                <a:effectLst/>
-                <a:latin typeface="UT Sans"/>
-                <a:ea typeface="Times New Roman" panose="02020603050405020304" pitchFamily="18" charset="0"/>
-                <a:cs typeface="Calibri" panose="020F0502020204030204" pitchFamily="34" charset="0"/>
-              </a:rPr>
-              <a:t>Aplicației</a:t>
-            </a:r>
-            <a:endParaRPr lang="en-US" sz="3600" i="1" kern="0" dirty="0">
-              <a:effectLst/>
-              <a:latin typeface="Calibri Light" panose="020F0302020204030204" pitchFamily="34" charset="0"/>
-              <a:ea typeface="Times New Roman" panose="02020603050405020304" pitchFamily="18" charset="0"/>
-              <a:cs typeface="Times New Roman" panose="02020603050405020304" pitchFamily="18" charset="0"/>
-            </a:endParaRPr>
-          </a:p>
-        </p:txBody>
-      </p:sp>
-      <p:sp>
-        <p:nvSpPr>
-          <p:cNvPr id="8" name="TextBox 7">
-            <a:extLst>
-              <a:ext uri="{FF2B5EF4-FFF2-40B4-BE49-F238E27FC236}">
-                <a16:creationId xmlns:a16="http://schemas.microsoft.com/office/drawing/2014/main" id="{C1578C47-728C-5292-9BCE-BF53DA02CC03}"/>
-              </a:ext>
-            </a:extLst>
-          </p:cNvPr>
-          <p:cNvSpPr txBox="1"/>
-          <p:nvPr/>
-        </p:nvSpPr>
-        <p:spPr>
-          <a:xfrm>
-            <a:off x="611560" y="1899760"/>
-            <a:ext cx="8064872" cy="871008"/>
-          </a:xfrm>
-          <a:prstGeom prst="rect">
-            <a:avLst/>
-          </a:prstGeom>
-          <a:noFill/>
-        </p:spPr>
-        <p:txBody>
-          <a:bodyPr wrap="square">
-            <a:spAutoFit/>
-          </a:bodyPr>
-          <a:lstStyle/>
-          <a:p>
-            <a:pPr marL="0" marR="0" indent="228600" algn="just">
-              <a:lnSpc>
-                <a:spcPct val="107000"/>
-              </a:lnSpc>
-              <a:spcBef>
-                <a:spcPts val="0"/>
-              </a:spcBef>
-              <a:spcAft>
-                <a:spcPts val="800"/>
-              </a:spcAft>
-            </a:pPr>
-            <a:r>
-              <a:rPr lang="en-US" sz="1600" dirty="0" err="1">
-                <a:effectLst/>
-                <a:latin typeface="UT Sans"/>
-                <a:ea typeface="Calibri" panose="020F0502020204030204" pitchFamily="34" charset="0"/>
-                <a:cs typeface="Times New Roman" panose="02020603050405020304" pitchFamily="18" charset="0"/>
-              </a:rPr>
-              <a:t>Pentru</a:t>
-            </a:r>
-            <a:r>
-              <a:rPr lang="en-US" sz="1600" dirty="0">
-                <a:effectLst/>
-                <a:latin typeface="UT Sans"/>
-                <a:ea typeface="Calibri" panose="020F0502020204030204" pitchFamily="34" charset="0"/>
-                <a:cs typeface="Times New Roman" panose="02020603050405020304" pitchFamily="18" charset="0"/>
-              </a:rPr>
-              <a:t> </a:t>
-            </a:r>
-            <a:r>
-              <a:rPr lang="en-US" sz="1600" dirty="0" err="1">
-                <a:effectLst/>
-                <a:latin typeface="UT Sans"/>
-                <a:ea typeface="Calibri" panose="020F0502020204030204" pitchFamily="34" charset="0"/>
-                <a:cs typeface="Times New Roman" panose="02020603050405020304" pitchFamily="18" charset="0"/>
-              </a:rPr>
-              <a:t>versionarea</a:t>
-            </a:r>
-            <a:r>
-              <a:rPr lang="en-US" sz="1600" dirty="0">
-                <a:effectLst/>
-                <a:latin typeface="UT Sans"/>
-                <a:ea typeface="Calibri" panose="020F0502020204030204" pitchFamily="34" charset="0"/>
-                <a:cs typeface="Times New Roman" panose="02020603050405020304" pitchFamily="18" charset="0"/>
-              </a:rPr>
-              <a:t> </a:t>
-            </a:r>
-            <a:r>
-              <a:rPr lang="en-US" sz="1600" dirty="0" err="1">
-                <a:effectLst/>
-                <a:latin typeface="UT Sans"/>
-                <a:ea typeface="Calibri" panose="020F0502020204030204" pitchFamily="34" charset="0"/>
-                <a:cs typeface="Times New Roman" panose="02020603050405020304" pitchFamily="18" charset="0"/>
-              </a:rPr>
-              <a:t>codului</a:t>
-            </a:r>
-            <a:r>
-              <a:rPr lang="en-US" sz="1600" dirty="0">
-                <a:effectLst/>
-                <a:latin typeface="UT Sans"/>
-                <a:ea typeface="Calibri" panose="020F0502020204030204" pitchFamily="34" charset="0"/>
-                <a:cs typeface="Times New Roman" panose="02020603050405020304" pitchFamily="18" charset="0"/>
-              </a:rPr>
-              <a:t> am </a:t>
-            </a:r>
-            <a:r>
-              <a:rPr lang="en-US" sz="1600" dirty="0" err="1">
-                <a:effectLst/>
-                <a:latin typeface="UT Sans"/>
-                <a:ea typeface="Calibri" panose="020F0502020204030204" pitchFamily="34" charset="0"/>
-                <a:cs typeface="Times New Roman" panose="02020603050405020304" pitchFamily="18" charset="0"/>
-              </a:rPr>
-              <a:t>utilizat</a:t>
-            </a:r>
-            <a:r>
-              <a:rPr lang="en-US" sz="1600" dirty="0">
-                <a:effectLst/>
-                <a:latin typeface="UT Sans"/>
-                <a:ea typeface="Calibri" panose="020F0502020204030204" pitchFamily="34" charset="0"/>
-                <a:cs typeface="Times New Roman" panose="02020603050405020304" pitchFamily="18" charset="0"/>
-              </a:rPr>
-              <a:t> GitHub, </a:t>
-            </a:r>
-            <a:r>
-              <a:rPr lang="en-US" sz="1600" dirty="0" err="1">
-                <a:effectLst/>
-                <a:latin typeface="UT Sans"/>
-                <a:ea typeface="Calibri" panose="020F0502020204030204" pitchFamily="34" charset="0"/>
-                <a:cs typeface="Times New Roman" panose="02020603050405020304" pitchFamily="18" charset="0"/>
-              </a:rPr>
-              <a:t>mediu</a:t>
-            </a:r>
-            <a:r>
-              <a:rPr lang="en-US" sz="1600" dirty="0">
-                <a:effectLst/>
-                <a:latin typeface="UT Sans"/>
-                <a:ea typeface="Calibri" panose="020F0502020204030204" pitchFamily="34" charset="0"/>
-                <a:cs typeface="Times New Roman" panose="02020603050405020304" pitchFamily="18" charset="0"/>
-              </a:rPr>
-              <a:t> </a:t>
-            </a:r>
-            <a:r>
-              <a:rPr lang="en-US" sz="1600" dirty="0" err="1">
-                <a:effectLst/>
-                <a:latin typeface="UT Sans"/>
-                <a:ea typeface="Calibri" panose="020F0502020204030204" pitchFamily="34" charset="0"/>
-                <a:cs typeface="Times New Roman" panose="02020603050405020304" pitchFamily="18" charset="0"/>
-              </a:rPr>
-              <a:t>în</a:t>
-            </a:r>
-            <a:r>
-              <a:rPr lang="en-US" sz="1600" dirty="0">
-                <a:effectLst/>
-                <a:latin typeface="UT Sans"/>
-                <a:ea typeface="Calibri" panose="020F0502020204030204" pitchFamily="34" charset="0"/>
-                <a:cs typeface="Times New Roman" panose="02020603050405020304" pitchFamily="18" charset="0"/>
-              </a:rPr>
-              <a:t> care am </a:t>
-            </a:r>
-            <a:r>
-              <a:rPr lang="en-US" sz="1600" dirty="0" err="1">
-                <a:effectLst/>
-                <a:latin typeface="UT Sans"/>
-                <a:ea typeface="Calibri" panose="020F0502020204030204" pitchFamily="34" charset="0"/>
-                <a:cs typeface="Times New Roman" panose="02020603050405020304" pitchFamily="18" charset="0"/>
-              </a:rPr>
-              <a:t>creat</a:t>
-            </a:r>
-            <a:r>
-              <a:rPr lang="en-US" sz="1600" dirty="0">
-                <a:effectLst/>
-                <a:latin typeface="UT Sans"/>
-                <a:ea typeface="Calibri" panose="020F0502020204030204" pitchFamily="34" charset="0"/>
-                <a:cs typeface="Times New Roman" panose="02020603050405020304" pitchFamily="18" charset="0"/>
-              </a:rPr>
-              <a:t> branch-</a:t>
-            </a:r>
-            <a:r>
-              <a:rPr lang="en-US" sz="1600" dirty="0" err="1">
-                <a:effectLst/>
-                <a:latin typeface="UT Sans"/>
-                <a:ea typeface="Calibri" panose="020F0502020204030204" pitchFamily="34" charset="0"/>
-                <a:cs typeface="Times New Roman" panose="02020603050405020304" pitchFamily="18" charset="0"/>
-              </a:rPr>
-              <a:t>uri</a:t>
-            </a:r>
-            <a:r>
-              <a:rPr lang="en-US" sz="1600" dirty="0">
-                <a:effectLst/>
-                <a:latin typeface="UT Sans"/>
-                <a:ea typeface="Calibri" panose="020F0502020204030204" pitchFamily="34" charset="0"/>
-                <a:cs typeface="Times New Roman" panose="02020603050405020304" pitchFamily="18" charset="0"/>
-              </a:rPr>
-              <a:t> de </a:t>
-            </a:r>
-            <a:r>
-              <a:rPr lang="en-US" sz="1600" dirty="0" err="1">
-                <a:effectLst/>
-                <a:latin typeface="UT Sans"/>
-                <a:ea typeface="Calibri" panose="020F0502020204030204" pitchFamily="34" charset="0"/>
-                <a:cs typeface="Times New Roman" panose="02020603050405020304" pitchFamily="18" charset="0"/>
-              </a:rPr>
-              <a:t>dezvoltare</a:t>
-            </a:r>
-            <a:r>
-              <a:rPr lang="en-US" sz="1600" dirty="0">
-                <a:effectLst/>
-                <a:latin typeface="UT Sans"/>
-                <a:ea typeface="Calibri" panose="020F0502020204030204" pitchFamily="34" charset="0"/>
-                <a:cs typeface="Times New Roman" panose="02020603050405020304" pitchFamily="18" charset="0"/>
-              </a:rPr>
-              <a:t> </a:t>
-            </a:r>
-            <a:r>
-              <a:rPr lang="en-US" sz="1600" dirty="0" err="1">
-                <a:effectLst/>
-                <a:latin typeface="UT Sans"/>
-                <a:ea typeface="Calibri" panose="020F0502020204030204" pitchFamily="34" charset="0"/>
-                <a:cs typeface="Times New Roman" panose="02020603050405020304" pitchFamily="18" charset="0"/>
-              </a:rPr>
-              <a:t>pentru</a:t>
-            </a:r>
-            <a:r>
-              <a:rPr lang="en-US" sz="1600" dirty="0">
-                <a:effectLst/>
-                <a:latin typeface="UT Sans"/>
-                <a:ea typeface="Calibri" panose="020F0502020204030204" pitchFamily="34" charset="0"/>
-                <a:cs typeface="Times New Roman" panose="02020603050405020304" pitchFamily="18" charset="0"/>
-              </a:rPr>
-              <a:t> </a:t>
-            </a:r>
-            <a:r>
-              <a:rPr lang="en-US" sz="1600" dirty="0" err="1">
-                <a:effectLst/>
-                <a:latin typeface="UT Sans"/>
-                <a:ea typeface="Calibri" panose="020F0502020204030204" pitchFamily="34" charset="0"/>
-                <a:cs typeface="Times New Roman" panose="02020603050405020304" pitchFamily="18" charset="0"/>
-              </a:rPr>
-              <a:t>diferinte</a:t>
-            </a:r>
-            <a:r>
-              <a:rPr lang="en-US" sz="1600" dirty="0">
-                <a:effectLst/>
-                <a:latin typeface="UT Sans"/>
-                <a:ea typeface="Calibri" panose="020F0502020204030204" pitchFamily="34" charset="0"/>
-                <a:cs typeface="Times New Roman" panose="02020603050405020304" pitchFamily="18" charset="0"/>
-              </a:rPr>
-              <a:t> </a:t>
-            </a:r>
-            <a:r>
-              <a:rPr lang="en-US" sz="1600" dirty="0" err="1">
-                <a:effectLst/>
-                <a:latin typeface="UT Sans"/>
-                <a:ea typeface="Calibri" panose="020F0502020204030204" pitchFamily="34" charset="0"/>
-                <a:cs typeface="Times New Roman" panose="02020603050405020304" pitchFamily="18" charset="0"/>
-              </a:rPr>
-              <a:t>etape</a:t>
-            </a:r>
-            <a:r>
-              <a:rPr lang="en-US" sz="1600" dirty="0">
-                <a:effectLst/>
-                <a:latin typeface="UT Sans"/>
-                <a:ea typeface="Calibri" panose="020F0502020204030204" pitchFamily="34" charset="0"/>
-                <a:cs typeface="Times New Roman" panose="02020603050405020304" pitchFamily="18" charset="0"/>
-              </a:rPr>
-              <a:t> ale </a:t>
-            </a:r>
-            <a:r>
-              <a:rPr lang="en-US" sz="1600" dirty="0" err="1">
-                <a:effectLst/>
-                <a:latin typeface="UT Sans"/>
-                <a:ea typeface="Calibri" panose="020F0502020204030204" pitchFamily="34" charset="0"/>
-                <a:cs typeface="Times New Roman" panose="02020603050405020304" pitchFamily="18" charset="0"/>
-              </a:rPr>
-              <a:t>proiectului</a:t>
-            </a:r>
-            <a:r>
-              <a:rPr lang="en-US" sz="1600" dirty="0">
-                <a:effectLst/>
-                <a:latin typeface="UT Sans"/>
-                <a:ea typeface="Calibri" panose="020F0502020204030204" pitchFamily="34" charset="0"/>
-                <a:cs typeface="Times New Roman" panose="02020603050405020304" pitchFamily="18" charset="0"/>
-              </a:rPr>
-              <a:t>.</a:t>
-            </a:r>
-            <a:r>
-              <a:rPr lang="ro-RO" sz="1600" dirty="0">
-                <a:latin typeface="UT Sans"/>
-                <a:ea typeface="Calibri" panose="020F0502020204030204" pitchFamily="34" charset="0"/>
-                <a:cs typeface="Times New Roman" panose="02020603050405020304" pitchFamily="18" charset="0"/>
-              </a:rPr>
-              <a:t> Fiecare membru din echipă a lucrat pe un branch separat pentru ca apoi să fie merge-uit în proiectul final.</a:t>
-            </a:r>
-            <a:endParaRPr lang="en-US" sz="1600" dirty="0">
-              <a:effectLst/>
-              <a:latin typeface="Calibri" panose="020F0502020204030204" pitchFamily="34" charset="0"/>
-              <a:ea typeface="Calibri" panose="020F0502020204030204" pitchFamily="34" charset="0"/>
-              <a:cs typeface="Times New Roman" panose="02020603050405020304" pitchFamily="18" charset="0"/>
-            </a:endParaRPr>
-          </a:p>
-        </p:txBody>
-      </p:sp>
-      <p:pic>
-        <p:nvPicPr>
-          <p:cNvPr id="3" name="Picture 2">
-            <a:extLst>
-              <a:ext uri="{FF2B5EF4-FFF2-40B4-BE49-F238E27FC236}">
-                <a16:creationId xmlns:a16="http://schemas.microsoft.com/office/drawing/2014/main" id="{DB184E8C-CE2D-78AE-3697-B1F24595EA11}"/>
-              </a:ext>
-            </a:extLst>
-          </p:cNvPr>
-          <p:cNvPicPr>
-            <a:picLocks noChangeAspect="1"/>
-          </p:cNvPicPr>
-          <p:nvPr/>
-        </p:nvPicPr>
-        <p:blipFill>
-          <a:blip r:embed="rId4"/>
-          <a:stretch>
-            <a:fillRect/>
-          </a:stretch>
-        </p:blipFill>
-        <p:spPr>
-          <a:xfrm>
-            <a:off x="1997533" y="2770768"/>
-            <a:ext cx="5076564" cy="3760237"/>
-          </a:xfrm>
-          <a:prstGeom prst="rect">
-            <a:avLst/>
-          </a:prstGeom>
-        </p:spPr>
-      </p:pic>
-      <p:sp>
-        <p:nvSpPr>
-          <p:cNvPr id="10" name="Slide Number Placeholder 9">
-            <a:extLst>
-              <a:ext uri="{FF2B5EF4-FFF2-40B4-BE49-F238E27FC236}">
-                <a16:creationId xmlns:a16="http://schemas.microsoft.com/office/drawing/2014/main" id="{2B6AB743-1768-E539-1D62-CD7922839D65}"/>
-              </a:ext>
-            </a:extLst>
-          </p:cNvPr>
-          <p:cNvSpPr>
-            <a:spLocks noGrp="1"/>
-          </p:cNvSpPr>
-          <p:nvPr>
-            <p:ph type="sldNum" sz="quarter" idx="12"/>
-          </p:nvPr>
-        </p:nvSpPr>
-        <p:spPr/>
-        <p:txBody>
-          <a:bodyPr/>
-          <a:lstStyle/>
-          <a:p>
-            <a:fld id="{735A3DBB-FBA3-4A4C-B7D7-E60F12564F18}" type="slidenum">
-              <a:rPr lang="en-US" smtClean="0"/>
-              <a:t>9</a:t>
-            </a:fld>
-            <a:endParaRPr lang="en-US"/>
-          </a:p>
-        </p:txBody>
-      </p:sp>
-    </p:spTree>
-    <p:extLst>
-      <p:ext uri="{BB962C8B-B14F-4D97-AF65-F5344CB8AC3E}">
-        <p14:creationId xmlns:p14="http://schemas.microsoft.com/office/powerpoint/2010/main" val="4097935701"/>
+        <p14:creationId xmlns:p14="http://schemas.microsoft.com/office/powerpoint/2010/main" val="362432450"/>
       </p:ext>
     </p:extLst>
   </p:cSld>

--- a/Documentatie/Documentație_ PPT.pptx
+++ b/Documentatie/Documentație_ PPT.pptx
@@ -222,7 +222,7 @@
           <a:p>
             <a:fld id="{CBFB9E40-A49B-4EA3-A255-C10C0378D684}" type="datetimeFigureOut">
               <a:rPr lang="en-US" smtClean="0"/>
-              <a:t>1/23/2023</a:t>
+              <a:t>1/24/2023</a:t>
             </a:fld>
             <a:endParaRPr lang="en-US"/>
           </a:p>
@@ -618,7 +618,7 @@
           <a:p>
             <a:fld id="{75D3D8B3-6165-46E5-A639-8EF66C1CF256}" type="datetime1">
               <a:rPr lang="en-US" smtClean="0"/>
-              <a:t>1/23/2023</a:t>
+              <a:t>1/24/2023</a:t>
             </a:fld>
             <a:endParaRPr lang="en-US"/>
           </a:p>
@@ -781,7 +781,7 @@
           <a:p>
             <a:fld id="{7097E2F1-89B4-4202-9F2E-2CE968214A5A}" type="datetime1">
               <a:rPr lang="en-US" smtClean="0"/>
-              <a:t>1/23/2023</a:t>
+              <a:t>1/24/2023</a:t>
             </a:fld>
             <a:endParaRPr lang="en-US"/>
           </a:p>
@@ -954,7 +954,7 @@
           <a:p>
             <a:fld id="{0D990288-E5C7-44C1-8AA4-CB89A08FF5B4}" type="datetime1">
               <a:rPr lang="en-US" smtClean="0"/>
-              <a:t>1/23/2023</a:t>
+              <a:t>1/24/2023</a:t>
             </a:fld>
             <a:endParaRPr lang="en-US"/>
           </a:p>
@@ -1117,7 +1117,7 @@
           <a:p>
             <a:fld id="{1881EED2-31AE-43D8-9045-218EEF368041}" type="datetime1">
               <a:rPr lang="en-US" smtClean="0"/>
-              <a:t>1/23/2023</a:t>
+              <a:t>1/24/2023</a:t>
             </a:fld>
             <a:endParaRPr lang="en-US"/>
           </a:p>
@@ -1357,7 +1357,7 @@
           <a:p>
             <a:fld id="{9D5304B4-1FCC-4B27-AAB7-ED2FBB1BC588}" type="datetime1">
               <a:rPr lang="en-US" smtClean="0"/>
-              <a:t>1/23/2023</a:t>
+              <a:t>1/24/2023</a:t>
             </a:fld>
             <a:endParaRPr lang="en-US"/>
           </a:p>
@@ -1581,7 +1581,7 @@
           <a:p>
             <a:fld id="{2B5F26D0-CFE8-48F9-94A0-6FF6F69FC979}" type="datetime1">
               <a:rPr lang="en-US" smtClean="0"/>
-              <a:t>1/23/2023</a:t>
+              <a:t>1/24/2023</a:t>
             </a:fld>
             <a:endParaRPr lang="en-US"/>
           </a:p>
@@ -1940,7 +1940,7 @@
           <a:p>
             <a:fld id="{766FE583-29A0-4E4A-8214-4F9797CDA1F2}" type="datetime1">
               <a:rPr lang="en-US" smtClean="0"/>
-              <a:t>1/23/2023</a:t>
+              <a:t>1/24/2023</a:t>
             </a:fld>
             <a:endParaRPr lang="en-US"/>
           </a:p>
@@ -2052,7 +2052,7 @@
           <a:p>
             <a:fld id="{40B8B492-C5F1-4A2E-8F64-9D9E36857720}" type="datetime1">
               <a:rPr lang="en-US" smtClean="0"/>
-              <a:t>1/23/2023</a:t>
+              <a:t>1/24/2023</a:t>
             </a:fld>
             <a:endParaRPr lang="en-US"/>
           </a:p>
@@ -2142,7 +2142,7 @@
           <a:p>
             <a:fld id="{251BA464-B4C7-43F2-A80B-B548B28F2637}" type="datetime1">
               <a:rPr lang="en-US" smtClean="0"/>
-              <a:t>1/23/2023</a:t>
+              <a:t>1/24/2023</a:t>
             </a:fld>
             <a:endParaRPr lang="en-US"/>
           </a:p>
@@ -2412,7 +2412,7 @@
           <a:p>
             <a:fld id="{FE6B2166-805D-46A7-8A0D-2F557F2EEA0F}" type="datetime1">
               <a:rPr lang="en-US" smtClean="0"/>
-              <a:t>1/23/2023</a:t>
+              <a:t>1/24/2023</a:t>
             </a:fld>
             <a:endParaRPr lang="en-US"/>
           </a:p>
@@ -2659,7 +2659,7 @@
           <a:p>
             <a:fld id="{48E225E8-0F57-47BB-AD48-C05F5A8F2603}" type="datetime1">
               <a:rPr lang="en-US" smtClean="0"/>
-              <a:t>1/23/2023</a:t>
+              <a:t>1/24/2023</a:t>
             </a:fld>
             <a:endParaRPr lang="en-US"/>
           </a:p>
@@ -2865,7 +2865,7 @@
           <a:p>
             <a:fld id="{C576AFE1-3C23-4AA6-B23B-960DFCA4E1A2}" type="datetime1">
               <a:rPr lang="en-US" smtClean="0"/>
-              <a:t>1/23/2023</a:t>
+              <a:t>1/24/2023</a:t>
             </a:fld>
             <a:endParaRPr lang="en-US"/>
           </a:p>
@@ -10701,16 +10701,10 @@
               <a:t> </a:t>
             </a:r>
             <a:r>
-              <a:rPr lang="en-US" sz="2000" dirty="0" err="1">
+              <a:rPr lang="ro-RO" sz="2000" dirty="0">
                 <a:latin typeface="UT Sans" pitchFamily="50" charset="0"/>
               </a:rPr>
-              <a:t>achizita</a:t>
-            </a:r>
-            <a:r>
-              <a:rPr lang="en-US" sz="2000" dirty="0">
-                <a:latin typeface="UT Sans" pitchFamily="50" charset="0"/>
-              </a:rPr>
-              <a:t> </a:t>
+              <a:t>descărcarea </a:t>
             </a:r>
             <a:r>
               <a:rPr lang="en-US" sz="2000" dirty="0" err="1">
@@ -11142,7 +11136,19 @@
                 <a:ea typeface="Calibri" panose="020F0502020204030204" pitchFamily="34" charset="0"/>
                 <a:cs typeface="Times New Roman" panose="02020603050405020304" pitchFamily="18" charset="0"/>
               </a:rPr>
-              <a:t>oferit</a:t>
+              <a:t>oferi</a:t>
+            </a:r>
+            <a:r>
+              <a:rPr lang="ro-RO" sz="1800" dirty="0">
+                <a:solidFill>
+                  <a:srgbClr val="000000"/>
+                </a:solidFill>
+                <a:effectLst/>
+                <a:latin typeface="UT Sans"/>
+                <a:ea typeface="Calibri" panose="020F0502020204030204" pitchFamily="34" charset="0"/>
+                <a:cs typeface="Times New Roman" panose="02020603050405020304" pitchFamily="18" charset="0"/>
+              </a:rPr>
+              <a:t>m</a:t>
             </a:r>
             <a:r>
               <a:rPr lang="en-US" sz="1800" dirty="0">
@@ -11211,13 +11217,12 @@
               <a:t>ajut</a:t>
             </a:r>
             <a:r>
-              <a:rPr lang="en-US" sz="1800" dirty="0" err="1">
-                <a:effectLst/>
+              <a:rPr lang="ro-RO" dirty="0">
                 <a:latin typeface="UT Sans"/>
                 <a:ea typeface="Calibri" panose="020F0502020204030204" pitchFamily="34" charset="0"/>
                 <a:cs typeface="Calibri" panose="020F0502020204030204" pitchFamily="34" charset="0"/>
               </a:rPr>
-              <a:t>ă</a:t>
+              <a:t>a</a:t>
             </a:r>
             <a:r>
               <a:rPr lang="en-US" sz="1800" dirty="0">
@@ -12383,7 +12388,7 @@
                 <a:ea typeface="Calibri" panose="020F0502020204030204" pitchFamily="34" charset="0"/>
                 <a:cs typeface="Calibri" panose="020F0502020204030204" pitchFamily="34" charset="0"/>
               </a:rPr>
-              <a:t>ărțind intre noi, fiecare ce lucrează și statusul implementării respective.</a:t>
+              <a:t>ărțind între noi, fiecare ce lucrează și statusul implementării respective.</a:t>
             </a:r>
             <a:endParaRPr lang="en-US" sz="1600" dirty="0">
               <a:effectLst/>
